--- a/Python Chess.pptx
+++ b/Python Chess.pptx
@@ -6,9 +6,18 @@
   </p:sldMasterIdLst>
   <p:sldIdLst>
     <p:sldId id="256" r:id="rId2"/>
-    <p:sldId id="257" r:id="rId3"/>
+    <p:sldId id="261" r:id="rId3"/>
     <p:sldId id="258" r:id="rId4"/>
-    <p:sldId id="259" r:id="rId5"/>
+    <p:sldId id="264" r:id="rId5"/>
+    <p:sldId id="268" r:id="rId6"/>
+    <p:sldId id="262" r:id="rId7"/>
+    <p:sldId id="263" r:id="rId8"/>
+    <p:sldId id="265" r:id="rId9"/>
+    <p:sldId id="266" r:id="rId10"/>
+    <p:sldId id="270" r:id="rId11"/>
+    <p:sldId id="259" r:id="rId12"/>
+    <p:sldId id="267" r:id="rId13"/>
+    <p:sldId id="269" r:id="rId14"/>
   </p:sldIdLst>
   <p:sldSz cx="12192000" cy="6858000"/>
   <p:notesSz cx="6858000" cy="9144000"/>
@@ -107,13 +116,18 @@
       </a:defRPr>
     </a:lvl9pPr>
   </p:defaultTextStyle>
+  <p:extLst>
+    <p:ext uri="{EFAFB233-063F-42B5-8137-9DF3F51BA10A}">
+      <p15:sldGuideLst xmlns:p15="http://schemas.microsoft.com/office/powerpoint/2012/main"/>
+    </p:ext>
+  </p:extLst>
 </p:presentation>
 </file>
 
 <file path=ppt/revisionInfo.xml><?xml version="1.0" encoding="utf-8"?>
 <p1510:revInfo xmlns:a="http://schemas.openxmlformats.org/drawingml/2006/main" xmlns:r="http://schemas.openxmlformats.org/officeDocument/2006/relationships" xmlns:p1510="http://schemas.microsoft.com/office/powerpoint/2015/10/main">
   <p1510:revLst>
-    <p1510:client id="{82030F73-2390-4F5D-B704-AB6B90AE5A12}" v="4" dt="2025-04-30T07:16:20.012"/>
+    <p1510:client id="{82030F73-2390-4F5D-B704-AB6B90AE5A12}" v="13" dt="2025-05-07T08:38:30.476"/>
   </p1510:revLst>
 </p1510:revInfo>
 </file>
@@ -122,138 +136,57 @@
 <pc:chgInfo xmlns:a="http://schemas.openxmlformats.org/drawingml/2006/main" xmlns:r="http://schemas.openxmlformats.org/officeDocument/2006/relationships" xmlns:ac="http://schemas.microsoft.com/office/drawing/2013/main/command" xmlns:pc="http://schemas.microsoft.com/office/powerpoint/2013/main/command">
   <pc:docChgLst>
     <pc:chgData name="Franz Barbist" userId="c7836f6c319c67ab" providerId="LiveId" clId="{82030F73-2390-4F5D-B704-AB6B90AE5A12}"/>
-    <pc:docChg chg="custSel addSld modSld">
-      <pc:chgData name="Franz Barbist" userId="c7836f6c319c67ab" providerId="LiveId" clId="{82030F73-2390-4F5D-B704-AB6B90AE5A12}" dt="2025-04-30T07:40:31.650" v="612" actId="20577"/>
+    <pc:docChg chg="undo custSel addSld delSld modSld">
+      <pc:chgData name="Franz Barbist" userId="c7836f6c319c67ab" providerId="LiveId" clId="{82030F73-2390-4F5D-B704-AB6B90AE5A12}" dt="2025-05-07T08:40:11.034" v="2622" actId="20577"/>
       <pc:docMkLst>
         <pc:docMk/>
       </pc:docMkLst>
-      <pc:sldChg chg="addSp delSp modSp mod setBg setClrOvrMap">
-        <pc:chgData name="Franz Barbist" userId="c7836f6c319c67ab" providerId="LiveId" clId="{82030F73-2390-4F5D-B704-AB6B90AE5A12}" dt="2025-04-30T07:16:31.646" v="67" actId="26606"/>
+      <pc:sldChg chg="addSp modSp mod">
+        <pc:chgData name="Franz Barbist" userId="c7836f6c319c67ab" providerId="LiveId" clId="{82030F73-2390-4F5D-B704-AB6B90AE5A12}" dt="2025-05-07T08:39:22.003" v="2613" actId="1076"/>
+        <pc:sldMkLst>
+          <pc:docMk/>
+          <pc:sldMk cId="380484709" sldId="256"/>
+        </pc:sldMkLst>
+        <pc:spChg chg="mod">
+          <ac:chgData name="Franz Barbist" userId="c7836f6c319c67ab" providerId="LiveId" clId="{82030F73-2390-4F5D-B704-AB6B90AE5A12}" dt="2025-05-07T07:53:34.571" v="1443" actId="20577"/>
+          <ac:spMkLst>
+            <pc:docMk/>
+            <pc:sldMk cId="380484709" sldId="256"/>
+            <ac:spMk id="3" creationId="{0C3B163C-1AED-AB20-9375-E22A811D48DE}"/>
+          </ac:spMkLst>
+        </pc:spChg>
+        <pc:spChg chg="add mod">
+          <ac:chgData name="Franz Barbist" userId="c7836f6c319c67ab" providerId="LiveId" clId="{82030F73-2390-4F5D-B704-AB6B90AE5A12}" dt="2025-05-07T08:39:22.003" v="2613" actId="1076"/>
+          <ac:spMkLst>
+            <pc:docMk/>
+            <pc:sldMk cId="380484709" sldId="256"/>
+            <ac:spMk id="4" creationId="{5AB54769-5837-1AA0-97FD-0F7202E5F934}"/>
+          </ac:spMkLst>
+        </pc:spChg>
+        <pc:picChg chg="mod">
+          <ac:chgData name="Franz Barbist" userId="c7836f6c319c67ab" providerId="LiveId" clId="{82030F73-2390-4F5D-B704-AB6B90AE5A12}" dt="2025-05-07T08:39:18.060" v="2612" actId="1076"/>
+          <ac:picMkLst>
+            <pc:docMk/>
+            <pc:sldMk cId="380484709" sldId="256"/>
+            <ac:picMk id="16" creationId="{1D5B621F-6E91-C453-91A7-6D42B1723D4C}"/>
+          </ac:picMkLst>
+        </pc:picChg>
+      </pc:sldChg>
+      <pc:sldChg chg="addSp delSp modSp del mod setBg setClrOvrMap">
+        <pc:chgData name="Franz Barbist" userId="c7836f6c319c67ab" providerId="LiveId" clId="{82030F73-2390-4F5D-B704-AB6B90AE5A12}" dt="2025-04-30T09:11:25.961" v="650" actId="2696"/>
         <pc:sldMkLst>
           <pc:docMk/>
           <pc:sldMk cId="941012719" sldId="257"/>
         </pc:sldMkLst>
-        <pc:spChg chg="mod">
-          <ac:chgData name="Franz Barbist" userId="c7836f6c319c67ab" providerId="LiveId" clId="{82030F73-2390-4F5D-B704-AB6B90AE5A12}" dt="2025-04-30T07:16:31.646" v="67" actId="26606"/>
-          <ac:spMkLst>
-            <pc:docMk/>
-            <pc:sldMk cId="941012719" sldId="257"/>
-            <ac:spMk id="2" creationId="{6804976B-3D20-0D83-C24E-785B1E56DCAC}"/>
-          </ac:spMkLst>
-        </pc:spChg>
-        <pc:spChg chg="del mod">
-          <ac:chgData name="Franz Barbist" userId="c7836f6c319c67ab" providerId="LiveId" clId="{82030F73-2390-4F5D-B704-AB6B90AE5A12}" dt="2025-04-30T07:15:47.239" v="52" actId="26606"/>
-          <ac:spMkLst>
-            <pc:docMk/>
-            <pc:sldMk cId="941012719" sldId="257"/>
-            <ac:spMk id="3" creationId="{6C9CCAB5-06DB-3EC5-6D1C-8457327E5443}"/>
-          </ac:spMkLst>
-        </pc:spChg>
-        <pc:spChg chg="add del">
-          <ac:chgData name="Franz Barbist" userId="c7836f6c319c67ab" providerId="LiveId" clId="{82030F73-2390-4F5D-B704-AB6B90AE5A12}" dt="2025-04-30T07:16:16.936" v="65" actId="26606"/>
-          <ac:spMkLst>
-            <pc:docMk/>
-            <pc:sldMk cId="941012719" sldId="257"/>
-            <ac:spMk id="9" creationId="{F68B2C62-7648-4430-90D5-AE0F252AF113}"/>
-          </ac:spMkLst>
-        </pc:spChg>
-        <pc:spChg chg="add del">
-          <ac:chgData name="Franz Barbist" userId="c7836f6c319c67ab" providerId="LiveId" clId="{82030F73-2390-4F5D-B704-AB6B90AE5A12}" dt="2025-04-30T07:16:31.646" v="67" actId="26606"/>
-          <ac:spMkLst>
-            <pc:docMk/>
-            <pc:sldMk cId="941012719" sldId="257"/>
-            <ac:spMk id="22" creationId="{85CB65D0-496F-4797-A015-C85839E35D1A}"/>
-          </ac:spMkLst>
-        </pc:spChg>
-        <pc:spChg chg="add del">
-          <ac:chgData name="Franz Barbist" userId="c7836f6c319c67ab" providerId="LiveId" clId="{82030F73-2390-4F5D-B704-AB6B90AE5A12}" dt="2025-04-30T07:16:31.646" v="67" actId="26606"/>
-          <ac:spMkLst>
-            <pc:docMk/>
-            <pc:sldMk cId="941012719" sldId="257"/>
-            <ac:spMk id="24" creationId="{95D2C779-8883-4E5F-A170-0F464918C1B7}"/>
-          </ac:spMkLst>
-        </pc:spChg>
-        <pc:spChg chg="add">
-          <ac:chgData name="Franz Barbist" userId="c7836f6c319c67ab" providerId="LiveId" clId="{82030F73-2390-4F5D-B704-AB6B90AE5A12}" dt="2025-04-30T07:16:31.646" v="67" actId="26606"/>
-          <ac:spMkLst>
-            <pc:docMk/>
-            <pc:sldMk cId="941012719" sldId="257"/>
-            <ac:spMk id="31" creationId="{E49D7415-2F11-44C2-B6AA-13A25B6814B9}"/>
-          </ac:spMkLst>
-        </pc:spChg>
-        <pc:graphicFrameChg chg="add mod modGraphic">
-          <ac:chgData name="Franz Barbist" userId="c7836f6c319c67ab" providerId="LiveId" clId="{82030F73-2390-4F5D-B704-AB6B90AE5A12}" dt="2025-04-30T07:16:31.646" v="67" actId="26606"/>
-          <ac:graphicFrameMkLst>
-            <pc:docMk/>
-            <pc:sldMk cId="941012719" sldId="257"/>
-            <ac:graphicFrameMk id="5" creationId="{405A450A-3385-4559-5962-A1F3C93A0C6C}"/>
-          </ac:graphicFrameMkLst>
-        </pc:graphicFrameChg>
-        <pc:cxnChg chg="add del">
-          <ac:chgData name="Franz Barbist" userId="c7836f6c319c67ab" providerId="LiveId" clId="{82030F73-2390-4F5D-B704-AB6B90AE5A12}" dt="2025-04-30T07:16:16.936" v="65" actId="26606"/>
-          <ac:cxnSpMkLst>
-            <pc:docMk/>
-            <pc:sldMk cId="941012719" sldId="257"/>
-            <ac:cxnSpMk id="11" creationId="{B75B4F83-6FDB-4998-8E11-31CE6E7040B7}"/>
-          </ac:cxnSpMkLst>
-        </pc:cxnChg>
-        <pc:cxnChg chg="add del">
-          <ac:chgData name="Franz Barbist" userId="c7836f6c319c67ab" providerId="LiveId" clId="{82030F73-2390-4F5D-B704-AB6B90AE5A12}" dt="2025-04-30T07:16:16.936" v="65" actId="26606"/>
-          <ac:cxnSpMkLst>
-            <pc:docMk/>
-            <pc:sldMk cId="941012719" sldId="257"/>
-            <ac:cxnSpMk id="13" creationId="{B0794B99-5B9D-4B94-9505-1EDED76CD61F}"/>
-          </ac:cxnSpMkLst>
-        </pc:cxnChg>
-        <pc:cxnChg chg="add del">
-          <ac:chgData name="Franz Barbist" userId="c7836f6c319c67ab" providerId="LiveId" clId="{82030F73-2390-4F5D-B704-AB6B90AE5A12}" dt="2025-04-30T07:16:31.646" v="67" actId="26606"/>
-          <ac:cxnSpMkLst>
-            <pc:docMk/>
-            <pc:sldMk cId="941012719" sldId="257"/>
-            <ac:cxnSpMk id="18" creationId="{F64F9B95-9045-48D2-B9F3-2927E98F54AA}"/>
-          </ac:cxnSpMkLst>
-        </pc:cxnChg>
-        <pc:cxnChg chg="add del">
-          <ac:chgData name="Franz Barbist" userId="c7836f6c319c67ab" providerId="LiveId" clId="{82030F73-2390-4F5D-B704-AB6B90AE5A12}" dt="2025-04-30T07:16:31.646" v="67" actId="26606"/>
-          <ac:cxnSpMkLst>
-            <pc:docMk/>
-            <pc:sldMk cId="941012719" sldId="257"/>
-            <ac:cxnSpMk id="20" creationId="{085AA86F-6A4D-4BCB-A045-D992CDC2959B}"/>
-          </ac:cxnSpMkLst>
-        </pc:cxnChg>
-        <pc:cxnChg chg="add del">
-          <ac:chgData name="Franz Barbist" userId="c7836f6c319c67ab" providerId="LiveId" clId="{82030F73-2390-4F5D-B704-AB6B90AE5A12}" dt="2025-04-30T07:16:31.646" v="67" actId="26606"/>
-          <ac:cxnSpMkLst>
-            <pc:docMk/>
-            <pc:sldMk cId="941012719" sldId="257"/>
-            <ac:cxnSpMk id="26" creationId="{BD96A694-258D-4418-A83C-B9BA72FD44B8}"/>
-          </ac:cxnSpMkLst>
-        </pc:cxnChg>
-        <pc:cxnChg chg="add">
-          <ac:chgData name="Franz Barbist" userId="c7836f6c319c67ab" providerId="LiveId" clId="{82030F73-2390-4F5D-B704-AB6B90AE5A12}" dt="2025-04-30T07:16:31.646" v="67" actId="26606"/>
-          <ac:cxnSpMkLst>
-            <pc:docMk/>
-            <pc:sldMk cId="941012719" sldId="257"/>
-            <ac:cxnSpMk id="33" creationId="{BCE733BF-B95F-4869-AB8F-D90C6F595769}"/>
-          </ac:cxnSpMkLst>
-        </pc:cxnChg>
-        <pc:cxnChg chg="add">
-          <ac:chgData name="Franz Barbist" userId="c7836f6c319c67ab" providerId="LiveId" clId="{82030F73-2390-4F5D-B704-AB6B90AE5A12}" dt="2025-04-30T07:16:31.646" v="67" actId="26606"/>
-          <ac:cxnSpMkLst>
-            <pc:docMk/>
-            <pc:sldMk cId="941012719" sldId="257"/>
-            <ac:cxnSpMk id="35" creationId="{8D1166D6-1A36-41B0-8A82-37761E6F3DF9}"/>
-          </ac:cxnSpMkLst>
-        </pc:cxnChg>
       </pc:sldChg>
       <pc:sldChg chg="addSp modSp new mod setBg">
-        <pc:chgData name="Franz Barbist" userId="c7836f6c319c67ab" providerId="LiveId" clId="{82030F73-2390-4F5D-B704-AB6B90AE5A12}" dt="2025-04-30T07:24:11.909" v="365" actId="20577"/>
+        <pc:chgData name="Franz Barbist" userId="c7836f6c319c67ab" providerId="LiveId" clId="{82030F73-2390-4F5D-B704-AB6B90AE5A12}" dt="2025-04-30T09:11:03.221" v="648" actId="1076"/>
         <pc:sldMkLst>
           <pc:docMk/>
           <pc:sldMk cId="3654437508" sldId="258"/>
         </pc:sldMkLst>
         <pc:spChg chg="mod">
-          <ac:chgData name="Franz Barbist" userId="c7836f6c319c67ab" providerId="LiveId" clId="{82030F73-2390-4F5D-B704-AB6B90AE5A12}" dt="2025-04-30T07:24:02.229" v="362" actId="26606"/>
+          <ac:chgData name="Franz Barbist" userId="c7836f6c319c67ab" providerId="LiveId" clId="{82030F73-2390-4F5D-B704-AB6B90AE5A12}" dt="2025-04-30T09:11:03.221" v="648" actId="1076"/>
           <ac:spMkLst>
             <pc:docMk/>
             <pc:sldMk cId="3654437508" sldId="258"/>
@@ -261,7 +194,7 @@
           </ac:spMkLst>
         </pc:spChg>
         <pc:spChg chg="mod">
-          <ac:chgData name="Franz Barbist" userId="c7836f6c319c67ab" providerId="LiveId" clId="{82030F73-2390-4F5D-B704-AB6B90AE5A12}" dt="2025-04-30T07:24:11.909" v="365" actId="20577"/>
+          <ac:chgData name="Franz Barbist" userId="c7836f6c319c67ab" providerId="LiveId" clId="{82030F73-2390-4F5D-B704-AB6B90AE5A12}" dt="2025-04-30T09:10:45.729" v="647" actId="20577"/>
           <ac:spMkLst>
             <pc:docMk/>
             <pc:sldMk cId="3654437508" sldId="258"/>
@@ -286,7 +219,7 @@
         </pc:cxnChg>
       </pc:sldChg>
       <pc:sldChg chg="addSp modSp new mod">
-        <pc:chgData name="Franz Barbist" userId="c7836f6c319c67ab" providerId="LiveId" clId="{82030F73-2390-4F5D-B704-AB6B90AE5A12}" dt="2025-04-30T07:40:31.650" v="612" actId="20577"/>
+        <pc:chgData name="Franz Barbist" userId="c7836f6c319c67ab" providerId="LiveId" clId="{82030F73-2390-4F5D-B704-AB6B90AE5A12}" dt="2025-05-07T08:04:49.317" v="1725" actId="20577"/>
         <pc:sldMkLst>
           <pc:docMk/>
           <pc:sldMk cId="2674595245" sldId="259"/>
@@ -300,7 +233,7 @@
           </ac:spMkLst>
         </pc:spChg>
         <pc:spChg chg="mod">
-          <ac:chgData name="Franz Barbist" userId="c7836f6c319c67ab" providerId="LiveId" clId="{82030F73-2390-4F5D-B704-AB6B90AE5A12}" dt="2025-04-30T07:40:31.650" v="612" actId="20577"/>
+          <ac:chgData name="Franz Barbist" userId="c7836f6c319c67ab" providerId="LiveId" clId="{82030F73-2390-4F5D-B704-AB6B90AE5A12}" dt="2025-05-07T08:04:49.317" v="1725" actId="20577"/>
           <ac:spMkLst>
             <pc:docMk/>
             <pc:sldMk cId="2674595245" sldId="259"/>
@@ -316,2134 +249,421 @@
           </ac:picMkLst>
         </pc:picChg>
       </pc:sldChg>
+      <pc:sldChg chg="modSp new del mod">
+        <pc:chgData name="Franz Barbist" userId="c7836f6c319c67ab" providerId="LiveId" clId="{82030F73-2390-4F5D-B704-AB6B90AE5A12}" dt="2025-05-07T07:59:10.357" v="1597" actId="2696"/>
+        <pc:sldMkLst>
+          <pc:docMk/>
+          <pc:sldMk cId="425266152" sldId="260"/>
+        </pc:sldMkLst>
+        <pc:spChg chg="mod">
+          <ac:chgData name="Franz Barbist" userId="c7836f6c319c67ab" providerId="LiveId" clId="{82030F73-2390-4F5D-B704-AB6B90AE5A12}" dt="2025-05-07T07:03:02.169" v="912" actId="20577"/>
+          <ac:spMkLst>
+            <pc:docMk/>
+            <pc:sldMk cId="425266152" sldId="260"/>
+            <ac:spMk id="2" creationId="{7FD0DED5-2CFF-CFA9-4CC3-FD9A11088844}"/>
+          </ac:spMkLst>
+        </pc:spChg>
+        <pc:spChg chg="mod">
+          <ac:chgData name="Franz Barbist" userId="c7836f6c319c67ab" providerId="LiveId" clId="{82030F73-2390-4F5D-B704-AB6B90AE5A12}" dt="2025-05-07T07:08:37.630" v="959" actId="20577"/>
+          <ac:spMkLst>
+            <pc:docMk/>
+            <pc:sldMk cId="425266152" sldId="260"/>
+            <ac:spMk id="3" creationId="{0C701DBD-4DE8-0F39-65A0-180DD52062C7}"/>
+          </ac:spMkLst>
+        </pc:spChg>
+      </pc:sldChg>
+      <pc:sldChg chg="new del">
+        <pc:chgData name="Franz Barbist" userId="c7836f6c319c67ab" providerId="LiveId" clId="{82030F73-2390-4F5D-B704-AB6B90AE5A12}" dt="2025-04-30T09:11:30.281" v="652" actId="2696"/>
+        <pc:sldMkLst>
+          <pc:docMk/>
+          <pc:sldMk cId="671437551" sldId="261"/>
+        </pc:sldMkLst>
+      </pc:sldChg>
+      <pc:sldChg chg="addSp delSp modSp new mod setBg">
+        <pc:chgData name="Franz Barbist" userId="c7836f6c319c67ab" providerId="LiveId" clId="{82030F73-2390-4F5D-B704-AB6B90AE5A12}" dt="2025-04-30T09:18:07.289" v="904" actId="20577"/>
+        <pc:sldMkLst>
+          <pc:docMk/>
+          <pc:sldMk cId="2558209640" sldId="261"/>
+        </pc:sldMkLst>
+        <pc:spChg chg="mod">
+          <ac:chgData name="Franz Barbist" userId="c7836f6c319c67ab" providerId="LiveId" clId="{82030F73-2390-4F5D-B704-AB6B90AE5A12}" dt="2025-04-30T09:13:12.337" v="737" actId="26606"/>
+          <ac:spMkLst>
+            <pc:docMk/>
+            <pc:sldMk cId="2558209640" sldId="261"/>
+            <ac:spMk id="2" creationId="{F7B7EC71-A5B8-B9D1-C5F1-74C7E9DAEDFD}"/>
+          </ac:spMkLst>
+        </pc:spChg>
+        <pc:spChg chg="mod ord">
+          <ac:chgData name="Franz Barbist" userId="c7836f6c319c67ab" providerId="LiveId" clId="{82030F73-2390-4F5D-B704-AB6B90AE5A12}" dt="2025-04-30T09:18:07.289" v="904" actId="20577"/>
+          <ac:spMkLst>
+            <pc:docMk/>
+            <pc:sldMk cId="2558209640" sldId="261"/>
+            <ac:spMk id="3" creationId="{1EB0BCF0-3136-DA3B-E609-A4A601A181F6}"/>
+          </ac:spMkLst>
+        </pc:spChg>
+        <pc:spChg chg="add">
+          <ac:chgData name="Franz Barbist" userId="c7836f6c319c67ab" providerId="LiveId" clId="{82030F73-2390-4F5D-B704-AB6B90AE5A12}" dt="2025-04-30T09:13:12.337" v="737" actId="26606"/>
+          <ac:spMkLst>
+            <pc:docMk/>
+            <pc:sldMk cId="2558209640" sldId="261"/>
+            <ac:spMk id="21" creationId="{E49D7415-2F11-44C2-B6AA-13A25B6814B9}"/>
+          </ac:spMkLst>
+        </pc:spChg>
+        <pc:picChg chg="add mod">
+          <ac:chgData name="Franz Barbist" userId="c7836f6c319c67ab" providerId="LiveId" clId="{82030F73-2390-4F5D-B704-AB6B90AE5A12}" dt="2025-04-30T09:13:12.337" v="737" actId="26606"/>
+          <ac:picMkLst>
+            <pc:docMk/>
+            <pc:sldMk cId="2558209640" sldId="261"/>
+            <ac:picMk id="7" creationId="{3F3889DF-62DB-64DD-9B56-3660DA65036A}"/>
+          </ac:picMkLst>
+        </pc:picChg>
+        <pc:cxnChg chg="add">
+          <ac:chgData name="Franz Barbist" userId="c7836f6c319c67ab" providerId="LiveId" clId="{82030F73-2390-4F5D-B704-AB6B90AE5A12}" dt="2025-04-30T09:13:12.337" v="737" actId="26606"/>
+          <ac:cxnSpMkLst>
+            <pc:docMk/>
+            <pc:sldMk cId="2558209640" sldId="261"/>
+            <ac:cxnSpMk id="23" creationId="{D2E57F3D-33BE-4306-87E6-245763719516}"/>
+          </ac:cxnSpMkLst>
+        </pc:cxnChg>
+      </pc:sldChg>
+      <pc:sldChg chg="addSp delSp modSp new mod setBg">
+        <pc:chgData name="Franz Barbist" userId="c7836f6c319c67ab" providerId="LiveId" clId="{82030F73-2390-4F5D-B704-AB6B90AE5A12}" dt="2025-05-07T08:06:34.160" v="1726" actId="1076"/>
+        <pc:sldMkLst>
+          <pc:docMk/>
+          <pc:sldMk cId="2490326185" sldId="262"/>
+        </pc:sldMkLst>
+        <pc:spChg chg="mod">
+          <ac:chgData name="Franz Barbist" userId="c7836f6c319c67ab" providerId="LiveId" clId="{82030F73-2390-4F5D-B704-AB6B90AE5A12}" dt="2025-05-07T08:06:34.160" v="1726" actId="1076"/>
+          <ac:spMkLst>
+            <pc:docMk/>
+            <pc:sldMk cId="2490326185" sldId="262"/>
+            <ac:spMk id="2" creationId="{08F188C3-A932-D97B-3817-34C4688AE405}"/>
+          </ac:spMkLst>
+        </pc:spChg>
+        <pc:spChg chg="add del mod ord">
+          <ac:chgData name="Franz Barbist" userId="c7836f6c319c67ab" providerId="LiveId" clId="{82030F73-2390-4F5D-B704-AB6B90AE5A12}" dt="2025-05-07T08:02:32.736" v="1698" actId="313"/>
+          <ac:spMkLst>
+            <pc:docMk/>
+            <pc:sldMk cId="2490326185" sldId="262"/>
+            <ac:spMk id="3" creationId="{17EFC519-455B-F92D-041E-CAC291076BD8}"/>
+          </ac:spMkLst>
+        </pc:spChg>
+        <pc:spChg chg="add del">
+          <ac:chgData name="Franz Barbist" userId="c7836f6c319c67ab" providerId="LiveId" clId="{82030F73-2390-4F5D-B704-AB6B90AE5A12}" dt="2025-05-07T07:18:57.237" v="1123" actId="26606"/>
+          <ac:spMkLst>
+            <pc:docMk/>
+            <pc:sldMk cId="2490326185" sldId="262"/>
+            <ac:spMk id="12" creationId="{E49D7415-2F11-44C2-B6AA-13A25B6814B9}"/>
+          </ac:spMkLst>
+        </pc:spChg>
+        <pc:picChg chg="add del mod ord">
+          <ac:chgData name="Franz Barbist" userId="c7836f6c319c67ab" providerId="LiveId" clId="{82030F73-2390-4F5D-B704-AB6B90AE5A12}" dt="2025-05-07T07:16:44.532" v="998" actId="22"/>
+          <ac:picMkLst>
+            <pc:docMk/>
+            <pc:sldMk cId="2490326185" sldId="262"/>
+            <ac:picMk id="5" creationId="{7FA999CE-9AE8-C62F-5FEA-B174457298BF}"/>
+          </ac:picMkLst>
+        </pc:picChg>
+        <pc:picChg chg="add mod">
+          <ac:chgData name="Franz Barbist" userId="c7836f6c319c67ab" providerId="LiveId" clId="{82030F73-2390-4F5D-B704-AB6B90AE5A12}" dt="2025-05-07T08:02:46.855" v="1699" actId="1076"/>
+          <ac:picMkLst>
+            <pc:docMk/>
+            <pc:sldMk cId="2490326185" sldId="262"/>
+            <ac:picMk id="7" creationId="{ED1646F3-DE63-4A82-A02D-6BFB413E6AD0}"/>
+          </ac:picMkLst>
+        </pc:picChg>
+        <pc:picChg chg="add mod">
+          <ac:chgData name="Franz Barbist" userId="c7836f6c319c67ab" providerId="LiveId" clId="{82030F73-2390-4F5D-B704-AB6B90AE5A12}" dt="2025-05-07T08:03:18.576" v="1707" actId="1076"/>
+          <ac:picMkLst>
+            <pc:docMk/>
+            <pc:sldMk cId="2490326185" sldId="262"/>
+            <ac:picMk id="9" creationId="{7E42594A-7045-3A4B-13BC-A0CCCEDE5985}"/>
+          </ac:picMkLst>
+        </pc:picChg>
+        <pc:cxnChg chg="add del">
+          <ac:chgData name="Franz Barbist" userId="c7836f6c319c67ab" providerId="LiveId" clId="{82030F73-2390-4F5D-B704-AB6B90AE5A12}" dt="2025-05-07T07:18:57.237" v="1123" actId="26606"/>
+          <ac:cxnSpMkLst>
+            <pc:docMk/>
+            <pc:sldMk cId="2490326185" sldId="262"/>
+            <ac:cxnSpMk id="14" creationId="{8E0104E4-99BC-494F-8342-F250828E574F}"/>
+          </ac:cxnSpMkLst>
+        </pc:cxnChg>
+      </pc:sldChg>
+      <pc:sldChg chg="addSp modSp new mod">
+        <pc:chgData name="Franz Barbist" userId="c7836f6c319c67ab" providerId="LiveId" clId="{82030F73-2390-4F5D-B704-AB6B90AE5A12}" dt="2025-05-07T08:08:40.256" v="1859" actId="1076"/>
+        <pc:sldMkLst>
+          <pc:docMk/>
+          <pc:sldMk cId="3364783046" sldId="263"/>
+        </pc:sldMkLst>
+        <pc:spChg chg="mod">
+          <ac:chgData name="Franz Barbist" userId="c7836f6c319c67ab" providerId="LiveId" clId="{82030F73-2390-4F5D-B704-AB6B90AE5A12}" dt="2025-05-07T08:00:09.904" v="1600" actId="313"/>
+          <ac:spMkLst>
+            <pc:docMk/>
+            <pc:sldMk cId="3364783046" sldId="263"/>
+            <ac:spMk id="2" creationId="{4A0BE148-FF71-10AC-9384-F9BE28760FD1}"/>
+          </ac:spMkLst>
+        </pc:spChg>
+        <pc:spChg chg="mod">
+          <ac:chgData name="Franz Barbist" userId="c7836f6c319c67ab" providerId="LiveId" clId="{82030F73-2390-4F5D-B704-AB6B90AE5A12}" dt="2025-05-07T08:01:13.177" v="1663" actId="20577"/>
+          <ac:spMkLst>
+            <pc:docMk/>
+            <pc:sldMk cId="3364783046" sldId="263"/>
+            <ac:spMk id="3" creationId="{FFDAAA55-02FE-A45C-CF52-0E0344D098CB}"/>
+          </ac:spMkLst>
+        </pc:spChg>
+        <pc:picChg chg="add mod">
+          <ac:chgData name="Franz Barbist" userId="c7836f6c319c67ab" providerId="LiveId" clId="{82030F73-2390-4F5D-B704-AB6B90AE5A12}" dt="2025-05-07T08:08:40.256" v="1859" actId="1076"/>
+          <ac:picMkLst>
+            <pc:docMk/>
+            <pc:sldMk cId="3364783046" sldId="263"/>
+            <ac:picMk id="5" creationId="{11ACE581-7CD4-AC55-7786-5ABAC9BFACD5}"/>
+          </ac:picMkLst>
+        </pc:picChg>
+      </pc:sldChg>
+      <pc:sldChg chg="addSp modSp new mod">
+        <pc:chgData name="Franz Barbist" userId="c7836f6c319c67ab" providerId="LiveId" clId="{82030F73-2390-4F5D-B704-AB6B90AE5A12}" dt="2025-05-07T08:15:11.735" v="1923" actId="20577"/>
+        <pc:sldMkLst>
+          <pc:docMk/>
+          <pc:sldMk cId="3846176029" sldId="264"/>
+        </pc:sldMkLst>
+        <pc:spChg chg="mod">
+          <ac:chgData name="Franz Barbist" userId="c7836f6c319c67ab" providerId="LiveId" clId="{82030F73-2390-4F5D-B704-AB6B90AE5A12}" dt="2025-05-07T08:15:11.735" v="1923" actId="20577"/>
+          <ac:spMkLst>
+            <pc:docMk/>
+            <pc:sldMk cId="3846176029" sldId="264"/>
+            <ac:spMk id="2" creationId="{18F43849-85EC-4670-69BF-6C6768D04CBF}"/>
+          </ac:spMkLst>
+        </pc:spChg>
+        <pc:spChg chg="mod">
+          <ac:chgData name="Franz Barbist" userId="c7836f6c319c67ab" providerId="LiveId" clId="{82030F73-2390-4F5D-B704-AB6B90AE5A12}" dt="2025-05-07T07:57:30.682" v="1595" actId="20577"/>
+          <ac:spMkLst>
+            <pc:docMk/>
+            <pc:sldMk cId="3846176029" sldId="264"/>
+            <ac:spMk id="3" creationId="{D63C5579-2C7F-8C1F-1244-AE88DED711DB}"/>
+          </ac:spMkLst>
+        </pc:spChg>
+        <pc:picChg chg="add mod">
+          <ac:chgData name="Franz Barbist" userId="c7836f6c319c67ab" providerId="LiveId" clId="{82030F73-2390-4F5D-B704-AB6B90AE5A12}" dt="2025-05-07T07:57:45.668" v="1596" actId="1076"/>
+          <ac:picMkLst>
+            <pc:docMk/>
+            <pc:sldMk cId="3846176029" sldId="264"/>
+            <ac:picMk id="5" creationId="{2133C8F2-9FB6-D199-0AC3-4EFB2D6C98AF}"/>
+          </ac:picMkLst>
+        </pc:picChg>
+      </pc:sldChg>
+      <pc:sldChg chg="addSp modSp new mod">
+        <pc:chgData name="Franz Barbist" userId="c7836f6c319c67ab" providerId="LiveId" clId="{82030F73-2390-4F5D-B704-AB6B90AE5A12}" dt="2025-05-07T08:16:07.921" v="2024" actId="20577"/>
+        <pc:sldMkLst>
+          <pc:docMk/>
+          <pc:sldMk cId="1891275951" sldId="265"/>
+        </pc:sldMkLst>
+        <pc:spChg chg="mod">
+          <ac:chgData name="Franz Barbist" userId="c7836f6c319c67ab" providerId="LiveId" clId="{82030F73-2390-4F5D-B704-AB6B90AE5A12}" dt="2025-05-07T08:06:40.561" v="1740" actId="20577"/>
+          <ac:spMkLst>
+            <pc:docMk/>
+            <pc:sldMk cId="1891275951" sldId="265"/>
+            <ac:spMk id="2" creationId="{C357B207-81E6-ED59-C715-DAB55F5FC5F3}"/>
+          </ac:spMkLst>
+        </pc:spChg>
+        <pc:spChg chg="mod">
+          <ac:chgData name="Franz Barbist" userId="c7836f6c319c67ab" providerId="LiveId" clId="{82030F73-2390-4F5D-B704-AB6B90AE5A12}" dt="2025-05-07T08:16:07.921" v="2024" actId="20577"/>
+          <ac:spMkLst>
+            <pc:docMk/>
+            <pc:sldMk cId="1891275951" sldId="265"/>
+            <ac:spMk id="3" creationId="{767DBBD8-6541-5640-E2AE-2702D78F939E}"/>
+          </ac:spMkLst>
+        </pc:spChg>
+        <pc:picChg chg="add mod">
+          <ac:chgData name="Franz Barbist" userId="c7836f6c319c67ab" providerId="LiveId" clId="{82030F73-2390-4F5D-B704-AB6B90AE5A12}" dt="2025-05-07T08:10:51.778" v="1864" actId="14100"/>
+          <ac:picMkLst>
+            <pc:docMk/>
+            <pc:sldMk cId="1891275951" sldId="265"/>
+            <ac:picMk id="5" creationId="{911AAEF3-78D6-59F7-CF52-69B69206880A}"/>
+          </ac:picMkLst>
+        </pc:picChg>
+        <pc:picChg chg="add mod">
+          <ac:chgData name="Franz Barbist" userId="c7836f6c319c67ab" providerId="LiveId" clId="{82030F73-2390-4F5D-B704-AB6B90AE5A12}" dt="2025-05-07T08:10:58.482" v="1867" actId="1076"/>
+          <ac:picMkLst>
+            <pc:docMk/>
+            <pc:sldMk cId="1891275951" sldId="265"/>
+            <ac:picMk id="7" creationId="{94E047D8-7CAC-4473-F375-60BA0759838F}"/>
+          </ac:picMkLst>
+        </pc:picChg>
+      </pc:sldChg>
+      <pc:sldChg chg="addSp modSp new mod">
+        <pc:chgData name="Franz Barbist" userId="c7836f6c319c67ab" providerId="LiveId" clId="{82030F73-2390-4F5D-B704-AB6B90AE5A12}" dt="2025-05-07T08:39:45.332" v="2614" actId="1076"/>
+        <pc:sldMkLst>
+          <pc:docMk/>
+          <pc:sldMk cId="2622366391" sldId="266"/>
+        </pc:sldMkLst>
+        <pc:spChg chg="mod">
+          <ac:chgData name="Franz Barbist" userId="c7836f6c319c67ab" providerId="LiveId" clId="{82030F73-2390-4F5D-B704-AB6B90AE5A12}" dt="2025-05-07T08:17:24.082" v="2037" actId="20577"/>
+          <ac:spMkLst>
+            <pc:docMk/>
+            <pc:sldMk cId="2622366391" sldId="266"/>
+            <ac:spMk id="2" creationId="{A6E238C4-D8CD-3E07-D79D-796F174F6193}"/>
+          </ac:spMkLst>
+        </pc:spChg>
+        <pc:picChg chg="add mod">
+          <ac:chgData name="Franz Barbist" userId="c7836f6c319c67ab" providerId="LiveId" clId="{82030F73-2390-4F5D-B704-AB6B90AE5A12}" dt="2025-05-07T08:39:45.332" v="2614" actId="1076"/>
+          <ac:picMkLst>
+            <pc:docMk/>
+            <pc:sldMk cId="2622366391" sldId="266"/>
+            <ac:picMk id="5" creationId="{D275E4F2-5587-F768-7BE5-236C19CA9409}"/>
+          </ac:picMkLst>
+        </pc:picChg>
+      </pc:sldChg>
+      <pc:sldChg chg="modSp new mod">
+        <pc:chgData name="Franz Barbist" userId="c7836f6c319c67ab" providerId="LiveId" clId="{82030F73-2390-4F5D-B704-AB6B90AE5A12}" dt="2025-05-07T08:23:05.864" v="2151" actId="20577"/>
+        <pc:sldMkLst>
+          <pc:docMk/>
+          <pc:sldMk cId="2488945312" sldId="267"/>
+        </pc:sldMkLst>
+        <pc:spChg chg="mod">
+          <ac:chgData name="Franz Barbist" userId="c7836f6c319c67ab" providerId="LiveId" clId="{82030F73-2390-4F5D-B704-AB6B90AE5A12}" dt="2025-05-07T08:20:05.367" v="2066" actId="20577"/>
+          <ac:spMkLst>
+            <pc:docMk/>
+            <pc:sldMk cId="2488945312" sldId="267"/>
+            <ac:spMk id="2" creationId="{5BBA809C-B078-3771-6D62-62AB8E7E1373}"/>
+          </ac:spMkLst>
+        </pc:spChg>
+        <pc:spChg chg="mod">
+          <ac:chgData name="Franz Barbist" userId="c7836f6c319c67ab" providerId="LiveId" clId="{82030F73-2390-4F5D-B704-AB6B90AE5A12}" dt="2025-05-07T08:23:05.864" v="2151" actId="20577"/>
+          <ac:spMkLst>
+            <pc:docMk/>
+            <pc:sldMk cId="2488945312" sldId="267"/>
+            <ac:spMk id="3" creationId="{C7E426CB-E310-020E-A621-99FA69C6166D}"/>
+          </ac:spMkLst>
+        </pc:spChg>
+      </pc:sldChg>
+      <pc:sldChg chg="addSp delSp modSp new mod setBg">
+        <pc:chgData name="Franz Barbist" userId="c7836f6c319c67ab" providerId="LiveId" clId="{82030F73-2390-4F5D-B704-AB6B90AE5A12}" dt="2025-05-07T08:27:25.464" v="2432" actId="20577"/>
+        <pc:sldMkLst>
+          <pc:docMk/>
+          <pc:sldMk cId="1305108939" sldId="268"/>
+        </pc:sldMkLst>
+        <pc:spChg chg="mod">
+          <ac:chgData name="Franz Barbist" userId="c7836f6c319c67ab" providerId="LiveId" clId="{82030F73-2390-4F5D-B704-AB6B90AE5A12}" dt="2025-05-07T08:27:19.041" v="2413" actId="26606"/>
+          <ac:spMkLst>
+            <pc:docMk/>
+            <pc:sldMk cId="1305108939" sldId="268"/>
+            <ac:spMk id="2" creationId="{9F3D5697-28D3-70B2-BABE-B5A7F0041EF9}"/>
+          </ac:spMkLst>
+        </pc:spChg>
+        <pc:spChg chg="add del mod">
+          <ac:chgData name="Franz Barbist" userId="c7836f6c319c67ab" providerId="LiveId" clId="{82030F73-2390-4F5D-B704-AB6B90AE5A12}" dt="2025-05-07T08:27:25.464" v="2432" actId="20577"/>
+          <ac:spMkLst>
+            <pc:docMk/>
+            <pc:sldMk cId="1305108939" sldId="268"/>
+            <ac:spMk id="3" creationId="{1580B8F0-B5FD-1F72-1EBA-6B31F4A2B6A5}"/>
+          </ac:spMkLst>
+        </pc:spChg>
+        <pc:spChg chg="add del">
+          <ac:chgData name="Franz Barbist" userId="c7836f6c319c67ab" providerId="LiveId" clId="{82030F73-2390-4F5D-B704-AB6B90AE5A12}" dt="2025-05-07T08:27:11.144" v="2411" actId="26606"/>
+          <ac:spMkLst>
+            <pc:docMk/>
+            <pc:sldMk cId="1305108939" sldId="268"/>
+            <ac:spMk id="9" creationId="{F68B2C62-7648-4430-90D5-AE0F252AF113}"/>
+          </ac:spMkLst>
+        </pc:spChg>
+        <pc:spChg chg="add del">
+          <ac:chgData name="Franz Barbist" userId="c7836f6c319c67ab" providerId="LiveId" clId="{82030F73-2390-4F5D-B704-AB6B90AE5A12}" dt="2025-05-07T08:27:19.041" v="2413" actId="26606"/>
+          <ac:spMkLst>
+            <pc:docMk/>
+            <pc:sldMk cId="1305108939" sldId="268"/>
+            <ac:spMk id="13" creationId="{F68B2C62-7648-4430-90D5-AE0F252AF113}"/>
+          </ac:spMkLst>
+        </pc:spChg>
+        <pc:graphicFrameChg chg="add del">
+          <ac:chgData name="Franz Barbist" userId="c7836f6c319c67ab" providerId="LiveId" clId="{82030F73-2390-4F5D-B704-AB6B90AE5A12}" dt="2025-05-07T08:27:11.144" v="2411" actId="26606"/>
+          <ac:graphicFrameMkLst>
+            <pc:docMk/>
+            <pc:sldMk cId="1305108939" sldId="268"/>
+            <ac:graphicFrameMk id="5" creationId="{1B19EF2A-5D12-36C5-FB7C-E655CB1E4B1E}"/>
+          </ac:graphicFrameMkLst>
+        </pc:graphicFrameChg>
+        <pc:graphicFrameChg chg="add del">
+          <ac:chgData name="Franz Barbist" userId="c7836f6c319c67ab" providerId="LiveId" clId="{82030F73-2390-4F5D-B704-AB6B90AE5A12}" dt="2025-05-07T08:27:19.041" v="2413" actId="26606"/>
+          <ac:graphicFrameMkLst>
+            <pc:docMk/>
+            <pc:sldMk cId="1305108939" sldId="268"/>
+            <ac:graphicFrameMk id="15" creationId="{4732A207-186D-5610-80CC-17E2CF486516}"/>
+          </ac:graphicFrameMkLst>
+        </pc:graphicFrameChg>
+        <pc:cxnChg chg="add del">
+          <ac:chgData name="Franz Barbist" userId="c7836f6c319c67ab" providerId="LiveId" clId="{82030F73-2390-4F5D-B704-AB6B90AE5A12}" dt="2025-05-07T08:27:11.144" v="2411" actId="26606"/>
+          <ac:cxnSpMkLst>
+            <pc:docMk/>
+            <pc:sldMk cId="1305108939" sldId="268"/>
+            <ac:cxnSpMk id="11" creationId="{9BB96FAB-CCBF-4D1E-9D0D-B038ACC29BD0}"/>
+          </ac:cxnSpMkLst>
+        </pc:cxnChg>
+        <pc:cxnChg chg="add del">
+          <ac:chgData name="Franz Barbist" userId="c7836f6c319c67ab" providerId="LiveId" clId="{82030F73-2390-4F5D-B704-AB6B90AE5A12}" dt="2025-05-07T08:27:19.041" v="2413" actId="26606"/>
+          <ac:cxnSpMkLst>
+            <pc:docMk/>
+            <pc:sldMk cId="1305108939" sldId="268"/>
+            <ac:cxnSpMk id="14" creationId="{0ADD27CF-4CE1-2871-1ABA-40FCA4D03214}"/>
+          </ac:cxnSpMkLst>
+        </pc:cxnChg>
+      </pc:sldChg>
+      <pc:sldChg chg="modSp new mod">
+        <pc:chgData name="Franz Barbist" userId="c7836f6c319c67ab" providerId="LiveId" clId="{82030F73-2390-4F5D-B704-AB6B90AE5A12}" dt="2025-05-07T08:31:35.481" v="2554" actId="20577"/>
+        <pc:sldMkLst>
+          <pc:docMk/>
+          <pc:sldMk cId="503893426" sldId="269"/>
+        </pc:sldMkLst>
+        <pc:spChg chg="mod">
+          <ac:chgData name="Franz Barbist" userId="c7836f6c319c67ab" providerId="LiveId" clId="{82030F73-2390-4F5D-B704-AB6B90AE5A12}" dt="2025-05-07T08:28:17.928" v="2466" actId="20577"/>
+          <ac:spMkLst>
+            <pc:docMk/>
+            <pc:sldMk cId="503893426" sldId="269"/>
+            <ac:spMk id="2" creationId="{A35595A2-E084-8230-3AC2-4AC3C6F972D7}"/>
+          </ac:spMkLst>
+        </pc:spChg>
+        <pc:spChg chg="mod">
+          <ac:chgData name="Franz Barbist" userId="c7836f6c319c67ab" providerId="LiveId" clId="{82030F73-2390-4F5D-B704-AB6B90AE5A12}" dt="2025-05-07T08:31:35.481" v="2554" actId="20577"/>
+          <ac:spMkLst>
+            <pc:docMk/>
+            <pc:sldMk cId="503893426" sldId="269"/>
+            <ac:spMk id="3" creationId="{836B22E4-66F8-4108-0D11-21B9F67D0D7C}"/>
+          </ac:spMkLst>
+        </pc:spChg>
+      </pc:sldChg>
+      <pc:sldChg chg="addSp modSp new mod">
+        <pc:chgData name="Franz Barbist" userId="c7836f6c319c67ab" providerId="LiveId" clId="{82030F73-2390-4F5D-B704-AB6B90AE5A12}" dt="2025-05-07T08:40:11.034" v="2622" actId="20577"/>
+        <pc:sldMkLst>
+          <pc:docMk/>
+          <pc:sldMk cId="2191172520" sldId="270"/>
+        </pc:sldMkLst>
+        <pc:spChg chg="mod">
+          <ac:chgData name="Franz Barbist" userId="c7836f6c319c67ab" providerId="LiveId" clId="{82030F73-2390-4F5D-B704-AB6B90AE5A12}" dt="2025-05-07T08:36:24.521" v="2565" actId="20577"/>
+          <ac:spMkLst>
+            <pc:docMk/>
+            <pc:sldMk cId="2191172520" sldId="270"/>
+            <ac:spMk id="2" creationId="{8BD6732A-2317-0AE5-9150-FBF28BE57F84}"/>
+          </ac:spMkLst>
+        </pc:spChg>
+        <pc:spChg chg="mod">
+          <ac:chgData name="Franz Barbist" userId="c7836f6c319c67ab" providerId="LiveId" clId="{82030F73-2390-4F5D-B704-AB6B90AE5A12}" dt="2025-05-07T08:40:11.034" v="2622" actId="20577"/>
+          <ac:spMkLst>
+            <pc:docMk/>
+            <pc:sldMk cId="2191172520" sldId="270"/>
+            <ac:spMk id="3" creationId="{CEBDA9A3-055E-657E-C798-1E6CFF094E13}"/>
+          </ac:spMkLst>
+        </pc:spChg>
+        <pc:picChg chg="add mod">
+          <ac:chgData name="Franz Barbist" userId="c7836f6c319c67ab" providerId="LiveId" clId="{82030F73-2390-4F5D-B704-AB6B90AE5A12}" dt="2025-05-07T08:37:49.698" v="2605" actId="1076"/>
+          <ac:picMkLst>
+            <pc:docMk/>
+            <pc:sldMk cId="2191172520" sldId="270"/>
+            <ac:picMk id="5" creationId="{A69219C4-C702-AAEF-33F5-BEF4DE525B76}"/>
+          </ac:picMkLst>
+        </pc:picChg>
+      </pc:sldChg>
     </pc:docChg>
   </pc:docChgLst>
 </pc:chgInfo>
-</file>
-
-<file path=ppt/diagrams/colors1.xml><?xml version="1.0" encoding="utf-8"?>
-<dgm:colorsDef xmlns:dgm="http://schemas.openxmlformats.org/drawingml/2006/diagram" xmlns:a="http://schemas.openxmlformats.org/drawingml/2006/main" uniqueId="urn:microsoft.com/office/officeart/2005/8/colors/accent1_2">
-  <dgm:title val=""/>
-  <dgm:desc val=""/>
-  <dgm:catLst>
-    <dgm:cat type="accent1" pri="11200"/>
-  </dgm:catLst>
-  <dgm:styleLbl name="node0">
-    <dgm:fillClrLst meth="repeat">
-      <a:schemeClr val="accent1"/>
-    </dgm:fillClrLst>
-    <dgm:linClrLst meth="repeat">
-      <a:schemeClr val="lt1"/>
-    </dgm:linClrLst>
-    <dgm:effectClrLst/>
-    <dgm:txLinClrLst/>
-    <dgm:txFillClrLst/>
-    <dgm:txEffectClrLst/>
-  </dgm:styleLbl>
-  <dgm:styleLbl name="alignNode1">
-    <dgm:fillClrLst meth="repeat">
-      <a:schemeClr val="accent1"/>
-    </dgm:fillClrLst>
-    <dgm:linClrLst meth="repeat">
-      <a:schemeClr val="accent1"/>
-    </dgm:linClrLst>
-    <dgm:effectClrLst/>
-    <dgm:txLinClrLst/>
-    <dgm:txFillClrLst/>
-    <dgm:txEffectClrLst/>
-  </dgm:styleLbl>
-  <dgm:styleLbl name="node1">
-    <dgm:fillClrLst meth="repeat">
-      <a:schemeClr val="accent1"/>
-    </dgm:fillClrLst>
-    <dgm:linClrLst meth="repeat">
-      <a:schemeClr val="lt1"/>
-    </dgm:linClrLst>
-    <dgm:effectClrLst/>
-    <dgm:txLinClrLst/>
-    <dgm:txFillClrLst/>
-    <dgm:txEffectClrLst/>
-  </dgm:styleLbl>
-  <dgm:styleLbl name="lnNode1">
-    <dgm:fillClrLst meth="repeat">
-      <a:schemeClr val="accent1"/>
-    </dgm:fillClrLst>
-    <dgm:linClrLst meth="repeat">
-      <a:schemeClr val="lt1"/>
-    </dgm:linClrLst>
-    <dgm:effectClrLst/>
-    <dgm:txLinClrLst/>
-    <dgm:txFillClrLst/>
-    <dgm:txEffectClrLst/>
-  </dgm:styleLbl>
-  <dgm:styleLbl name="vennNode1">
-    <dgm:fillClrLst meth="repeat">
-      <a:schemeClr val="accent1">
-        <a:alpha val="50000"/>
-      </a:schemeClr>
-    </dgm:fillClrLst>
-    <dgm:linClrLst meth="repeat">
-      <a:schemeClr val="lt1"/>
-    </dgm:linClrLst>
-    <dgm:effectClrLst/>
-    <dgm:txLinClrLst/>
-    <dgm:txFillClrLst/>
-    <dgm:txEffectClrLst/>
-  </dgm:styleLbl>
-  <dgm:styleLbl name="node2">
-    <dgm:fillClrLst meth="repeat">
-      <a:schemeClr val="accent1"/>
-    </dgm:fillClrLst>
-    <dgm:linClrLst meth="repeat">
-      <a:schemeClr val="lt1"/>
-    </dgm:linClrLst>
-    <dgm:effectClrLst/>
-    <dgm:txLinClrLst/>
-    <dgm:txFillClrLst/>
-    <dgm:txEffectClrLst/>
-  </dgm:styleLbl>
-  <dgm:styleLbl name="node3">
-    <dgm:fillClrLst meth="repeat">
-      <a:schemeClr val="accent1"/>
-    </dgm:fillClrLst>
-    <dgm:linClrLst meth="repeat">
-      <a:schemeClr val="lt1"/>
-    </dgm:linClrLst>
-    <dgm:effectClrLst/>
-    <dgm:txLinClrLst/>
-    <dgm:txFillClrLst/>
-    <dgm:txEffectClrLst/>
-  </dgm:styleLbl>
-  <dgm:styleLbl name="node4">
-    <dgm:fillClrLst meth="repeat">
-      <a:schemeClr val="accent1"/>
-    </dgm:fillClrLst>
-    <dgm:linClrLst meth="repeat">
-      <a:schemeClr val="lt1"/>
-    </dgm:linClrLst>
-    <dgm:effectClrLst/>
-    <dgm:txLinClrLst/>
-    <dgm:txFillClrLst/>
-    <dgm:txEffectClrLst/>
-  </dgm:styleLbl>
-  <dgm:styleLbl name="fgImgPlace1">
-    <dgm:fillClrLst meth="repeat">
-      <a:schemeClr val="accent1">
-        <a:tint val="50000"/>
-      </a:schemeClr>
-    </dgm:fillClrLst>
-    <dgm:linClrLst meth="repeat">
-      <a:schemeClr val="lt1"/>
-    </dgm:linClrLst>
-    <dgm:effectClrLst/>
-    <dgm:txLinClrLst/>
-    <dgm:txFillClrLst meth="repeat">
-      <a:schemeClr val="lt1"/>
-    </dgm:txFillClrLst>
-    <dgm:txEffectClrLst/>
-  </dgm:styleLbl>
-  <dgm:styleLbl name="alignImgPlace1">
-    <dgm:fillClrLst meth="repeat">
-      <a:schemeClr val="accent1">
-        <a:tint val="50000"/>
-      </a:schemeClr>
-    </dgm:fillClrLst>
-    <dgm:linClrLst meth="repeat">
-      <a:schemeClr val="lt1"/>
-    </dgm:linClrLst>
-    <dgm:effectClrLst/>
-    <dgm:txLinClrLst/>
-    <dgm:txFillClrLst meth="repeat">
-      <a:schemeClr val="lt1"/>
-    </dgm:txFillClrLst>
-    <dgm:txEffectClrLst/>
-  </dgm:styleLbl>
-  <dgm:styleLbl name="bgImgPlace1">
-    <dgm:fillClrLst meth="repeat">
-      <a:schemeClr val="accent1">
-        <a:tint val="50000"/>
-      </a:schemeClr>
-    </dgm:fillClrLst>
-    <dgm:linClrLst meth="repeat">
-      <a:schemeClr val="lt1"/>
-    </dgm:linClrLst>
-    <dgm:effectClrLst/>
-    <dgm:txLinClrLst/>
-    <dgm:txFillClrLst meth="repeat">
-      <a:schemeClr val="lt1"/>
-    </dgm:txFillClrLst>
-    <dgm:txEffectClrLst/>
-  </dgm:styleLbl>
-  <dgm:styleLbl name="sibTrans2D1">
-    <dgm:fillClrLst meth="repeat">
-      <a:schemeClr val="accent1">
-        <a:tint val="60000"/>
-      </a:schemeClr>
-    </dgm:fillClrLst>
-    <dgm:linClrLst meth="repeat">
-      <a:schemeClr val="accent1">
-        <a:tint val="60000"/>
-      </a:schemeClr>
-    </dgm:linClrLst>
-    <dgm:effectClrLst/>
-    <dgm:txLinClrLst/>
-    <dgm:txFillClrLst/>
-    <dgm:txEffectClrLst/>
-  </dgm:styleLbl>
-  <dgm:styleLbl name="fgSibTrans2D1">
-    <dgm:fillClrLst meth="repeat">
-      <a:schemeClr val="accent1">
-        <a:tint val="60000"/>
-      </a:schemeClr>
-    </dgm:fillClrLst>
-    <dgm:linClrLst meth="repeat">
-      <a:schemeClr val="accent1">
-        <a:tint val="60000"/>
-      </a:schemeClr>
-    </dgm:linClrLst>
-    <dgm:effectClrLst/>
-    <dgm:txLinClrLst/>
-    <dgm:txFillClrLst/>
-    <dgm:txEffectClrLst/>
-  </dgm:styleLbl>
-  <dgm:styleLbl name="bgSibTrans2D1">
-    <dgm:fillClrLst meth="repeat">
-      <a:schemeClr val="accent1">
-        <a:tint val="60000"/>
-      </a:schemeClr>
-    </dgm:fillClrLst>
-    <dgm:linClrLst meth="repeat">
-      <a:schemeClr val="accent1">
-        <a:tint val="60000"/>
-      </a:schemeClr>
-    </dgm:linClrLst>
-    <dgm:effectClrLst/>
-    <dgm:txLinClrLst/>
-    <dgm:txFillClrLst/>
-    <dgm:txEffectClrLst/>
-  </dgm:styleLbl>
-  <dgm:styleLbl name="sibTrans1D1">
-    <dgm:fillClrLst meth="repeat">
-      <a:schemeClr val="accent1"/>
-    </dgm:fillClrLst>
-    <dgm:linClrLst meth="repeat">
-      <a:schemeClr val="accent1"/>
-    </dgm:linClrLst>
-    <dgm:effectClrLst/>
-    <dgm:txLinClrLst/>
-    <dgm:txFillClrLst meth="repeat">
-      <a:schemeClr val="tx1"/>
-    </dgm:txFillClrLst>
-    <dgm:txEffectClrLst/>
-  </dgm:styleLbl>
-  <dgm:styleLbl name="callout">
-    <dgm:fillClrLst meth="repeat">
-      <a:schemeClr val="accent1"/>
-    </dgm:fillClrLst>
-    <dgm:linClrLst meth="repeat">
-      <a:schemeClr val="accent1">
-        <a:tint val="50000"/>
-      </a:schemeClr>
-    </dgm:linClrLst>
-    <dgm:effectClrLst/>
-    <dgm:txLinClrLst/>
-    <dgm:txFillClrLst meth="repeat">
-      <a:schemeClr val="tx1"/>
-    </dgm:txFillClrLst>
-    <dgm:txEffectClrLst/>
-  </dgm:styleLbl>
-  <dgm:styleLbl name="asst0">
-    <dgm:fillClrLst meth="repeat">
-      <a:schemeClr val="accent1"/>
-    </dgm:fillClrLst>
-    <dgm:linClrLst meth="repeat">
-      <a:schemeClr val="lt1"/>
-    </dgm:linClrLst>
-    <dgm:effectClrLst/>
-    <dgm:txLinClrLst/>
-    <dgm:txFillClrLst/>
-    <dgm:txEffectClrLst/>
-  </dgm:styleLbl>
-  <dgm:styleLbl name="asst1">
-    <dgm:fillClrLst meth="repeat">
-      <a:schemeClr val="accent1"/>
-    </dgm:fillClrLst>
-    <dgm:linClrLst meth="repeat">
-      <a:schemeClr val="lt1"/>
-    </dgm:linClrLst>
-    <dgm:effectClrLst/>
-    <dgm:txLinClrLst/>
-    <dgm:txFillClrLst/>
-    <dgm:txEffectClrLst/>
-  </dgm:styleLbl>
-  <dgm:styleLbl name="asst2">
-    <dgm:fillClrLst meth="repeat">
-      <a:schemeClr val="accent1"/>
-    </dgm:fillClrLst>
-    <dgm:linClrLst meth="repeat">
-      <a:schemeClr val="lt1"/>
-    </dgm:linClrLst>
-    <dgm:effectClrLst/>
-    <dgm:txLinClrLst/>
-    <dgm:txFillClrLst/>
-    <dgm:txEffectClrLst/>
-  </dgm:styleLbl>
-  <dgm:styleLbl name="asst3">
-    <dgm:fillClrLst meth="repeat">
-      <a:schemeClr val="accent1"/>
-    </dgm:fillClrLst>
-    <dgm:linClrLst meth="repeat">
-      <a:schemeClr val="lt1"/>
-    </dgm:linClrLst>
-    <dgm:effectClrLst/>
-    <dgm:txLinClrLst/>
-    <dgm:txFillClrLst/>
-    <dgm:txEffectClrLst/>
-  </dgm:styleLbl>
-  <dgm:styleLbl name="asst4">
-    <dgm:fillClrLst meth="repeat">
-      <a:schemeClr val="accent1"/>
-    </dgm:fillClrLst>
-    <dgm:linClrLst meth="repeat">
-      <a:schemeClr val="lt1"/>
-    </dgm:linClrLst>
-    <dgm:effectClrLst/>
-    <dgm:txLinClrLst/>
-    <dgm:txFillClrLst/>
-    <dgm:txEffectClrLst/>
-  </dgm:styleLbl>
-  <dgm:styleLbl name="parChTrans2D1">
-    <dgm:fillClrLst meth="repeat">
-      <a:schemeClr val="accent1">
-        <a:tint val="60000"/>
-      </a:schemeClr>
-    </dgm:fillClrLst>
-    <dgm:linClrLst meth="repeat">
-      <a:schemeClr val="accent1">
-        <a:tint val="60000"/>
-      </a:schemeClr>
-    </dgm:linClrLst>
-    <dgm:effectClrLst/>
-    <dgm:txLinClrLst/>
-    <dgm:txFillClrLst meth="repeat">
-      <a:schemeClr val="lt1"/>
-    </dgm:txFillClrLst>
-    <dgm:txEffectClrLst/>
-  </dgm:styleLbl>
-  <dgm:styleLbl name="parChTrans2D2">
-    <dgm:fillClrLst meth="repeat">
-      <a:schemeClr val="accent1"/>
-    </dgm:fillClrLst>
-    <dgm:linClrLst meth="repeat">
-      <a:schemeClr val="accent1"/>
-    </dgm:linClrLst>
-    <dgm:effectClrLst/>
-    <dgm:txLinClrLst/>
-    <dgm:txFillClrLst meth="repeat">
-      <a:schemeClr val="lt1"/>
-    </dgm:txFillClrLst>
-    <dgm:txEffectClrLst/>
-  </dgm:styleLbl>
-  <dgm:styleLbl name="parChTrans2D3">
-    <dgm:fillClrLst meth="repeat">
-      <a:schemeClr val="accent1"/>
-    </dgm:fillClrLst>
-    <dgm:linClrLst meth="repeat">
-      <a:schemeClr val="accent1"/>
-    </dgm:linClrLst>
-    <dgm:effectClrLst/>
-    <dgm:txLinClrLst/>
-    <dgm:txFillClrLst meth="repeat">
-      <a:schemeClr val="lt1"/>
-    </dgm:txFillClrLst>
-    <dgm:txEffectClrLst/>
-  </dgm:styleLbl>
-  <dgm:styleLbl name="parChTrans2D4">
-    <dgm:fillClrLst meth="repeat">
-      <a:schemeClr val="accent1"/>
-    </dgm:fillClrLst>
-    <dgm:linClrLst meth="repeat">
-      <a:schemeClr val="accent1"/>
-    </dgm:linClrLst>
-    <dgm:effectClrLst/>
-    <dgm:txLinClrLst/>
-    <dgm:txFillClrLst meth="repeat">
-      <a:schemeClr val="lt1"/>
-    </dgm:txFillClrLst>
-    <dgm:txEffectClrLst/>
-  </dgm:styleLbl>
-  <dgm:styleLbl name="parChTrans1D1">
-    <dgm:fillClrLst meth="repeat">
-      <a:schemeClr val="accent1"/>
-    </dgm:fillClrLst>
-    <dgm:linClrLst meth="repeat">
-      <a:schemeClr val="accent1">
-        <a:shade val="60000"/>
-      </a:schemeClr>
-    </dgm:linClrLst>
-    <dgm:effectClrLst/>
-    <dgm:txLinClrLst/>
-    <dgm:txFillClrLst meth="repeat">
-      <a:schemeClr val="tx1"/>
-    </dgm:txFillClrLst>
-    <dgm:txEffectClrLst/>
-  </dgm:styleLbl>
-  <dgm:styleLbl name="parChTrans1D2">
-    <dgm:fillClrLst meth="repeat">
-      <a:schemeClr val="accent1"/>
-    </dgm:fillClrLst>
-    <dgm:linClrLst meth="repeat">
-      <a:schemeClr val="accent1">
-        <a:shade val="60000"/>
-      </a:schemeClr>
-    </dgm:linClrLst>
-    <dgm:effectClrLst/>
-    <dgm:txLinClrLst/>
-    <dgm:txFillClrLst meth="repeat">
-      <a:schemeClr val="tx1"/>
-    </dgm:txFillClrLst>
-    <dgm:txEffectClrLst/>
-  </dgm:styleLbl>
-  <dgm:styleLbl name="parChTrans1D3">
-    <dgm:fillClrLst meth="repeat">
-      <a:schemeClr val="accent1"/>
-    </dgm:fillClrLst>
-    <dgm:linClrLst meth="repeat">
-      <a:schemeClr val="accent1">
-        <a:shade val="80000"/>
-      </a:schemeClr>
-    </dgm:linClrLst>
-    <dgm:effectClrLst/>
-    <dgm:txLinClrLst/>
-    <dgm:txFillClrLst meth="repeat">
-      <a:schemeClr val="tx1"/>
-    </dgm:txFillClrLst>
-    <dgm:txEffectClrLst/>
-  </dgm:styleLbl>
-  <dgm:styleLbl name="parChTrans1D4">
-    <dgm:fillClrLst meth="repeat">
-      <a:schemeClr val="accent1"/>
-    </dgm:fillClrLst>
-    <dgm:linClrLst meth="repeat">
-      <a:schemeClr val="accent1">
-        <a:shade val="80000"/>
-      </a:schemeClr>
-    </dgm:linClrLst>
-    <dgm:effectClrLst/>
-    <dgm:txLinClrLst/>
-    <dgm:txFillClrLst meth="repeat">
-      <a:schemeClr val="tx1"/>
-    </dgm:txFillClrLst>
-    <dgm:txEffectClrLst/>
-  </dgm:styleLbl>
-  <dgm:styleLbl name="fgAcc1">
-    <dgm:fillClrLst meth="repeat">
-      <a:schemeClr val="lt1">
-        <a:alpha val="90000"/>
-      </a:schemeClr>
-    </dgm:fillClrLst>
-    <dgm:linClrLst meth="repeat">
-      <a:schemeClr val="accent1"/>
-    </dgm:linClrLst>
-    <dgm:effectClrLst/>
-    <dgm:txLinClrLst/>
-    <dgm:txFillClrLst meth="repeat">
-      <a:schemeClr val="dk1"/>
-    </dgm:txFillClrLst>
-    <dgm:txEffectClrLst/>
-  </dgm:styleLbl>
-  <dgm:styleLbl name="conFgAcc1">
-    <dgm:fillClrLst meth="repeat">
-      <a:schemeClr val="lt1">
-        <a:alpha val="90000"/>
-      </a:schemeClr>
-    </dgm:fillClrLst>
-    <dgm:linClrLst meth="repeat">
-      <a:schemeClr val="accent1"/>
-    </dgm:linClrLst>
-    <dgm:effectClrLst/>
-    <dgm:txLinClrLst/>
-    <dgm:txFillClrLst meth="repeat">
-      <a:schemeClr val="dk1"/>
-    </dgm:txFillClrLst>
-    <dgm:txEffectClrLst/>
-  </dgm:styleLbl>
-  <dgm:styleLbl name="alignAcc1">
-    <dgm:fillClrLst meth="repeat">
-      <a:schemeClr val="lt1">
-        <a:alpha val="90000"/>
-      </a:schemeClr>
-    </dgm:fillClrLst>
-    <dgm:linClrLst meth="repeat">
-      <a:schemeClr val="accent1"/>
-    </dgm:linClrLst>
-    <dgm:effectClrLst/>
-    <dgm:txLinClrLst/>
-    <dgm:txFillClrLst meth="repeat">
-      <a:schemeClr val="dk1"/>
-    </dgm:txFillClrLst>
-    <dgm:txEffectClrLst/>
-  </dgm:styleLbl>
-  <dgm:styleLbl name="trAlignAcc1">
-    <dgm:fillClrLst meth="repeat">
-      <a:schemeClr val="lt1">
-        <a:alpha val="40000"/>
-      </a:schemeClr>
-    </dgm:fillClrLst>
-    <dgm:linClrLst meth="repeat">
-      <a:schemeClr val="accent1"/>
-    </dgm:linClrLst>
-    <dgm:effectClrLst/>
-    <dgm:txLinClrLst/>
-    <dgm:txFillClrLst meth="repeat">
-      <a:schemeClr val="dk1"/>
-    </dgm:txFillClrLst>
-    <dgm:txEffectClrLst/>
-  </dgm:styleLbl>
-  <dgm:styleLbl name="bgAcc1">
-    <dgm:fillClrLst meth="repeat">
-      <a:schemeClr val="lt1">
-        <a:alpha val="90000"/>
-      </a:schemeClr>
-    </dgm:fillClrLst>
-    <dgm:linClrLst meth="repeat">
-      <a:schemeClr val="accent1"/>
-    </dgm:linClrLst>
-    <dgm:effectClrLst/>
-    <dgm:txLinClrLst/>
-    <dgm:txFillClrLst meth="repeat">
-      <a:schemeClr val="dk1"/>
-    </dgm:txFillClrLst>
-    <dgm:txEffectClrLst/>
-  </dgm:styleLbl>
-  <dgm:styleLbl name="solidFgAcc1">
-    <dgm:fillClrLst meth="repeat">
-      <a:schemeClr val="lt1"/>
-    </dgm:fillClrLst>
-    <dgm:linClrLst meth="repeat">
-      <a:schemeClr val="accent1"/>
-    </dgm:linClrLst>
-    <dgm:effectClrLst/>
-    <dgm:txLinClrLst/>
-    <dgm:txFillClrLst meth="repeat">
-      <a:schemeClr val="dk1"/>
-    </dgm:txFillClrLst>
-    <dgm:txEffectClrLst/>
-  </dgm:styleLbl>
-  <dgm:styleLbl name="solidAlignAcc1">
-    <dgm:fillClrLst meth="repeat">
-      <a:schemeClr val="lt1"/>
-    </dgm:fillClrLst>
-    <dgm:linClrLst meth="repeat">
-      <a:schemeClr val="accent1"/>
-    </dgm:linClrLst>
-    <dgm:effectClrLst/>
-    <dgm:txLinClrLst/>
-    <dgm:txFillClrLst meth="repeat">
-      <a:schemeClr val="dk1"/>
-    </dgm:txFillClrLst>
-    <dgm:txEffectClrLst/>
-  </dgm:styleLbl>
-  <dgm:styleLbl name="solidBgAcc1">
-    <dgm:fillClrLst meth="repeat">
-      <a:schemeClr val="lt1"/>
-    </dgm:fillClrLst>
-    <dgm:linClrLst meth="repeat">
-      <a:schemeClr val="accent1"/>
-    </dgm:linClrLst>
-    <dgm:effectClrLst/>
-    <dgm:txLinClrLst/>
-    <dgm:txFillClrLst meth="repeat">
-      <a:schemeClr val="dk1"/>
-    </dgm:txFillClrLst>
-    <dgm:txEffectClrLst/>
-  </dgm:styleLbl>
-  <dgm:styleLbl name="fgAccFollowNode1">
-    <dgm:fillClrLst meth="repeat">
-      <a:schemeClr val="accent1">
-        <a:alpha val="90000"/>
-        <a:tint val="40000"/>
-      </a:schemeClr>
-    </dgm:fillClrLst>
-    <dgm:linClrLst meth="repeat">
-      <a:schemeClr val="accent1">
-        <a:alpha val="90000"/>
-        <a:tint val="40000"/>
-      </a:schemeClr>
-    </dgm:linClrLst>
-    <dgm:effectClrLst/>
-    <dgm:txLinClrLst/>
-    <dgm:txFillClrLst meth="repeat">
-      <a:schemeClr val="dk1"/>
-    </dgm:txFillClrLst>
-    <dgm:txEffectClrLst/>
-  </dgm:styleLbl>
-  <dgm:styleLbl name="alignAccFollowNode1">
-    <dgm:fillClrLst meth="repeat">
-      <a:schemeClr val="accent1">
-        <a:alpha val="90000"/>
-        <a:tint val="40000"/>
-      </a:schemeClr>
-    </dgm:fillClrLst>
-    <dgm:linClrLst meth="repeat">
-      <a:schemeClr val="accent1">
-        <a:alpha val="90000"/>
-        <a:tint val="40000"/>
-      </a:schemeClr>
-    </dgm:linClrLst>
-    <dgm:effectClrLst/>
-    <dgm:txLinClrLst/>
-    <dgm:txFillClrLst meth="repeat">
-      <a:schemeClr val="dk1"/>
-    </dgm:txFillClrLst>
-    <dgm:txEffectClrLst/>
-  </dgm:styleLbl>
-  <dgm:styleLbl name="bgAccFollowNode1">
-    <dgm:fillClrLst meth="repeat">
-      <a:schemeClr val="accent1">
-        <a:alpha val="90000"/>
-        <a:tint val="40000"/>
-      </a:schemeClr>
-    </dgm:fillClrLst>
-    <dgm:linClrLst meth="repeat">
-      <a:schemeClr val="accent1">
-        <a:alpha val="90000"/>
-        <a:tint val="40000"/>
-      </a:schemeClr>
-    </dgm:linClrLst>
-    <dgm:effectClrLst/>
-    <dgm:txLinClrLst/>
-    <dgm:txFillClrLst meth="repeat">
-      <a:schemeClr val="dk1"/>
-    </dgm:txFillClrLst>
-    <dgm:txEffectClrLst/>
-  </dgm:styleLbl>
-  <dgm:styleLbl name="fgAcc0">
-    <dgm:fillClrLst meth="repeat">
-      <a:schemeClr val="lt1">
-        <a:alpha val="90000"/>
-      </a:schemeClr>
-    </dgm:fillClrLst>
-    <dgm:linClrLst meth="repeat">
-      <a:schemeClr val="accent1"/>
-    </dgm:linClrLst>
-    <dgm:effectClrLst/>
-    <dgm:txLinClrLst/>
-    <dgm:txFillClrLst meth="repeat">
-      <a:schemeClr val="dk1"/>
-    </dgm:txFillClrLst>
-    <dgm:txEffectClrLst/>
-  </dgm:styleLbl>
-  <dgm:styleLbl name="fgAcc2">
-    <dgm:fillClrLst meth="repeat">
-      <a:schemeClr val="lt1">
-        <a:alpha val="90000"/>
-      </a:schemeClr>
-    </dgm:fillClrLst>
-    <dgm:linClrLst meth="repeat">
-      <a:schemeClr val="accent1"/>
-    </dgm:linClrLst>
-    <dgm:effectClrLst/>
-    <dgm:txLinClrLst/>
-    <dgm:txFillClrLst meth="repeat">
-      <a:schemeClr val="dk1"/>
-    </dgm:txFillClrLst>
-    <dgm:txEffectClrLst/>
-  </dgm:styleLbl>
-  <dgm:styleLbl name="fgAcc3">
-    <dgm:fillClrLst meth="repeat">
-      <a:schemeClr val="lt1">
-        <a:alpha val="90000"/>
-      </a:schemeClr>
-    </dgm:fillClrLst>
-    <dgm:linClrLst meth="repeat">
-      <a:schemeClr val="accent1"/>
-    </dgm:linClrLst>
-    <dgm:effectClrLst/>
-    <dgm:txLinClrLst/>
-    <dgm:txFillClrLst meth="repeat">
-      <a:schemeClr val="dk1"/>
-    </dgm:txFillClrLst>
-    <dgm:txEffectClrLst/>
-  </dgm:styleLbl>
-  <dgm:styleLbl name="fgAcc4">
-    <dgm:fillClrLst meth="repeat">
-      <a:schemeClr val="lt1">
-        <a:alpha val="90000"/>
-      </a:schemeClr>
-    </dgm:fillClrLst>
-    <dgm:linClrLst meth="repeat">
-      <a:schemeClr val="accent1"/>
-    </dgm:linClrLst>
-    <dgm:effectClrLst/>
-    <dgm:txLinClrLst/>
-    <dgm:txFillClrLst meth="repeat">
-      <a:schemeClr val="dk1"/>
-    </dgm:txFillClrLst>
-    <dgm:txEffectClrLst/>
-  </dgm:styleLbl>
-  <dgm:styleLbl name="bgShp">
-    <dgm:fillClrLst meth="repeat">
-      <a:schemeClr val="accent1">
-        <a:tint val="40000"/>
-      </a:schemeClr>
-    </dgm:fillClrLst>
-    <dgm:linClrLst meth="repeat">
-      <a:schemeClr val="accent1"/>
-    </dgm:linClrLst>
-    <dgm:effectClrLst/>
-    <dgm:txLinClrLst/>
-    <dgm:txFillClrLst meth="repeat">
-      <a:schemeClr val="dk1"/>
-    </dgm:txFillClrLst>
-    <dgm:txEffectClrLst/>
-  </dgm:styleLbl>
-  <dgm:styleLbl name="dkBgShp">
-    <dgm:fillClrLst meth="repeat">
-      <a:schemeClr val="accent1">
-        <a:shade val="80000"/>
-      </a:schemeClr>
-    </dgm:fillClrLst>
-    <dgm:linClrLst meth="repeat">
-      <a:schemeClr val="accent1"/>
-    </dgm:linClrLst>
-    <dgm:effectClrLst/>
-    <dgm:txLinClrLst/>
-    <dgm:txFillClrLst meth="repeat">
-      <a:schemeClr val="lt1"/>
-    </dgm:txFillClrLst>
-    <dgm:txEffectClrLst/>
-  </dgm:styleLbl>
-  <dgm:styleLbl name="trBgShp">
-    <dgm:fillClrLst meth="repeat">
-      <a:schemeClr val="accent1">
-        <a:tint val="50000"/>
-        <a:alpha val="40000"/>
-      </a:schemeClr>
-    </dgm:fillClrLst>
-    <dgm:linClrLst meth="repeat">
-      <a:schemeClr val="accent1"/>
-    </dgm:linClrLst>
-    <dgm:effectClrLst/>
-    <dgm:txLinClrLst/>
-    <dgm:txFillClrLst meth="repeat">
-      <a:schemeClr val="lt1"/>
-    </dgm:txFillClrLst>
-    <dgm:txEffectClrLst/>
-  </dgm:styleLbl>
-  <dgm:styleLbl name="fgShp">
-    <dgm:fillClrLst meth="repeat">
-      <a:schemeClr val="accent1">
-        <a:tint val="60000"/>
-      </a:schemeClr>
-    </dgm:fillClrLst>
-    <dgm:linClrLst meth="repeat">
-      <a:schemeClr val="lt1"/>
-    </dgm:linClrLst>
-    <dgm:effectClrLst/>
-    <dgm:txLinClrLst/>
-    <dgm:txFillClrLst meth="repeat">
-      <a:schemeClr val="dk1"/>
-    </dgm:txFillClrLst>
-    <dgm:txEffectClrLst/>
-  </dgm:styleLbl>
-  <dgm:styleLbl name="revTx">
-    <dgm:fillClrLst meth="repeat">
-      <a:schemeClr val="lt1">
-        <a:alpha val="0"/>
-      </a:schemeClr>
-    </dgm:fillClrLst>
-    <dgm:linClrLst meth="repeat">
-      <a:schemeClr val="dk1">
-        <a:alpha val="0"/>
-      </a:schemeClr>
-    </dgm:linClrLst>
-    <dgm:effectClrLst/>
-    <dgm:txLinClrLst/>
-    <dgm:txFillClrLst meth="repeat">
-      <a:schemeClr val="tx1"/>
-    </dgm:txFillClrLst>
-    <dgm:txEffectClrLst/>
-  </dgm:styleLbl>
-</dgm:colorsDef>
-</file>
-
-<file path=ppt/diagrams/data1.xml><?xml version="1.0" encoding="utf-8"?>
-<dgm:dataModel xmlns:dgm="http://schemas.openxmlformats.org/drawingml/2006/diagram" xmlns:a="http://schemas.openxmlformats.org/drawingml/2006/main">
-  <dgm:ptLst>
-    <dgm:pt modelId="{5D5A3B4D-91EB-4DDF-813C-EF0957FF1657}" type="doc">
-      <dgm:prSet loTypeId="urn:microsoft.com/office/officeart/2005/8/layout/vList2" loCatId="list" qsTypeId="urn:microsoft.com/office/officeart/2005/8/quickstyle/simple2" qsCatId="simple" csTypeId="urn:microsoft.com/office/officeart/2005/8/colors/accent1_2" csCatId="accent1" phldr="1"/>
-      <dgm:spPr/>
-      <dgm:t>
-        <a:bodyPr/>
-        <a:lstStyle/>
-        <a:p>
-          <a:endParaRPr lang="en-US"/>
-        </a:p>
-      </dgm:t>
-    </dgm:pt>
-    <dgm:pt modelId="{C60B6A9E-8E4A-4677-A07C-636A482DEF94}">
-      <dgm:prSet/>
-      <dgm:spPr/>
-      <dgm:t>
-        <a:bodyPr/>
-        <a:lstStyle/>
-        <a:p>
-          <a:r>
-            <a:rPr lang="de-AT" dirty="0"/>
-            <a:t>ist ein simples Schach spiel</a:t>
-          </a:r>
-          <a:endParaRPr lang="en-US" dirty="0"/>
-        </a:p>
-      </dgm:t>
-    </dgm:pt>
-    <dgm:pt modelId="{01FC3DE1-CC4A-4011-AA1A-63395D58BA2A}" type="parTrans" cxnId="{CFF8CFAA-6AF8-430B-B60B-57A40B09ADCD}">
-      <dgm:prSet/>
-      <dgm:spPr/>
-      <dgm:t>
-        <a:bodyPr/>
-        <a:lstStyle/>
-        <a:p>
-          <a:endParaRPr lang="en-US"/>
-        </a:p>
-      </dgm:t>
-    </dgm:pt>
-    <dgm:pt modelId="{70D04D9C-813E-4168-82D2-3D06BDCC4B9C}" type="sibTrans" cxnId="{CFF8CFAA-6AF8-430B-B60B-57A40B09ADCD}">
-      <dgm:prSet/>
-      <dgm:spPr/>
-      <dgm:t>
-        <a:bodyPr/>
-        <a:lstStyle/>
-        <a:p>
-          <a:endParaRPr lang="en-US"/>
-        </a:p>
-      </dgm:t>
-    </dgm:pt>
-    <dgm:pt modelId="{273AABC7-B914-4CB5-8254-3E1AE7DF9F65}" type="pres">
-      <dgm:prSet presAssocID="{5D5A3B4D-91EB-4DDF-813C-EF0957FF1657}" presName="linear" presStyleCnt="0">
-        <dgm:presLayoutVars>
-          <dgm:animLvl val="lvl"/>
-          <dgm:resizeHandles val="exact"/>
-        </dgm:presLayoutVars>
-      </dgm:prSet>
-      <dgm:spPr/>
-    </dgm:pt>
-    <dgm:pt modelId="{4C7F54AA-6BC3-4C28-B93D-1783A8557BDA}" type="pres">
-      <dgm:prSet presAssocID="{C60B6A9E-8E4A-4677-A07C-636A482DEF94}" presName="parentText" presStyleLbl="node1" presStyleIdx="0" presStyleCnt="1">
-        <dgm:presLayoutVars>
-          <dgm:chMax val="0"/>
-          <dgm:bulletEnabled val="1"/>
-        </dgm:presLayoutVars>
-      </dgm:prSet>
-      <dgm:spPr/>
-    </dgm:pt>
-  </dgm:ptLst>
-  <dgm:cxnLst>
-    <dgm:cxn modelId="{CFF8CFAA-6AF8-430B-B60B-57A40B09ADCD}" srcId="{5D5A3B4D-91EB-4DDF-813C-EF0957FF1657}" destId="{C60B6A9E-8E4A-4677-A07C-636A482DEF94}" srcOrd="0" destOrd="0" parTransId="{01FC3DE1-CC4A-4011-AA1A-63395D58BA2A}" sibTransId="{70D04D9C-813E-4168-82D2-3D06BDCC4B9C}"/>
-    <dgm:cxn modelId="{DADA2BD1-7B1F-4D07-9CF5-C75F653BB697}" type="presOf" srcId="{C60B6A9E-8E4A-4677-A07C-636A482DEF94}" destId="{4C7F54AA-6BC3-4C28-B93D-1783A8557BDA}" srcOrd="0" destOrd="0" presId="urn:microsoft.com/office/officeart/2005/8/layout/vList2"/>
-    <dgm:cxn modelId="{AD70B2E7-26A4-43B0-8387-F5079E95D86C}" type="presOf" srcId="{5D5A3B4D-91EB-4DDF-813C-EF0957FF1657}" destId="{273AABC7-B914-4CB5-8254-3E1AE7DF9F65}" srcOrd="0" destOrd="0" presId="urn:microsoft.com/office/officeart/2005/8/layout/vList2"/>
-    <dgm:cxn modelId="{46B9966B-42CD-4265-A6C0-90F553D0B08B}" type="presParOf" srcId="{273AABC7-B914-4CB5-8254-3E1AE7DF9F65}" destId="{4C7F54AA-6BC3-4C28-B93D-1783A8557BDA}" srcOrd="0" destOrd="0" presId="urn:microsoft.com/office/officeart/2005/8/layout/vList2"/>
-  </dgm:cxnLst>
-  <dgm:bg/>
-  <dgm:whole/>
-  <dgm:extLst>
-    <a:ext uri="http://schemas.microsoft.com/office/drawing/2008/diagram">
-      <dsp:dataModelExt xmlns:dsp="http://schemas.microsoft.com/office/drawing/2008/diagram" relId="rId6" minVer="http://schemas.openxmlformats.org/drawingml/2006/diagram"/>
-    </a:ext>
-  </dgm:extLst>
-</dgm:dataModel>
-</file>
-
-<file path=ppt/diagrams/drawing1.xml><?xml version="1.0" encoding="utf-8"?>
-<dsp:drawing xmlns:dgm="http://schemas.openxmlformats.org/drawingml/2006/diagram" xmlns:dsp="http://schemas.microsoft.com/office/drawing/2008/diagram" xmlns:a="http://schemas.openxmlformats.org/drawingml/2006/main">
-  <dsp:spTree>
-    <dsp:nvGrpSpPr>
-      <dsp:cNvPr id="0" name=""/>
-      <dsp:cNvGrpSpPr/>
-    </dsp:nvGrpSpPr>
-    <dsp:grpSpPr/>
-    <dsp:sp modelId="{4C7F54AA-6BC3-4C28-B93D-1783A8557BDA}">
-      <dsp:nvSpPr>
-        <dsp:cNvPr id="0" name=""/>
-        <dsp:cNvSpPr/>
-      </dsp:nvSpPr>
-      <dsp:spPr>
-        <a:xfrm>
-          <a:off x="0" y="808851"/>
-          <a:ext cx="6723529" cy="2509650"/>
-        </a:xfrm>
-        <a:prstGeom prst="roundRect">
-          <a:avLst/>
-        </a:prstGeom>
-        <a:solidFill>
-          <a:schemeClr val="accent1">
-            <a:hueOff val="0"/>
-            <a:satOff val="0"/>
-            <a:lumOff val="0"/>
-            <a:alphaOff val="0"/>
-          </a:schemeClr>
-        </a:solidFill>
-        <a:ln w="19050" cap="flat" cmpd="sng" algn="ctr">
-          <a:solidFill>
-            <a:schemeClr val="lt1">
-              <a:hueOff val="0"/>
-              <a:satOff val="0"/>
-              <a:lumOff val="0"/>
-              <a:alphaOff val="0"/>
-            </a:schemeClr>
-          </a:solidFill>
-          <a:prstDash val="solid"/>
-          <a:miter lim="800000"/>
-        </a:ln>
-        <a:effectLst/>
-      </dsp:spPr>
-      <dsp:style>
-        <a:lnRef idx="3">
-          <a:scrgbClr r="0" g="0" b="0"/>
-        </a:lnRef>
-        <a:fillRef idx="1">
-          <a:scrgbClr r="0" g="0" b="0"/>
-        </a:fillRef>
-        <a:effectRef idx="1">
-          <a:scrgbClr r="0" g="0" b="0"/>
-        </a:effectRef>
-        <a:fontRef idx="minor">
-          <a:schemeClr val="lt1"/>
-        </a:fontRef>
-      </dsp:style>
-      <dsp:txBody>
-        <a:bodyPr spcFirstLastPara="0" vert="horz" wrap="square" lIns="247650" tIns="247650" rIns="247650" bIns="247650" numCol="1" spcCol="1270" anchor="ctr" anchorCtr="0">
-          <a:noAutofit/>
-        </a:bodyPr>
-        <a:lstStyle/>
-        <a:p>
-          <a:pPr marL="0" lvl="0" indent="0" algn="l" defTabSz="2889250">
-            <a:lnSpc>
-              <a:spcPct val="90000"/>
-            </a:lnSpc>
-            <a:spcBef>
-              <a:spcPct val="0"/>
-            </a:spcBef>
-            <a:spcAft>
-              <a:spcPct val="35000"/>
-            </a:spcAft>
-            <a:buNone/>
-          </a:pPr>
-          <a:r>
-            <a:rPr lang="de-AT" sz="6500" kern="1200" dirty="0"/>
-            <a:t>ist ein simples Schach spiel</a:t>
-          </a:r>
-          <a:endParaRPr lang="en-US" sz="6500" kern="1200" dirty="0"/>
-        </a:p>
-      </dsp:txBody>
-      <dsp:txXfrm>
-        <a:off x="122511" y="931362"/>
-        <a:ext cx="6478507" cy="2264628"/>
-      </dsp:txXfrm>
-    </dsp:sp>
-  </dsp:spTree>
-</dsp:drawing>
-</file>
-
-<file path=ppt/diagrams/layout1.xml><?xml version="1.0" encoding="utf-8"?>
-<dgm:layoutDef xmlns:dgm="http://schemas.openxmlformats.org/drawingml/2006/diagram" xmlns:a="http://schemas.openxmlformats.org/drawingml/2006/main" uniqueId="urn:microsoft.com/office/officeart/2005/8/layout/vList2">
-  <dgm:title val=""/>
-  <dgm:desc val=""/>
-  <dgm:catLst>
-    <dgm:cat type="list" pri="3000"/>
-    <dgm:cat type="convert" pri="1000"/>
-  </dgm:catLst>
-  <dgm:sampData>
-    <dgm:dataModel>
-      <dgm:ptLst>
-        <dgm:pt modelId="0" type="doc"/>
-        <dgm:pt modelId="1">
-          <dgm:prSet phldr="1"/>
-        </dgm:pt>
-        <dgm:pt modelId="11">
-          <dgm:prSet phldr="1"/>
-        </dgm:pt>
-        <dgm:pt modelId="2">
-          <dgm:prSet phldr="1"/>
-        </dgm:pt>
-        <dgm:pt modelId="21">
-          <dgm:prSet phldr="1"/>
-        </dgm:pt>
-      </dgm:ptLst>
-      <dgm:cxnLst>
-        <dgm:cxn modelId="4" srcId="0" destId="1" srcOrd="0" destOrd="0"/>
-        <dgm:cxn modelId="5" srcId="0" destId="2" srcOrd="1" destOrd="0"/>
-        <dgm:cxn modelId="12" srcId="1" destId="11" srcOrd="0" destOrd="0"/>
-        <dgm:cxn modelId="23" srcId="2" destId="21" srcOrd="0" destOrd="0"/>
-      </dgm:cxnLst>
-      <dgm:bg/>
-      <dgm:whole/>
-    </dgm:dataModel>
-  </dgm:sampData>
-  <dgm:styleData>
-    <dgm:dataModel>
-      <dgm:ptLst>
-        <dgm:pt modelId="0" type="doc"/>
-        <dgm:pt modelId="1"/>
-        <dgm:pt modelId="2"/>
-      </dgm:ptLst>
-      <dgm:cxnLst>
-        <dgm:cxn modelId="3" srcId="0" destId="1" srcOrd="0" destOrd="0"/>
-        <dgm:cxn modelId="4" srcId="0" destId="2" srcOrd="1" destOrd="0"/>
-      </dgm:cxnLst>
-      <dgm:bg/>
-      <dgm:whole/>
-    </dgm:dataModel>
-  </dgm:styleData>
-  <dgm:clrData>
-    <dgm:dataModel>
-      <dgm:ptLst>
-        <dgm:pt modelId="0" type="doc"/>
-        <dgm:pt modelId="1"/>
-        <dgm:pt modelId="2"/>
-        <dgm:pt modelId="3"/>
-        <dgm:pt modelId="4"/>
-      </dgm:ptLst>
-      <dgm:cxnLst>
-        <dgm:cxn modelId="5" srcId="0" destId="1" srcOrd="0" destOrd="0"/>
-        <dgm:cxn modelId="6" srcId="0" destId="2" srcOrd="1" destOrd="0"/>
-        <dgm:cxn modelId="7" srcId="0" destId="3" srcOrd="2" destOrd="0"/>
-        <dgm:cxn modelId="8" srcId="0" destId="4" srcOrd="3" destOrd="0"/>
-      </dgm:cxnLst>
-      <dgm:bg/>
-      <dgm:whole/>
-    </dgm:dataModel>
-  </dgm:clrData>
-  <dgm:layoutNode name="linear">
-    <dgm:varLst>
-      <dgm:animLvl val="lvl"/>
-      <dgm:resizeHandles val="exact"/>
-    </dgm:varLst>
-    <dgm:alg type="lin">
-      <dgm:param type="linDir" val="fromT"/>
-      <dgm:param type="vertAlign" val="mid"/>
-    </dgm:alg>
-    <dgm:shape xmlns:r="http://schemas.openxmlformats.org/officeDocument/2006/relationships" r:blip="">
-      <dgm:adjLst/>
-    </dgm:shape>
-    <dgm:presOf/>
-    <dgm:constrLst>
-      <dgm:constr type="w" for="ch" forName="parentText" refType="w"/>
-      <dgm:constr type="h" for="ch" forName="parentText" refType="primFontSz" refFor="ch" refForName="parentText" fact="0.52"/>
-      <dgm:constr type="w" for="ch" forName="childText" refType="w"/>
-      <dgm:constr type="h" for="ch" forName="childText" refType="primFontSz" refFor="ch" refForName="parentText" fact="0.46"/>
-      <dgm:constr type="h" for="ch" forName="parentText" op="equ"/>
-      <dgm:constr type="primFontSz" for="ch" forName="parentText" op="equ" val="65"/>
-      <dgm:constr type="primFontSz" for="ch" forName="childText" refType="primFontSz" refFor="ch" refForName="parentText" op="equ"/>
-      <dgm:constr type="h" for="ch" forName="spacer" refType="primFontSz" refFor="ch" refForName="parentText" fact="0.08"/>
-    </dgm:constrLst>
-    <dgm:ruleLst>
-      <dgm:rule type="primFontSz" for="ch" forName="parentText" val="5" fact="NaN" max="NaN"/>
-    </dgm:ruleLst>
-    <dgm:forEach name="Name0" axis="ch" ptType="node">
-      <dgm:layoutNode name="parentText" styleLbl="node1">
-        <dgm:varLst>
-          <dgm:chMax val="0"/>
-          <dgm:bulletEnabled val="1"/>
-        </dgm:varLst>
-        <dgm:alg type="tx">
-          <dgm:param type="parTxLTRAlign" val="l"/>
-          <dgm:param type="parTxRTLAlign" val="r"/>
-        </dgm:alg>
-        <dgm:shape xmlns:r="http://schemas.openxmlformats.org/officeDocument/2006/relationships" type="roundRect" r:blip="">
-          <dgm:adjLst/>
-        </dgm:shape>
-        <dgm:presOf axis="self"/>
-        <dgm:constrLst>
-          <dgm:constr type="tMarg" refType="primFontSz" fact="0.3"/>
-          <dgm:constr type="bMarg" refType="primFontSz" fact="0.3"/>
-          <dgm:constr type="lMarg" refType="primFontSz" fact="0.3"/>
-          <dgm:constr type="rMarg" refType="primFontSz" fact="0.3"/>
-        </dgm:constrLst>
-        <dgm:ruleLst>
-          <dgm:rule type="h" val="INF" fact="NaN" max="NaN"/>
-        </dgm:ruleLst>
-      </dgm:layoutNode>
-      <dgm:choose name="Name1">
-        <dgm:if name="Name2" axis="ch" ptType="node" func="cnt" op="gte" val="1">
-          <dgm:layoutNode name="childText" styleLbl="revTx">
-            <dgm:varLst>
-              <dgm:bulletEnabled val="1"/>
-            </dgm:varLst>
-            <dgm:alg type="tx">
-              <dgm:param type="stBulletLvl" val="1"/>
-              <dgm:param type="lnSpAfChP" val="20"/>
-            </dgm:alg>
-            <dgm:shape xmlns:r="http://schemas.openxmlformats.org/officeDocument/2006/relationships" type="rect" r:blip="">
-              <dgm:adjLst/>
-            </dgm:shape>
-            <dgm:presOf axis="des" ptType="node"/>
-            <dgm:constrLst>
-              <dgm:constr type="tMarg" refType="primFontSz" fact="0.1"/>
-              <dgm:constr type="bMarg" refType="primFontSz" fact="0.1"/>
-              <dgm:constr type="lMarg" refType="w" fact="0.09"/>
-            </dgm:constrLst>
-            <dgm:ruleLst>
-              <dgm:rule type="h" val="INF" fact="NaN" max="NaN"/>
-            </dgm:ruleLst>
-          </dgm:layoutNode>
-        </dgm:if>
-        <dgm:else name="Name3">
-          <dgm:choose name="Name4">
-            <dgm:if name="Name5" axis="par ch" ptType="doc node" func="cnt" op="gte" val="2">
-              <dgm:forEach name="Name6" axis="followSib" ptType="sibTrans" cnt="1">
-                <dgm:layoutNode name="spacer">
-                  <dgm:alg type="sp"/>
-                  <dgm:shape xmlns:r="http://schemas.openxmlformats.org/officeDocument/2006/relationships" r:blip="">
-                    <dgm:adjLst/>
-                  </dgm:shape>
-                  <dgm:presOf/>
-                  <dgm:constrLst/>
-                  <dgm:ruleLst/>
-                </dgm:layoutNode>
-              </dgm:forEach>
-            </dgm:if>
-            <dgm:else name="Name7"/>
-          </dgm:choose>
-        </dgm:else>
-      </dgm:choose>
-    </dgm:forEach>
-  </dgm:layoutNode>
-</dgm:layoutDef>
-</file>
-
-<file path=ppt/diagrams/quickStyle1.xml><?xml version="1.0" encoding="utf-8"?>
-<dgm:styleDef xmlns:dgm="http://schemas.openxmlformats.org/drawingml/2006/diagram" xmlns:a="http://schemas.openxmlformats.org/drawingml/2006/main" uniqueId="urn:microsoft.com/office/officeart/2005/8/quickstyle/simple2">
-  <dgm:title val=""/>
-  <dgm:desc val=""/>
-  <dgm:catLst>
-    <dgm:cat type="simple" pri="10200"/>
-  </dgm:catLst>
-  <dgm:scene3d>
-    <a:camera prst="orthographicFront"/>
-    <a:lightRig rig="threePt" dir="t"/>
-  </dgm:scene3d>
-  <dgm:styleLbl name="node0">
-    <dgm:scene3d>
-      <a:camera prst="orthographicFront"/>
-      <a:lightRig rig="threePt" dir="t"/>
-    </dgm:scene3d>
-    <dgm:sp3d/>
-    <dgm:txPr/>
-    <dgm:style>
-      <a:lnRef idx="3">
-        <a:scrgbClr r="0" g="0" b="0"/>
-      </a:lnRef>
-      <a:fillRef idx="1">
-        <a:scrgbClr r="0" g="0" b="0"/>
-      </a:fillRef>
-      <a:effectRef idx="1">
-        <a:scrgbClr r="0" g="0" b="0"/>
-      </a:effectRef>
-      <a:fontRef idx="minor">
-        <a:schemeClr val="lt1"/>
-      </a:fontRef>
-    </dgm:style>
-  </dgm:styleLbl>
-  <dgm:styleLbl name="lnNode1">
-    <dgm:scene3d>
-      <a:camera prst="orthographicFront"/>
-      <a:lightRig rig="threePt" dir="t"/>
-    </dgm:scene3d>
-    <dgm:sp3d/>
-    <dgm:txPr/>
-    <dgm:style>
-      <a:lnRef idx="3">
-        <a:scrgbClr r="0" g="0" b="0"/>
-      </a:lnRef>
-      <a:fillRef idx="1">
-        <a:scrgbClr r="0" g="0" b="0"/>
-      </a:fillRef>
-      <a:effectRef idx="1">
-        <a:scrgbClr r="0" g="0" b="0"/>
-      </a:effectRef>
-      <a:fontRef idx="minor">
-        <a:schemeClr val="lt1"/>
-      </a:fontRef>
-    </dgm:style>
-  </dgm:styleLbl>
-  <dgm:styleLbl name="vennNode1">
-    <dgm:scene3d>
-      <a:camera prst="orthographicFront"/>
-      <a:lightRig rig="threePt" dir="t"/>
-    </dgm:scene3d>
-    <dgm:sp3d/>
-    <dgm:txPr/>
-    <dgm:style>
-      <a:lnRef idx="3">
-        <a:scrgbClr r="0" g="0" b="0"/>
-      </a:lnRef>
-      <a:fillRef idx="1">
-        <a:scrgbClr r="0" g="0" b="0"/>
-      </a:fillRef>
-      <a:effectRef idx="0">
-        <a:scrgbClr r="0" g="0" b="0"/>
-      </a:effectRef>
-      <a:fontRef idx="minor">
-        <a:schemeClr val="tx1"/>
-      </a:fontRef>
-    </dgm:style>
-  </dgm:styleLbl>
-  <dgm:styleLbl name="alignNode1">
-    <dgm:scene3d>
-      <a:camera prst="orthographicFront"/>
-      <a:lightRig rig="threePt" dir="t"/>
-    </dgm:scene3d>
-    <dgm:sp3d/>
-    <dgm:txPr/>
-    <dgm:style>
-      <a:lnRef idx="2">
-        <a:scrgbClr r="0" g="0" b="0"/>
-      </a:lnRef>
-      <a:fillRef idx="1">
-        <a:scrgbClr r="0" g="0" b="0"/>
-      </a:fillRef>
-      <a:effectRef idx="1">
-        <a:scrgbClr r="0" g="0" b="0"/>
-      </a:effectRef>
-      <a:fontRef idx="minor">
-        <a:schemeClr val="lt1"/>
-      </a:fontRef>
-    </dgm:style>
-  </dgm:styleLbl>
-  <dgm:styleLbl name="node1">
-    <dgm:scene3d>
-      <a:camera prst="orthographicFront"/>
-      <a:lightRig rig="threePt" dir="t"/>
-    </dgm:scene3d>
-    <dgm:sp3d/>
-    <dgm:txPr/>
-    <dgm:style>
-      <a:lnRef idx="3">
-        <a:scrgbClr r="0" g="0" b="0"/>
-      </a:lnRef>
-      <a:fillRef idx="1">
-        <a:scrgbClr r="0" g="0" b="0"/>
-      </a:fillRef>
-      <a:effectRef idx="1">
-        <a:scrgbClr r="0" g="0" b="0"/>
-      </a:effectRef>
-      <a:fontRef idx="minor">
-        <a:schemeClr val="lt1"/>
-      </a:fontRef>
-    </dgm:style>
-  </dgm:styleLbl>
-  <dgm:styleLbl name="node2">
-    <dgm:scene3d>
-      <a:camera prst="orthographicFront"/>
-      <a:lightRig rig="threePt" dir="t"/>
-    </dgm:scene3d>
-    <dgm:sp3d/>
-    <dgm:txPr/>
-    <dgm:style>
-      <a:lnRef idx="3">
-        <a:scrgbClr r="0" g="0" b="0"/>
-      </a:lnRef>
-      <a:fillRef idx="1">
-        <a:scrgbClr r="0" g="0" b="0"/>
-      </a:fillRef>
-      <a:effectRef idx="1">
-        <a:scrgbClr r="0" g="0" b="0"/>
-      </a:effectRef>
-      <a:fontRef idx="minor">
-        <a:schemeClr val="lt1"/>
-      </a:fontRef>
-    </dgm:style>
-  </dgm:styleLbl>
-  <dgm:styleLbl name="node3">
-    <dgm:scene3d>
-      <a:camera prst="orthographicFront"/>
-      <a:lightRig rig="threePt" dir="t"/>
-    </dgm:scene3d>
-    <dgm:sp3d/>
-    <dgm:txPr/>
-    <dgm:style>
-      <a:lnRef idx="3">
-        <a:scrgbClr r="0" g="0" b="0"/>
-      </a:lnRef>
-      <a:fillRef idx="1">
-        <a:scrgbClr r="0" g="0" b="0"/>
-      </a:fillRef>
-      <a:effectRef idx="1">
-        <a:scrgbClr r="0" g="0" b="0"/>
-      </a:effectRef>
-      <a:fontRef idx="minor">
-        <a:schemeClr val="lt1"/>
-      </a:fontRef>
-    </dgm:style>
-  </dgm:styleLbl>
-  <dgm:styleLbl name="node4">
-    <dgm:scene3d>
-      <a:camera prst="orthographicFront"/>
-      <a:lightRig rig="threePt" dir="t"/>
-    </dgm:scene3d>
-    <dgm:sp3d/>
-    <dgm:txPr/>
-    <dgm:style>
-      <a:lnRef idx="3">
-        <a:scrgbClr r="0" g="0" b="0"/>
-      </a:lnRef>
-      <a:fillRef idx="1">
-        <a:scrgbClr r="0" g="0" b="0"/>
-      </a:fillRef>
-      <a:effectRef idx="1">
-        <a:scrgbClr r="0" g="0" b="0"/>
-      </a:effectRef>
-      <a:fontRef idx="minor">
-        <a:schemeClr val="lt1"/>
-      </a:fontRef>
-    </dgm:style>
-  </dgm:styleLbl>
-  <dgm:styleLbl name="fgImgPlace1">
-    <dgm:scene3d>
-      <a:camera prst="orthographicFront"/>
-      <a:lightRig rig="threePt" dir="t"/>
-    </dgm:scene3d>
-    <dgm:sp3d/>
-    <dgm:txPr/>
-    <dgm:style>
-      <a:lnRef idx="3">
-        <a:scrgbClr r="0" g="0" b="0"/>
-      </a:lnRef>
-      <a:fillRef idx="1">
-        <a:scrgbClr r="0" g="0" b="0"/>
-      </a:fillRef>
-      <a:effectRef idx="1">
-        <a:scrgbClr r="0" g="0" b="0"/>
-      </a:effectRef>
-      <a:fontRef idx="minor"/>
-    </dgm:style>
-  </dgm:styleLbl>
-  <dgm:styleLbl name="alignImgPlace1">
-    <dgm:scene3d>
-      <a:camera prst="orthographicFront"/>
-      <a:lightRig rig="threePt" dir="t"/>
-    </dgm:scene3d>
-    <dgm:sp3d/>
-    <dgm:txPr/>
-    <dgm:style>
-      <a:lnRef idx="3">
-        <a:scrgbClr r="0" g="0" b="0"/>
-      </a:lnRef>
-      <a:fillRef idx="1">
-        <a:scrgbClr r="0" g="0" b="0"/>
-      </a:fillRef>
-      <a:effectRef idx="1">
-        <a:scrgbClr r="0" g="0" b="0"/>
-      </a:effectRef>
-      <a:fontRef idx="minor"/>
-    </dgm:style>
-  </dgm:styleLbl>
-  <dgm:styleLbl name="bgImgPlace1">
-    <dgm:scene3d>
-      <a:camera prst="orthographicFront"/>
-      <a:lightRig rig="threePt" dir="t"/>
-    </dgm:scene3d>
-    <dgm:sp3d/>
-    <dgm:txPr/>
-    <dgm:style>
-      <a:lnRef idx="3">
-        <a:scrgbClr r="0" g="0" b="0"/>
-      </a:lnRef>
-      <a:fillRef idx="1">
-        <a:scrgbClr r="0" g="0" b="0"/>
-      </a:fillRef>
-      <a:effectRef idx="1">
-        <a:scrgbClr r="0" g="0" b="0"/>
-      </a:effectRef>
-      <a:fontRef idx="minor"/>
-    </dgm:style>
-  </dgm:styleLbl>
-  <dgm:styleLbl name="sibTrans2D1">
-    <dgm:scene3d>
-      <a:camera prst="orthographicFront"/>
-      <a:lightRig rig="threePt" dir="t"/>
-    </dgm:scene3d>
-    <dgm:sp3d/>
-    <dgm:txPr/>
-    <dgm:style>
-      <a:lnRef idx="0">
-        <a:scrgbClr r="0" g="0" b="0"/>
-      </a:lnRef>
-      <a:fillRef idx="1">
-        <a:scrgbClr r="0" g="0" b="0"/>
-      </a:fillRef>
-      <a:effectRef idx="1">
-        <a:scrgbClr r="0" g="0" b="0"/>
-      </a:effectRef>
-      <a:fontRef idx="minor">
-        <a:schemeClr val="lt1"/>
-      </a:fontRef>
-    </dgm:style>
-  </dgm:styleLbl>
-  <dgm:styleLbl name="fgSibTrans2D1">
-    <dgm:scene3d>
-      <a:camera prst="orthographicFront"/>
-      <a:lightRig rig="threePt" dir="t"/>
-    </dgm:scene3d>
-    <dgm:sp3d/>
-    <dgm:txPr/>
-    <dgm:style>
-      <a:lnRef idx="0">
-        <a:scrgbClr r="0" g="0" b="0"/>
-      </a:lnRef>
-      <a:fillRef idx="1">
-        <a:scrgbClr r="0" g="0" b="0"/>
-      </a:fillRef>
-      <a:effectRef idx="1">
-        <a:scrgbClr r="0" g="0" b="0"/>
-      </a:effectRef>
-      <a:fontRef idx="minor">
-        <a:schemeClr val="lt1"/>
-      </a:fontRef>
-    </dgm:style>
-  </dgm:styleLbl>
-  <dgm:styleLbl name="bgSibTrans2D1">
-    <dgm:scene3d>
-      <a:camera prst="orthographicFront"/>
-      <a:lightRig rig="threePt" dir="t"/>
-    </dgm:scene3d>
-    <dgm:sp3d/>
-    <dgm:txPr/>
-    <dgm:style>
-      <a:lnRef idx="0">
-        <a:scrgbClr r="0" g="0" b="0"/>
-      </a:lnRef>
-      <a:fillRef idx="1">
-        <a:scrgbClr r="0" g="0" b="0"/>
-      </a:fillRef>
-      <a:effectRef idx="1">
-        <a:scrgbClr r="0" g="0" b="0"/>
-      </a:effectRef>
-      <a:fontRef idx="minor">
-        <a:schemeClr val="lt1"/>
-      </a:fontRef>
-    </dgm:style>
-  </dgm:styleLbl>
-  <dgm:styleLbl name="sibTrans1D1">
-    <dgm:scene3d>
-      <a:camera prst="orthographicFront"/>
-      <a:lightRig rig="threePt" dir="t"/>
-    </dgm:scene3d>
-    <dgm:sp3d/>
-    <dgm:txPr/>
-    <dgm:style>
-      <a:lnRef idx="1">
-        <a:scrgbClr r="0" g="0" b="0"/>
-      </a:lnRef>
-      <a:fillRef idx="0">
-        <a:scrgbClr r="0" g="0" b="0"/>
-      </a:fillRef>
-      <a:effectRef idx="0">
-        <a:scrgbClr r="0" g="0" b="0"/>
-      </a:effectRef>
-      <a:fontRef idx="minor"/>
-    </dgm:style>
-  </dgm:styleLbl>
-  <dgm:styleLbl name="callout">
-    <dgm:scene3d>
-      <a:camera prst="orthographicFront"/>
-      <a:lightRig rig="threePt" dir="t"/>
-    </dgm:scene3d>
-    <dgm:sp3d/>
-    <dgm:txPr/>
-    <dgm:style>
-      <a:lnRef idx="2">
-        <a:scrgbClr r="0" g="0" b="0"/>
-      </a:lnRef>
-      <a:fillRef idx="1">
-        <a:scrgbClr r="0" g="0" b="0"/>
-      </a:fillRef>
-      <a:effectRef idx="1">
-        <a:scrgbClr r="0" g="0" b="0"/>
-      </a:effectRef>
-      <a:fontRef idx="minor"/>
-    </dgm:style>
-  </dgm:styleLbl>
-  <dgm:styleLbl name="asst0">
-    <dgm:scene3d>
-      <a:camera prst="orthographicFront"/>
-      <a:lightRig rig="threePt" dir="t"/>
-    </dgm:scene3d>
-    <dgm:sp3d/>
-    <dgm:txPr/>
-    <dgm:style>
-      <a:lnRef idx="3">
-        <a:scrgbClr r="0" g="0" b="0"/>
-      </a:lnRef>
-      <a:fillRef idx="1">
-        <a:scrgbClr r="0" g="0" b="0"/>
-      </a:fillRef>
-      <a:effectRef idx="1">
-        <a:scrgbClr r="0" g="0" b="0"/>
-      </a:effectRef>
-      <a:fontRef idx="minor">
-        <a:schemeClr val="lt1"/>
-      </a:fontRef>
-    </dgm:style>
-  </dgm:styleLbl>
-  <dgm:styleLbl name="asst1">
-    <dgm:scene3d>
-      <a:camera prst="orthographicFront"/>
-      <a:lightRig rig="threePt" dir="t"/>
-    </dgm:scene3d>
-    <dgm:sp3d/>
-    <dgm:txPr/>
-    <dgm:style>
-      <a:lnRef idx="3">
-        <a:scrgbClr r="0" g="0" b="0"/>
-      </a:lnRef>
-      <a:fillRef idx="1">
-        <a:scrgbClr r="0" g="0" b="0"/>
-      </a:fillRef>
-      <a:effectRef idx="1">
-        <a:scrgbClr r="0" g="0" b="0"/>
-      </a:effectRef>
-      <a:fontRef idx="minor">
-        <a:schemeClr val="lt1"/>
-      </a:fontRef>
-    </dgm:style>
-  </dgm:styleLbl>
-  <dgm:styleLbl name="asst2">
-    <dgm:scene3d>
-      <a:camera prst="orthographicFront"/>
-      <a:lightRig rig="threePt" dir="t"/>
-    </dgm:scene3d>
-    <dgm:sp3d/>
-    <dgm:txPr/>
-    <dgm:style>
-      <a:lnRef idx="3">
-        <a:scrgbClr r="0" g="0" b="0"/>
-      </a:lnRef>
-      <a:fillRef idx="1">
-        <a:scrgbClr r="0" g="0" b="0"/>
-      </a:fillRef>
-      <a:effectRef idx="1">
-        <a:scrgbClr r="0" g="0" b="0"/>
-      </a:effectRef>
-      <a:fontRef idx="minor">
-        <a:schemeClr val="lt1"/>
-      </a:fontRef>
-    </dgm:style>
-  </dgm:styleLbl>
-  <dgm:styleLbl name="asst3">
-    <dgm:scene3d>
-      <a:camera prst="orthographicFront"/>
-      <a:lightRig rig="threePt" dir="t"/>
-    </dgm:scene3d>
-    <dgm:sp3d/>
-    <dgm:txPr/>
-    <dgm:style>
-      <a:lnRef idx="3">
-        <a:scrgbClr r="0" g="0" b="0"/>
-      </a:lnRef>
-      <a:fillRef idx="1">
-        <a:scrgbClr r="0" g="0" b="0"/>
-      </a:fillRef>
-      <a:effectRef idx="1">
-        <a:scrgbClr r="0" g="0" b="0"/>
-      </a:effectRef>
-      <a:fontRef idx="minor">
-        <a:schemeClr val="lt1"/>
-      </a:fontRef>
-    </dgm:style>
-  </dgm:styleLbl>
-  <dgm:styleLbl name="asst4">
-    <dgm:scene3d>
-      <a:camera prst="orthographicFront"/>
-      <a:lightRig rig="threePt" dir="t"/>
-    </dgm:scene3d>
-    <dgm:sp3d/>
-    <dgm:txPr/>
-    <dgm:style>
-      <a:lnRef idx="3">
-        <a:scrgbClr r="0" g="0" b="0"/>
-      </a:lnRef>
-      <a:fillRef idx="1">
-        <a:scrgbClr r="0" g="0" b="0"/>
-      </a:fillRef>
-      <a:effectRef idx="1">
-        <a:scrgbClr r="0" g="0" b="0"/>
-      </a:effectRef>
-      <a:fontRef idx="minor">
-        <a:schemeClr val="lt1"/>
-      </a:fontRef>
-    </dgm:style>
-  </dgm:styleLbl>
-  <dgm:styleLbl name="parChTrans2D1">
-    <dgm:scene3d>
-      <a:camera prst="orthographicFront"/>
-      <a:lightRig rig="threePt" dir="t"/>
-    </dgm:scene3d>
-    <dgm:sp3d/>
-    <dgm:txPr/>
-    <dgm:style>
-      <a:lnRef idx="3">
-        <a:scrgbClr r="0" g="0" b="0"/>
-      </a:lnRef>
-      <a:fillRef idx="1">
-        <a:scrgbClr r="0" g="0" b="0"/>
-      </a:fillRef>
-      <a:effectRef idx="1">
-        <a:scrgbClr r="0" g="0" b="0"/>
-      </a:effectRef>
-      <a:fontRef idx="minor">
-        <a:schemeClr val="lt1"/>
-      </a:fontRef>
-    </dgm:style>
-  </dgm:styleLbl>
-  <dgm:styleLbl name="parChTrans2D2">
-    <dgm:scene3d>
-      <a:camera prst="orthographicFront"/>
-      <a:lightRig rig="threePt" dir="t"/>
-    </dgm:scene3d>
-    <dgm:sp3d/>
-    <dgm:txPr/>
-    <dgm:style>
-      <a:lnRef idx="3">
-        <a:scrgbClr r="0" g="0" b="0"/>
-      </a:lnRef>
-      <a:fillRef idx="1">
-        <a:scrgbClr r="0" g="0" b="0"/>
-      </a:fillRef>
-      <a:effectRef idx="1">
-        <a:scrgbClr r="0" g="0" b="0"/>
-      </a:effectRef>
-      <a:fontRef idx="minor">
-        <a:schemeClr val="lt1"/>
-      </a:fontRef>
-    </dgm:style>
-  </dgm:styleLbl>
-  <dgm:styleLbl name="parChTrans2D3">
-    <dgm:scene3d>
-      <a:camera prst="orthographicFront"/>
-      <a:lightRig rig="threePt" dir="t"/>
-    </dgm:scene3d>
-    <dgm:sp3d/>
-    <dgm:txPr/>
-    <dgm:style>
-      <a:lnRef idx="3">
-        <a:scrgbClr r="0" g="0" b="0"/>
-      </a:lnRef>
-      <a:fillRef idx="1">
-        <a:scrgbClr r="0" g="0" b="0"/>
-      </a:fillRef>
-      <a:effectRef idx="1">
-        <a:scrgbClr r="0" g="0" b="0"/>
-      </a:effectRef>
-      <a:fontRef idx="minor">
-        <a:schemeClr val="lt1"/>
-      </a:fontRef>
-    </dgm:style>
-  </dgm:styleLbl>
-  <dgm:styleLbl name="parChTrans2D4">
-    <dgm:scene3d>
-      <a:camera prst="orthographicFront"/>
-      <a:lightRig rig="threePt" dir="t"/>
-    </dgm:scene3d>
-    <dgm:sp3d/>
-    <dgm:txPr/>
-    <dgm:style>
-      <a:lnRef idx="3">
-        <a:scrgbClr r="0" g="0" b="0"/>
-      </a:lnRef>
-      <a:fillRef idx="1">
-        <a:scrgbClr r="0" g="0" b="0"/>
-      </a:fillRef>
-      <a:effectRef idx="1">
-        <a:scrgbClr r="0" g="0" b="0"/>
-      </a:effectRef>
-      <a:fontRef idx="minor">
-        <a:schemeClr val="lt1"/>
-      </a:fontRef>
-    </dgm:style>
-  </dgm:styleLbl>
-  <dgm:styleLbl name="parChTrans1D1">
-    <dgm:scene3d>
-      <a:camera prst="orthographicFront"/>
-      <a:lightRig rig="threePt" dir="t"/>
-    </dgm:scene3d>
-    <dgm:sp3d/>
-    <dgm:txPr/>
-    <dgm:style>
-      <a:lnRef idx="2">
-        <a:scrgbClr r="0" g="0" b="0"/>
-      </a:lnRef>
-      <a:fillRef idx="0">
-        <a:scrgbClr r="0" g="0" b="0"/>
-      </a:fillRef>
-      <a:effectRef idx="0">
-        <a:scrgbClr r="0" g="0" b="0"/>
-      </a:effectRef>
-      <a:fontRef idx="minor"/>
-    </dgm:style>
-  </dgm:styleLbl>
-  <dgm:styleLbl name="parChTrans1D2">
-    <dgm:scene3d>
-      <a:camera prst="orthographicFront"/>
-      <a:lightRig rig="threePt" dir="t"/>
-    </dgm:scene3d>
-    <dgm:sp3d/>
-    <dgm:txPr/>
-    <dgm:style>
-      <a:lnRef idx="2">
-        <a:scrgbClr r="0" g="0" b="0"/>
-      </a:lnRef>
-      <a:fillRef idx="0">
-        <a:scrgbClr r="0" g="0" b="0"/>
-      </a:fillRef>
-      <a:effectRef idx="0">
-        <a:scrgbClr r="0" g="0" b="0"/>
-      </a:effectRef>
-      <a:fontRef idx="minor"/>
-    </dgm:style>
-  </dgm:styleLbl>
-  <dgm:styleLbl name="parChTrans1D3">
-    <dgm:scene3d>
-      <a:camera prst="orthographicFront"/>
-      <a:lightRig rig="threePt" dir="t"/>
-    </dgm:scene3d>
-    <dgm:sp3d/>
-    <dgm:txPr/>
-    <dgm:style>
-      <a:lnRef idx="2">
-        <a:scrgbClr r="0" g="0" b="0"/>
-      </a:lnRef>
-      <a:fillRef idx="0">
-        <a:scrgbClr r="0" g="0" b="0"/>
-      </a:fillRef>
-      <a:effectRef idx="0">
-        <a:scrgbClr r="0" g="0" b="0"/>
-      </a:effectRef>
-      <a:fontRef idx="minor"/>
-    </dgm:style>
-  </dgm:styleLbl>
-  <dgm:styleLbl name="parChTrans1D4">
-    <dgm:scene3d>
-      <a:camera prst="orthographicFront"/>
-      <a:lightRig rig="threePt" dir="t"/>
-    </dgm:scene3d>
-    <dgm:sp3d/>
-    <dgm:txPr/>
-    <dgm:style>
-      <a:lnRef idx="2">
-        <a:scrgbClr r="0" g="0" b="0"/>
-      </a:lnRef>
-      <a:fillRef idx="0">
-        <a:scrgbClr r="0" g="0" b="0"/>
-      </a:fillRef>
-      <a:effectRef idx="0">
-        <a:scrgbClr r="0" g="0" b="0"/>
-      </a:effectRef>
-      <a:fontRef idx="minor"/>
-    </dgm:style>
-  </dgm:styleLbl>
-  <dgm:styleLbl name="fgAcc1">
-    <dgm:scene3d>
-      <a:camera prst="orthographicFront"/>
-      <a:lightRig rig="threePt" dir="t"/>
-    </dgm:scene3d>
-    <dgm:sp3d/>
-    <dgm:txPr/>
-    <dgm:style>
-      <a:lnRef idx="2">
-        <a:scrgbClr r="0" g="0" b="0"/>
-      </a:lnRef>
-      <a:fillRef idx="1">
-        <a:scrgbClr r="0" g="0" b="0"/>
-      </a:fillRef>
-      <a:effectRef idx="0">
-        <a:scrgbClr r="0" g="0" b="0"/>
-      </a:effectRef>
-      <a:fontRef idx="minor"/>
-    </dgm:style>
-  </dgm:styleLbl>
-  <dgm:styleLbl name="conFgAcc1">
-    <dgm:scene3d>
-      <a:camera prst="orthographicFront"/>
-      <a:lightRig rig="threePt" dir="t"/>
-    </dgm:scene3d>
-    <dgm:sp3d/>
-    <dgm:txPr/>
-    <dgm:style>
-      <a:lnRef idx="2">
-        <a:scrgbClr r="0" g="0" b="0"/>
-      </a:lnRef>
-      <a:fillRef idx="1">
-        <a:scrgbClr r="0" g="0" b="0"/>
-      </a:fillRef>
-      <a:effectRef idx="0">
-        <a:scrgbClr r="0" g="0" b="0"/>
-      </a:effectRef>
-      <a:fontRef idx="minor"/>
-    </dgm:style>
-  </dgm:styleLbl>
-  <dgm:styleLbl name="alignAcc1">
-    <dgm:scene3d>
-      <a:camera prst="orthographicFront"/>
-      <a:lightRig rig="threePt" dir="t"/>
-    </dgm:scene3d>
-    <dgm:sp3d/>
-    <dgm:txPr/>
-    <dgm:style>
-      <a:lnRef idx="2">
-        <a:scrgbClr r="0" g="0" b="0"/>
-      </a:lnRef>
-      <a:fillRef idx="1">
-        <a:scrgbClr r="0" g="0" b="0"/>
-      </a:fillRef>
-      <a:effectRef idx="0">
-        <a:scrgbClr r="0" g="0" b="0"/>
-      </a:effectRef>
-      <a:fontRef idx="minor"/>
-    </dgm:style>
-  </dgm:styleLbl>
-  <dgm:styleLbl name="trAlignAcc1">
-    <dgm:scene3d>
-      <a:camera prst="orthographicFront"/>
-      <a:lightRig rig="threePt" dir="t"/>
-    </dgm:scene3d>
-    <dgm:sp3d/>
-    <dgm:txPr/>
-    <dgm:style>
-      <a:lnRef idx="1">
-        <a:scrgbClr r="0" g="0" b="0"/>
-      </a:lnRef>
-      <a:fillRef idx="1">
-        <a:scrgbClr r="0" g="0" b="0"/>
-      </a:fillRef>
-      <a:effectRef idx="0">
-        <a:scrgbClr r="0" g="0" b="0"/>
-      </a:effectRef>
-      <a:fontRef idx="minor"/>
-    </dgm:style>
-  </dgm:styleLbl>
-  <dgm:styleLbl name="bgAcc1">
-    <dgm:scene3d>
-      <a:camera prst="orthographicFront"/>
-      <a:lightRig rig="threePt" dir="t"/>
-    </dgm:scene3d>
-    <dgm:sp3d/>
-    <dgm:txPr/>
-    <dgm:style>
-      <a:lnRef idx="2">
-        <a:scrgbClr r="0" g="0" b="0"/>
-      </a:lnRef>
-      <a:fillRef idx="1">
-        <a:scrgbClr r="0" g="0" b="0"/>
-      </a:fillRef>
-      <a:effectRef idx="0">
-        <a:scrgbClr r="0" g="0" b="0"/>
-      </a:effectRef>
-      <a:fontRef idx="minor"/>
-    </dgm:style>
-  </dgm:styleLbl>
-  <dgm:styleLbl name="solidFgAcc1">
-    <dgm:scene3d>
-      <a:camera prst="orthographicFront"/>
-      <a:lightRig rig="threePt" dir="t"/>
-    </dgm:scene3d>
-    <dgm:sp3d/>
-    <dgm:txPr/>
-    <dgm:style>
-      <a:lnRef idx="2">
-        <a:scrgbClr r="0" g="0" b="0"/>
-      </a:lnRef>
-      <a:fillRef idx="1">
-        <a:scrgbClr r="0" g="0" b="0"/>
-      </a:fillRef>
-      <a:effectRef idx="0">
-        <a:scrgbClr r="0" g="0" b="0"/>
-      </a:effectRef>
-      <a:fontRef idx="minor"/>
-    </dgm:style>
-  </dgm:styleLbl>
-  <dgm:styleLbl name="solidAlignAcc1">
-    <dgm:scene3d>
-      <a:camera prst="orthographicFront"/>
-      <a:lightRig rig="threePt" dir="t"/>
-    </dgm:scene3d>
-    <dgm:sp3d/>
-    <dgm:txPr/>
-    <dgm:style>
-      <a:lnRef idx="2">
-        <a:scrgbClr r="0" g="0" b="0"/>
-      </a:lnRef>
-      <a:fillRef idx="1">
-        <a:scrgbClr r="0" g="0" b="0"/>
-      </a:fillRef>
-      <a:effectRef idx="0">
-        <a:scrgbClr r="0" g="0" b="0"/>
-      </a:effectRef>
-      <a:fontRef idx="minor"/>
-    </dgm:style>
-  </dgm:styleLbl>
-  <dgm:styleLbl name="solidBgAcc1">
-    <dgm:scene3d>
-      <a:camera prst="orthographicFront"/>
-      <a:lightRig rig="threePt" dir="t"/>
-    </dgm:scene3d>
-    <dgm:sp3d/>
-    <dgm:txPr/>
-    <dgm:style>
-      <a:lnRef idx="2">
-        <a:scrgbClr r="0" g="0" b="0"/>
-      </a:lnRef>
-      <a:fillRef idx="1">
-        <a:scrgbClr r="0" g="0" b="0"/>
-      </a:fillRef>
-      <a:effectRef idx="0">
-        <a:scrgbClr r="0" g="0" b="0"/>
-      </a:effectRef>
-      <a:fontRef idx="minor"/>
-    </dgm:style>
-  </dgm:styleLbl>
-  <dgm:styleLbl name="fgAccFollowNode1">
-    <dgm:scene3d>
-      <a:camera prst="orthographicFront"/>
-      <a:lightRig rig="threePt" dir="t"/>
-    </dgm:scene3d>
-    <dgm:sp3d/>
-    <dgm:txPr/>
-    <dgm:style>
-      <a:lnRef idx="2">
-        <a:scrgbClr r="0" g="0" b="0"/>
-      </a:lnRef>
-      <a:fillRef idx="1">
-        <a:scrgbClr r="0" g="0" b="0"/>
-      </a:fillRef>
-      <a:effectRef idx="0">
-        <a:scrgbClr r="0" g="0" b="0"/>
-      </a:effectRef>
-      <a:fontRef idx="minor"/>
-    </dgm:style>
-  </dgm:styleLbl>
-  <dgm:styleLbl name="alignAccFollowNode1">
-    <dgm:scene3d>
-      <a:camera prst="orthographicFront"/>
-      <a:lightRig rig="threePt" dir="t"/>
-    </dgm:scene3d>
-    <dgm:sp3d/>
-    <dgm:txPr/>
-    <dgm:style>
-      <a:lnRef idx="2">
-        <a:scrgbClr r="0" g="0" b="0"/>
-      </a:lnRef>
-      <a:fillRef idx="1">
-        <a:scrgbClr r="0" g="0" b="0"/>
-      </a:fillRef>
-      <a:effectRef idx="0">
-        <a:scrgbClr r="0" g="0" b="0"/>
-      </a:effectRef>
-      <a:fontRef idx="minor"/>
-    </dgm:style>
-  </dgm:styleLbl>
-  <dgm:styleLbl name="bgAccFollowNode1">
-    <dgm:scene3d>
-      <a:camera prst="orthographicFront"/>
-      <a:lightRig rig="threePt" dir="t"/>
-    </dgm:scene3d>
-    <dgm:sp3d/>
-    <dgm:txPr/>
-    <dgm:style>
-      <a:lnRef idx="2">
-        <a:scrgbClr r="0" g="0" b="0"/>
-      </a:lnRef>
-      <a:fillRef idx="1">
-        <a:scrgbClr r="0" g="0" b="0"/>
-      </a:fillRef>
-      <a:effectRef idx="0">
-        <a:scrgbClr r="0" g="0" b="0"/>
-      </a:effectRef>
-      <a:fontRef idx="minor"/>
-    </dgm:style>
-  </dgm:styleLbl>
-  <dgm:styleLbl name="fgAcc0">
-    <dgm:scene3d>
-      <a:camera prst="orthographicFront"/>
-      <a:lightRig rig="threePt" dir="t"/>
-    </dgm:scene3d>
-    <dgm:sp3d/>
-    <dgm:txPr/>
-    <dgm:style>
-      <a:lnRef idx="2">
-        <a:scrgbClr r="0" g="0" b="0"/>
-      </a:lnRef>
-      <a:fillRef idx="1">
-        <a:scrgbClr r="0" g="0" b="0"/>
-      </a:fillRef>
-      <a:effectRef idx="0">
-        <a:scrgbClr r="0" g="0" b="0"/>
-      </a:effectRef>
-      <a:fontRef idx="minor"/>
-    </dgm:style>
-  </dgm:styleLbl>
-  <dgm:styleLbl name="fgAcc2">
-    <dgm:scene3d>
-      <a:camera prst="orthographicFront"/>
-      <a:lightRig rig="threePt" dir="t"/>
-    </dgm:scene3d>
-    <dgm:sp3d/>
-    <dgm:txPr/>
-    <dgm:style>
-      <a:lnRef idx="2">
-        <a:scrgbClr r="0" g="0" b="0"/>
-      </a:lnRef>
-      <a:fillRef idx="1">
-        <a:scrgbClr r="0" g="0" b="0"/>
-      </a:fillRef>
-      <a:effectRef idx="0">
-        <a:scrgbClr r="0" g="0" b="0"/>
-      </a:effectRef>
-      <a:fontRef idx="minor"/>
-    </dgm:style>
-  </dgm:styleLbl>
-  <dgm:styleLbl name="fgAcc3">
-    <dgm:scene3d>
-      <a:camera prst="orthographicFront"/>
-      <a:lightRig rig="threePt" dir="t"/>
-    </dgm:scene3d>
-    <dgm:sp3d/>
-    <dgm:txPr/>
-    <dgm:style>
-      <a:lnRef idx="2">
-        <a:scrgbClr r="0" g="0" b="0"/>
-      </a:lnRef>
-      <a:fillRef idx="1">
-        <a:scrgbClr r="0" g="0" b="0"/>
-      </a:fillRef>
-      <a:effectRef idx="0">
-        <a:scrgbClr r="0" g="0" b="0"/>
-      </a:effectRef>
-      <a:fontRef idx="minor"/>
-    </dgm:style>
-  </dgm:styleLbl>
-  <dgm:styleLbl name="fgAcc4">
-    <dgm:scene3d>
-      <a:camera prst="orthographicFront"/>
-      <a:lightRig rig="threePt" dir="t"/>
-    </dgm:scene3d>
-    <dgm:sp3d/>
-    <dgm:txPr/>
-    <dgm:style>
-      <a:lnRef idx="2">
-        <a:scrgbClr r="0" g="0" b="0"/>
-      </a:lnRef>
-      <a:fillRef idx="1">
-        <a:scrgbClr r="0" g="0" b="0"/>
-      </a:fillRef>
-      <a:effectRef idx="0">
-        <a:scrgbClr r="0" g="0" b="0"/>
-      </a:effectRef>
-      <a:fontRef idx="minor"/>
-    </dgm:style>
-  </dgm:styleLbl>
-  <dgm:styleLbl name="bgShp">
-    <dgm:scene3d>
-      <a:camera prst="orthographicFront"/>
-      <a:lightRig rig="threePt" dir="t"/>
-    </dgm:scene3d>
-    <dgm:sp3d/>
-    <dgm:txPr/>
-    <dgm:style>
-      <a:lnRef idx="0">
-        <a:scrgbClr r="0" g="0" b="0"/>
-      </a:lnRef>
-      <a:fillRef idx="1">
-        <a:scrgbClr r="0" g="0" b="0"/>
-      </a:fillRef>
-      <a:effectRef idx="0">
-        <a:scrgbClr r="0" g="0" b="0"/>
-      </a:effectRef>
-      <a:fontRef idx="minor"/>
-    </dgm:style>
-  </dgm:styleLbl>
-  <dgm:styleLbl name="dkBgShp">
-    <dgm:scene3d>
-      <a:camera prst="orthographicFront"/>
-      <a:lightRig rig="threePt" dir="t"/>
-    </dgm:scene3d>
-    <dgm:sp3d/>
-    <dgm:txPr/>
-    <dgm:style>
-      <a:lnRef idx="0">
-        <a:scrgbClr r="0" g="0" b="0"/>
-      </a:lnRef>
-      <a:fillRef idx="1">
-        <a:scrgbClr r="0" g="0" b="0"/>
-      </a:fillRef>
-      <a:effectRef idx="0">
-        <a:scrgbClr r="0" g="0" b="0"/>
-      </a:effectRef>
-      <a:fontRef idx="minor"/>
-    </dgm:style>
-  </dgm:styleLbl>
-  <dgm:styleLbl name="trBgShp">
-    <dgm:scene3d>
-      <a:camera prst="orthographicFront"/>
-      <a:lightRig rig="threePt" dir="t"/>
-    </dgm:scene3d>
-    <dgm:sp3d/>
-    <dgm:txPr/>
-    <dgm:style>
-      <a:lnRef idx="0">
-        <a:scrgbClr r="0" g="0" b="0"/>
-      </a:lnRef>
-      <a:fillRef idx="1">
-        <a:scrgbClr r="0" g="0" b="0"/>
-      </a:fillRef>
-      <a:effectRef idx="0">
-        <a:scrgbClr r="0" g="0" b="0"/>
-      </a:effectRef>
-      <a:fontRef idx="minor"/>
-    </dgm:style>
-  </dgm:styleLbl>
-  <dgm:styleLbl name="fgShp">
-    <dgm:scene3d>
-      <a:camera prst="orthographicFront"/>
-      <a:lightRig rig="threePt" dir="t"/>
-    </dgm:scene3d>
-    <dgm:sp3d/>
-    <dgm:txPr/>
-    <dgm:style>
-      <a:lnRef idx="3">
-        <a:scrgbClr r="0" g="0" b="0"/>
-      </a:lnRef>
-      <a:fillRef idx="1">
-        <a:scrgbClr r="0" g="0" b="0"/>
-      </a:fillRef>
-      <a:effectRef idx="1">
-        <a:scrgbClr r="0" g="0" b="0"/>
-      </a:effectRef>
-      <a:fontRef idx="minor"/>
-    </dgm:style>
-  </dgm:styleLbl>
-  <dgm:styleLbl name="revTx">
-    <dgm:scene3d>
-      <a:camera prst="orthographicFront"/>
-      <a:lightRig rig="threePt" dir="t"/>
-    </dgm:scene3d>
-    <dgm:sp3d/>
-    <dgm:txPr/>
-    <dgm:style>
-      <a:lnRef idx="0">
-        <a:scrgbClr r="0" g="0" b="0"/>
-      </a:lnRef>
-      <a:fillRef idx="0">
-        <a:scrgbClr r="0" g="0" b="0"/>
-      </a:fillRef>
-      <a:effectRef idx="0">
-        <a:scrgbClr r="0" g="0" b="0"/>
-      </a:effectRef>
-      <a:fontRef idx="minor"/>
-    </dgm:style>
-  </dgm:styleLbl>
-</dgm:styleDef>
 </file>
 
 <file path=ppt/slideLayouts/slideLayout1.xml><?xml version="1.0" encoding="utf-8"?>
@@ -2599,7 +819,7 @@
           <a:p>
             <a:fld id="{D1D1EADE-8E88-4C7C-8AC5-FB148DE4940E}" type="datetime1">
               <a:rPr lang="en-US" smtClean="0"/>
-              <a:t>4/30/2025</a:t>
+              <a:t>5/7/2025</a:t>
             </a:fld>
             <a:endParaRPr lang="en-US"/>
           </a:p>
@@ -2799,7 +1019,7 @@
           <a:p>
             <a:fld id="{EC3C8B9C-477D-492A-96AD-1FC2CC997A73}" type="datetime1">
               <a:rPr lang="en-US" smtClean="0"/>
-              <a:t>4/30/2025</a:t>
+              <a:t>5/7/2025</a:t>
             </a:fld>
             <a:endParaRPr lang="en-US"/>
           </a:p>
@@ -3009,7 +1229,7 @@
           <a:p>
             <a:fld id="{42D3AED5-E26D-4E29-B1B3-7847B6779594}" type="datetime1">
               <a:rPr lang="en-US" smtClean="0"/>
-              <a:t>4/30/2025</a:t>
+              <a:t>5/7/2025</a:t>
             </a:fld>
             <a:endParaRPr lang="en-US"/>
           </a:p>
@@ -3209,7 +1429,7 @@
           <a:p>
             <a:fld id="{157B6794-849E-4626-908B-D15793550EFB}" type="datetime1">
               <a:rPr lang="en-US" smtClean="0"/>
-              <a:t>4/30/2025</a:t>
+              <a:t>5/7/2025</a:t>
             </a:fld>
             <a:endParaRPr lang="en-US"/>
           </a:p>
@@ -3485,7 +1705,7 @@
           <a:p>
             <a:fld id="{63DB64E7-5594-42A3-ADBF-E95A7ACEAD64}" type="datetime1">
               <a:rPr lang="en-US" smtClean="0"/>
-              <a:t>4/30/2025</a:t>
+              <a:t>5/7/2025</a:t>
             </a:fld>
             <a:endParaRPr lang="en-US"/>
           </a:p>
@@ -3758,7 +1978,7 @@
           <a:p>
             <a:fld id="{18462B0B-D248-4FFB-8695-AD7FA4B1284A}" type="datetime1">
               <a:rPr lang="en-US" smtClean="0"/>
-              <a:t>4/30/2025</a:t>
+              <a:t>5/7/2025</a:t>
             </a:fld>
             <a:endParaRPr lang="en-US"/>
           </a:p>
@@ -4181,7 +2401,7 @@
           <a:p>
             <a:fld id="{D0378EFB-9159-4510-B73F-4F0409ADE937}" type="datetime1">
               <a:rPr lang="en-US" smtClean="0"/>
-              <a:t>4/30/2025</a:t>
+              <a:t>5/7/2025</a:t>
             </a:fld>
             <a:endParaRPr lang="en-US"/>
           </a:p>
@@ -4323,7 +2543,7 @@
           <a:p>
             <a:fld id="{89BC9412-2452-4BED-A324-9D8C115361AD}" type="datetime1">
               <a:rPr lang="en-US" smtClean="0"/>
-              <a:t>4/30/2025</a:t>
+              <a:t>5/7/2025</a:t>
             </a:fld>
             <a:endParaRPr lang="en-US"/>
           </a:p>
@@ -4436,7 +2656,7 @@
           <a:p>
             <a:fld id="{F5318F62-D251-40E8-A23C-F4CFE9FEAB41}" type="datetime1">
               <a:rPr lang="en-US" smtClean="0"/>
-              <a:t>4/30/2025</a:t>
+              <a:t>5/7/2025</a:t>
             </a:fld>
             <a:endParaRPr lang="en-US"/>
           </a:p>
@@ -4749,7 +2969,7 @@
           <a:p>
             <a:fld id="{44F76144-149E-4874-93A5-554A0357CF82}" type="datetime1">
               <a:rPr lang="en-US" smtClean="0"/>
-              <a:t>4/30/2025</a:t>
+              <a:t>5/7/2025</a:t>
             </a:fld>
             <a:endParaRPr lang="en-US"/>
           </a:p>
@@ -5042,7 +3262,7 @@
           <a:p>
             <a:fld id="{50BA65D8-0540-4835-AE5C-25D29DBA01BE}" type="datetime1">
               <a:rPr lang="en-US" smtClean="0"/>
-              <a:t>4/30/2025</a:t>
+              <a:t>5/7/2025</a:t>
             </a:fld>
             <a:endParaRPr lang="en-US"/>
           </a:p>
@@ -5284,7 +3504,7 @@
           <a:p>
             <a:fld id="{E31BA835-12AC-4E8F-955A-EA3F4DE2791F}" type="datetime1">
               <a:rPr lang="en-US" smtClean="0"/>
-              <a:t>4/30/2025</a:t>
+              <a:t>5/7/2025</a:t>
             </a:fld>
             <a:endParaRPr lang="en-US"/>
           </a:p>
@@ -5890,7 +4110,7 @@
         </p:blipFill>
         <p:spPr>
           <a:xfrm>
-            <a:off x="1" y="10"/>
+            <a:off x="10049" y="20106"/>
             <a:ext cx="12192000" cy="6857989"/>
           </a:xfrm>
           <a:prstGeom prst="rect">
@@ -6018,7 +4238,7 @@
           <a:p>
             <a:pPr algn="r"/>
             <a:r>
-              <a:rPr lang="de-AT">
+              <a:rPr lang="de-AT" dirty="0">
                 <a:solidFill>
                   <a:srgbClr val="FFFFFF"/>
                 </a:solidFill>
@@ -6057,12 +4277,12 @@
           <a:lstStyle/>
           <a:p>
             <a:r>
-              <a:rPr lang="de-AT">
+              <a:rPr lang="de-AT" dirty="0">
                 <a:solidFill>
                   <a:srgbClr val="FFFFFF"/>
                 </a:solidFill>
               </a:rPr>
-              <a:t>Von Moritz Gruber, Jonas glaser-heiß und Franz barbist</a:t>
+              <a:t>Von Moritz Gruber, Jonas Glaser-Heiß und Franz Barbist</a:t>
             </a:r>
           </a:p>
         </p:txBody>
@@ -6126,6 +4346,41 @@
           </a:fontRef>
         </p:style>
       </p:cxnSp>
+      <p:sp>
+        <p:nvSpPr>
+          <p:cNvPr id="4" name="TextBox 3">
+            <a:extLst>
+              <a:ext uri="{FF2B5EF4-FFF2-40B4-BE49-F238E27FC236}">
+                <a16:creationId xmlns:a16="http://schemas.microsoft.com/office/drawing/2014/main" id="{5AB54769-5837-1AA0-97FD-0F7202E5F934}"/>
+              </a:ext>
+            </a:extLst>
+          </p:cNvPr>
+          <p:cNvSpPr txBox="1"/>
+          <p:nvPr/>
+        </p:nvSpPr>
+        <p:spPr>
+          <a:xfrm>
+            <a:off x="5265260" y="6274159"/>
+            <a:ext cx="6946838" cy="461665"/>
+          </a:xfrm>
+          <a:prstGeom prst="rect">
+            <a:avLst/>
+          </a:prstGeom>
+          <a:noFill/>
+        </p:spPr>
+        <p:txBody>
+          <a:bodyPr wrap="none" rtlCol="0">
+            <a:spAutoFit/>
+          </a:bodyPr>
+          <a:lstStyle/>
+          <a:p>
+            <a:r>
+              <a:rPr lang="de-AT" sz="2400" dirty="0"/>
+              <a:t>https://github.com/YTFirestormHD/PythonChess</a:t>
+            </a:r>
+          </a:p>
+        </p:txBody>
+      </p:sp>
     </p:spTree>
     <p:extLst>
       <p:ext uri="{BB962C8B-B14F-4D97-AF65-F5344CB8AC3E}">
@@ -6278,6 +4533,489 @@
 </p:sld>
 </file>
 
+<file path=ppt/slides/slide10.xml><?xml version="1.0" encoding="utf-8"?>
+<p:sld xmlns:a="http://schemas.openxmlformats.org/drawingml/2006/main" xmlns:r="http://schemas.openxmlformats.org/officeDocument/2006/relationships" xmlns:p="http://schemas.openxmlformats.org/presentationml/2006/main">
+  <p:cSld>
+    <p:spTree>
+      <p:nvGrpSpPr>
+        <p:cNvPr id="1" name=""/>
+        <p:cNvGrpSpPr/>
+        <p:nvPr/>
+      </p:nvGrpSpPr>
+      <p:grpSpPr>
+        <a:xfrm>
+          <a:off x="0" y="0"/>
+          <a:ext cx="0" cy="0"/>
+          <a:chOff x="0" y="0"/>
+          <a:chExt cx="0" cy="0"/>
+        </a:xfrm>
+      </p:grpSpPr>
+      <p:sp>
+        <p:nvSpPr>
+          <p:cNvPr id="2" name="Title 1">
+            <a:extLst>
+              <a:ext uri="{FF2B5EF4-FFF2-40B4-BE49-F238E27FC236}">
+                <a16:creationId xmlns:a16="http://schemas.microsoft.com/office/drawing/2014/main" id="{8BD6732A-2317-0AE5-9150-FBF28BE57F84}"/>
+              </a:ext>
+            </a:extLst>
+          </p:cNvPr>
+          <p:cNvSpPr>
+            <a:spLocks noGrp="1"/>
+          </p:cNvSpPr>
+          <p:nvPr>
+            <p:ph type="title"/>
+          </p:nvPr>
+        </p:nvSpPr>
+        <p:spPr/>
+        <p:txBody>
+          <a:bodyPr/>
+          <a:lstStyle/>
+          <a:p>
+            <a:r>
+              <a:rPr lang="de-AT" dirty="0" err="1"/>
+              <a:t>Stockfish</a:t>
+            </a:r>
+            <a:endParaRPr lang="de-AT" dirty="0"/>
+          </a:p>
+        </p:txBody>
+      </p:sp>
+      <p:sp>
+        <p:nvSpPr>
+          <p:cNvPr id="3" name="Content Placeholder 2">
+            <a:extLst>
+              <a:ext uri="{FF2B5EF4-FFF2-40B4-BE49-F238E27FC236}">
+                <a16:creationId xmlns:a16="http://schemas.microsoft.com/office/drawing/2014/main" id="{CEBDA9A3-055E-657E-C798-1E6CFF094E13}"/>
+              </a:ext>
+            </a:extLst>
+          </p:cNvPr>
+          <p:cNvSpPr>
+            <a:spLocks noGrp="1"/>
+          </p:cNvSpPr>
+          <p:nvPr>
+            <p:ph idx="1"/>
+          </p:nvPr>
+        </p:nvSpPr>
+        <p:spPr/>
+        <p:txBody>
+          <a:bodyPr/>
+          <a:lstStyle/>
+          <a:p>
+            <a:r>
+              <a:rPr lang="de-AT" dirty="0"/>
+              <a:t>Einbinden der Schach-KI </a:t>
+            </a:r>
+            <a:r>
+              <a:rPr lang="de-AT" dirty="0" err="1"/>
+              <a:t>Stockfish</a:t>
+            </a:r>
+            <a:endParaRPr lang="de-AT" dirty="0"/>
+          </a:p>
+          <a:p>
+            <a:endParaRPr lang="de-AT" dirty="0"/>
+          </a:p>
+          <a:p>
+            <a:endParaRPr lang="de-AT" dirty="0"/>
+          </a:p>
+          <a:p>
+            <a:endParaRPr lang="de-AT" dirty="0"/>
+          </a:p>
+          <a:p>
+            <a:endParaRPr lang="de-AT" dirty="0"/>
+          </a:p>
+          <a:p>
+            <a:endParaRPr lang="de-AT" dirty="0"/>
+          </a:p>
+          <a:p>
+            <a:endParaRPr lang="de-AT" dirty="0"/>
+          </a:p>
+          <a:p>
+            <a:r>
+              <a:rPr lang="de-AT" dirty="0"/>
+              <a:t>https://pypi.org/project/stockfish/</a:t>
+            </a:r>
+          </a:p>
+        </p:txBody>
+      </p:sp>
+      <p:pic>
+        <p:nvPicPr>
+          <p:cNvPr id="5" name="Picture 4">
+            <a:extLst>
+              <a:ext uri="{FF2B5EF4-FFF2-40B4-BE49-F238E27FC236}">
+                <a16:creationId xmlns:a16="http://schemas.microsoft.com/office/drawing/2014/main" id="{A69219C4-C702-AAEF-33F5-BEF4DE525B76}"/>
+              </a:ext>
+            </a:extLst>
+          </p:cNvPr>
+          <p:cNvPicPr>
+            <a:picLocks noChangeAspect="1"/>
+          </p:cNvPicPr>
+          <p:nvPr/>
+        </p:nvPicPr>
+        <p:blipFill>
+          <a:blip r:embed="rId2"/>
+          <a:stretch>
+            <a:fillRect/>
+          </a:stretch>
+        </p:blipFill>
+        <p:spPr>
+          <a:xfrm>
+            <a:off x="5013851" y="2081314"/>
+            <a:ext cx="6926022" cy="3284505"/>
+          </a:xfrm>
+          <a:prstGeom prst="rect">
+            <a:avLst/>
+          </a:prstGeom>
+        </p:spPr>
+      </p:pic>
+    </p:spTree>
+    <p:extLst>
+      <p:ext uri="{BB962C8B-B14F-4D97-AF65-F5344CB8AC3E}">
+        <p14:creationId xmlns:p14="http://schemas.microsoft.com/office/powerpoint/2010/main" val="2191172520"/>
+      </p:ext>
+    </p:extLst>
+  </p:cSld>
+  <p:clrMapOvr>
+    <a:masterClrMapping/>
+  </p:clrMapOvr>
+</p:sld>
+</file>
+
+<file path=ppt/slides/slide11.xml><?xml version="1.0" encoding="utf-8"?>
+<p:sld xmlns:a="http://schemas.openxmlformats.org/drawingml/2006/main" xmlns:r="http://schemas.openxmlformats.org/officeDocument/2006/relationships" xmlns:p="http://schemas.openxmlformats.org/presentationml/2006/main">
+  <p:cSld>
+    <p:spTree>
+      <p:nvGrpSpPr>
+        <p:cNvPr id="1" name=""/>
+        <p:cNvGrpSpPr/>
+        <p:nvPr/>
+      </p:nvGrpSpPr>
+      <p:grpSpPr>
+        <a:xfrm>
+          <a:off x="0" y="0"/>
+          <a:ext cx="0" cy="0"/>
+          <a:chOff x="0" y="0"/>
+          <a:chExt cx="0" cy="0"/>
+        </a:xfrm>
+      </p:grpSpPr>
+      <p:sp>
+        <p:nvSpPr>
+          <p:cNvPr id="2" name="Title 1">
+            <a:extLst>
+              <a:ext uri="{FF2B5EF4-FFF2-40B4-BE49-F238E27FC236}">
+                <a16:creationId xmlns:a16="http://schemas.microsoft.com/office/drawing/2014/main" id="{BF74D356-AB4E-1221-C51F-EE7F8F49DDDA}"/>
+              </a:ext>
+            </a:extLst>
+          </p:cNvPr>
+          <p:cNvSpPr>
+            <a:spLocks noGrp="1"/>
+          </p:cNvSpPr>
+          <p:nvPr>
+            <p:ph type="title"/>
+          </p:nvPr>
+        </p:nvSpPr>
+        <p:spPr/>
+        <p:txBody>
+          <a:bodyPr/>
+          <a:lstStyle/>
+          <a:p>
+            <a:r>
+              <a:rPr lang="de-AT" dirty="0"/>
+              <a:t>Probleme</a:t>
+            </a:r>
+          </a:p>
+        </p:txBody>
+      </p:sp>
+      <p:sp>
+        <p:nvSpPr>
+          <p:cNvPr id="3" name="Content Placeholder 2">
+            <a:extLst>
+              <a:ext uri="{FF2B5EF4-FFF2-40B4-BE49-F238E27FC236}">
+                <a16:creationId xmlns:a16="http://schemas.microsoft.com/office/drawing/2014/main" id="{9984B8C2-392C-9CBB-EEA4-269FF2537FFA}"/>
+              </a:ext>
+            </a:extLst>
+          </p:cNvPr>
+          <p:cNvSpPr>
+            <a:spLocks noGrp="1"/>
+          </p:cNvSpPr>
+          <p:nvPr>
+            <p:ph idx="1"/>
+          </p:nvPr>
+        </p:nvSpPr>
+        <p:spPr/>
+        <p:txBody>
+          <a:bodyPr/>
+          <a:lstStyle/>
+          <a:p>
+            <a:r>
+              <a:rPr lang="de-AT" dirty="0"/>
+              <a:t>Erkennen von Schach / Schachmatt</a:t>
+            </a:r>
+          </a:p>
+          <a:p>
+            <a:endParaRPr lang="de-AT" dirty="0"/>
+          </a:p>
+          <a:p>
+            <a:endParaRPr lang="de-AT" dirty="0"/>
+          </a:p>
+          <a:p>
+            <a:endParaRPr lang="de-AT" dirty="0"/>
+          </a:p>
+          <a:p>
+            <a:endParaRPr lang="de-AT" dirty="0"/>
+          </a:p>
+          <a:p>
+            <a:r>
+              <a:rPr lang="de-AT" dirty="0"/>
+              <a:t>Problem: Es testet nur ab, ob der König noch auf dem Feld ist oder nicht. Um das Spiel dann zu beenden, muss man den König schlagen.</a:t>
+            </a:r>
+          </a:p>
+          <a:p>
+            <a:r>
+              <a:rPr lang="de-AT" dirty="0"/>
+              <a:t>Erkenne von Schachmatt wurde mithilfe der </a:t>
+            </a:r>
+            <a:r>
+              <a:rPr lang="de-AT" dirty="0" err="1"/>
+              <a:t>Stockfish</a:t>
+            </a:r>
+            <a:r>
+              <a:rPr lang="de-AT" dirty="0"/>
+              <a:t>-Bibliothek gelöst.</a:t>
+            </a:r>
+          </a:p>
+        </p:txBody>
+      </p:sp>
+      <p:pic>
+        <p:nvPicPr>
+          <p:cNvPr id="5" name="Picture 4">
+            <a:extLst>
+              <a:ext uri="{FF2B5EF4-FFF2-40B4-BE49-F238E27FC236}">
+                <a16:creationId xmlns:a16="http://schemas.microsoft.com/office/drawing/2014/main" id="{18FD5F28-FB7F-7AE4-548C-25321EC03F1C}"/>
+              </a:ext>
+            </a:extLst>
+          </p:cNvPr>
+          <p:cNvPicPr>
+            <a:picLocks noChangeAspect="1"/>
+          </p:cNvPicPr>
+          <p:nvPr/>
+        </p:nvPicPr>
+        <p:blipFill>
+          <a:blip r:embed="rId2"/>
+          <a:stretch>
+            <a:fillRect/>
+          </a:stretch>
+        </p:blipFill>
+        <p:spPr>
+          <a:xfrm>
+            <a:off x="700635" y="2691267"/>
+            <a:ext cx="7173326" cy="1676634"/>
+          </a:xfrm>
+          <a:prstGeom prst="rect">
+            <a:avLst/>
+          </a:prstGeom>
+        </p:spPr>
+      </p:pic>
+    </p:spTree>
+    <p:extLst>
+      <p:ext uri="{BB962C8B-B14F-4D97-AF65-F5344CB8AC3E}">
+        <p14:creationId xmlns:p14="http://schemas.microsoft.com/office/powerpoint/2010/main" val="2674595245"/>
+      </p:ext>
+    </p:extLst>
+  </p:cSld>
+  <p:clrMapOvr>
+    <a:masterClrMapping/>
+  </p:clrMapOvr>
+</p:sld>
+</file>
+
+<file path=ppt/slides/slide12.xml><?xml version="1.0" encoding="utf-8"?>
+<p:sld xmlns:a="http://schemas.openxmlformats.org/drawingml/2006/main" xmlns:r="http://schemas.openxmlformats.org/officeDocument/2006/relationships" xmlns:p="http://schemas.openxmlformats.org/presentationml/2006/main">
+  <p:cSld>
+    <p:spTree>
+      <p:nvGrpSpPr>
+        <p:cNvPr id="1" name=""/>
+        <p:cNvGrpSpPr/>
+        <p:nvPr/>
+      </p:nvGrpSpPr>
+      <p:grpSpPr>
+        <a:xfrm>
+          <a:off x="0" y="0"/>
+          <a:ext cx="0" cy="0"/>
+          <a:chOff x="0" y="0"/>
+          <a:chExt cx="0" cy="0"/>
+        </a:xfrm>
+      </p:grpSpPr>
+      <p:sp>
+        <p:nvSpPr>
+          <p:cNvPr id="2" name="Title 1">
+            <a:extLst>
+              <a:ext uri="{FF2B5EF4-FFF2-40B4-BE49-F238E27FC236}">
+                <a16:creationId xmlns:a16="http://schemas.microsoft.com/office/drawing/2014/main" id="{5BBA809C-B078-3771-6D62-62AB8E7E1373}"/>
+              </a:ext>
+            </a:extLst>
+          </p:cNvPr>
+          <p:cNvSpPr>
+            <a:spLocks noGrp="1"/>
+          </p:cNvSpPr>
+          <p:nvPr>
+            <p:ph type="title"/>
+          </p:nvPr>
+        </p:nvSpPr>
+        <p:spPr/>
+        <p:txBody>
+          <a:bodyPr/>
+          <a:lstStyle/>
+          <a:p>
+            <a:r>
+              <a:rPr lang="de-AT" dirty="0"/>
+              <a:t>Was wir ändern würden</a:t>
+            </a:r>
+          </a:p>
+        </p:txBody>
+      </p:sp>
+      <p:sp>
+        <p:nvSpPr>
+          <p:cNvPr id="3" name="Content Placeholder 2">
+            <a:extLst>
+              <a:ext uri="{FF2B5EF4-FFF2-40B4-BE49-F238E27FC236}">
+                <a16:creationId xmlns:a16="http://schemas.microsoft.com/office/drawing/2014/main" id="{C7E426CB-E310-020E-A621-99FA69C6166D}"/>
+              </a:ext>
+            </a:extLst>
+          </p:cNvPr>
+          <p:cNvSpPr>
+            <a:spLocks noGrp="1"/>
+          </p:cNvSpPr>
+          <p:nvPr>
+            <p:ph idx="1"/>
+          </p:nvPr>
+        </p:nvSpPr>
+        <p:spPr/>
+        <p:txBody>
+          <a:bodyPr/>
+          <a:lstStyle/>
+          <a:p>
+            <a:r>
+              <a:rPr lang="de-AT" dirty="0"/>
+              <a:t>Besser strukturieren (in mehrere Dateien aufteilen)</a:t>
+            </a:r>
+          </a:p>
+          <a:p>
+            <a:r>
+              <a:rPr lang="de-AT" dirty="0"/>
+              <a:t>FEN-Notation verwenden</a:t>
+            </a:r>
+          </a:p>
+          <a:p>
+            <a:endParaRPr lang="de-AT" dirty="0"/>
+          </a:p>
+          <a:p>
+            <a:endParaRPr lang="de-AT" dirty="0"/>
+          </a:p>
+        </p:txBody>
+      </p:sp>
+    </p:spTree>
+    <p:extLst>
+      <p:ext uri="{BB962C8B-B14F-4D97-AF65-F5344CB8AC3E}">
+        <p14:creationId xmlns:p14="http://schemas.microsoft.com/office/powerpoint/2010/main" val="2488945312"/>
+      </p:ext>
+    </p:extLst>
+  </p:cSld>
+  <p:clrMapOvr>
+    <a:masterClrMapping/>
+  </p:clrMapOvr>
+</p:sld>
+</file>
+
+<file path=ppt/slides/slide13.xml><?xml version="1.0" encoding="utf-8"?>
+<p:sld xmlns:a="http://schemas.openxmlformats.org/drawingml/2006/main" xmlns:r="http://schemas.openxmlformats.org/officeDocument/2006/relationships" xmlns:p="http://schemas.openxmlformats.org/presentationml/2006/main">
+  <p:cSld>
+    <p:spTree>
+      <p:nvGrpSpPr>
+        <p:cNvPr id="1" name=""/>
+        <p:cNvGrpSpPr/>
+        <p:nvPr/>
+      </p:nvGrpSpPr>
+      <p:grpSpPr>
+        <a:xfrm>
+          <a:off x="0" y="0"/>
+          <a:ext cx="0" cy="0"/>
+          <a:chOff x="0" y="0"/>
+          <a:chExt cx="0" cy="0"/>
+        </a:xfrm>
+      </p:grpSpPr>
+      <p:sp>
+        <p:nvSpPr>
+          <p:cNvPr id="2" name="Title 1">
+            <a:extLst>
+              <a:ext uri="{FF2B5EF4-FFF2-40B4-BE49-F238E27FC236}">
+                <a16:creationId xmlns:a16="http://schemas.microsoft.com/office/drawing/2014/main" id="{A35595A2-E084-8230-3AC2-4AC3C6F972D7}"/>
+              </a:ext>
+            </a:extLst>
+          </p:cNvPr>
+          <p:cNvSpPr>
+            <a:spLocks noGrp="1"/>
+          </p:cNvSpPr>
+          <p:nvPr>
+            <p:ph type="title"/>
+          </p:nvPr>
+        </p:nvSpPr>
+        <p:spPr/>
+        <p:txBody>
+          <a:bodyPr/>
+          <a:lstStyle/>
+          <a:p>
+            <a:r>
+              <a:rPr lang="de-AT" dirty="0"/>
+              <a:t>Unser Fazit zum Pair-</a:t>
+            </a:r>
+            <a:r>
+              <a:rPr lang="de-AT" dirty="0" err="1"/>
+              <a:t>programming</a:t>
+            </a:r>
+            <a:endParaRPr lang="de-AT" dirty="0"/>
+          </a:p>
+        </p:txBody>
+      </p:sp>
+      <p:sp>
+        <p:nvSpPr>
+          <p:cNvPr id="3" name="Content Placeholder 2">
+            <a:extLst>
+              <a:ext uri="{FF2B5EF4-FFF2-40B4-BE49-F238E27FC236}">
+                <a16:creationId xmlns:a16="http://schemas.microsoft.com/office/drawing/2014/main" id="{836B22E4-66F8-4108-0D11-21B9F67D0D7C}"/>
+              </a:ext>
+            </a:extLst>
+          </p:cNvPr>
+          <p:cNvSpPr>
+            <a:spLocks noGrp="1"/>
+          </p:cNvSpPr>
+          <p:nvPr>
+            <p:ph idx="1"/>
+          </p:nvPr>
+        </p:nvSpPr>
+        <p:spPr/>
+        <p:txBody>
+          <a:bodyPr/>
+          <a:lstStyle/>
+          <a:p>
+            <a:r>
+              <a:rPr lang="de-AT" dirty="0"/>
+              <a:t>Hat gut funktioniert</a:t>
+            </a:r>
+          </a:p>
+        </p:txBody>
+      </p:sp>
+    </p:spTree>
+    <p:extLst>
+      <p:ext uri="{BB962C8B-B14F-4D97-AF65-F5344CB8AC3E}">
+        <p14:creationId xmlns:p14="http://schemas.microsoft.com/office/powerpoint/2010/main" val="503893426"/>
+      </p:ext>
+    </p:extLst>
+  </p:cSld>
+  <p:clrMapOvr>
+    <a:masterClrMapping/>
+  </p:clrMapOvr>
+</p:sld>
+</file>
+
 <file path=ppt/slides/slide2.xml><?xml version="1.0" encoding="utf-8"?>
 <p:sld xmlns:a="http://schemas.openxmlformats.org/drawingml/2006/main" xmlns:r="http://schemas.openxmlformats.org/officeDocument/2006/relationships" xmlns:p="http://schemas.openxmlformats.org/presentationml/2006/main">
   <p:cSld>
@@ -6305,7 +5043,7 @@
       </p:grpSpPr>
       <p:sp useBgFill="1">
         <p:nvSpPr>
-          <p:cNvPr id="31" name="Rectangle 30">
+          <p:cNvPr id="21" name="Rectangle 20">
             <a:extLst>
               <a:ext uri="{FF2B5EF4-FFF2-40B4-BE49-F238E27FC236}">
                 <a16:creationId xmlns:a16="http://schemas.microsoft.com/office/drawing/2014/main" id="{E49D7415-2F11-44C2-B6AA-13A25B6814B9}"/>
@@ -6384,7 +5122,7 @@
           <p:cNvPr id="2" name="Title 1">
             <a:extLst>
               <a:ext uri="{FF2B5EF4-FFF2-40B4-BE49-F238E27FC236}">
-                <a16:creationId xmlns:a16="http://schemas.microsoft.com/office/drawing/2014/main" id="{6804976B-3D20-0D83-C24E-785B1E56DCAC}"/>
+                <a16:creationId xmlns:a16="http://schemas.microsoft.com/office/drawing/2014/main" id="{F7B7EC71-A5B8-B9D1-C5F1-74C7E9DAEDFD}"/>
               </a:ext>
             </a:extLst>
           </p:cNvPr>
@@ -6397,8 +5135,8 @@
         </p:nvSpPr>
         <p:spPr>
           <a:xfrm>
-            <a:off x="704088" y="919470"/>
-            <a:ext cx="10791278" cy="810192"/>
+            <a:off x="5742672" y="909638"/>
+            <a:ext cx="5848694" cy="1318062"/>
           </a:xfrm>
         </p:spPr>
         <p:txBody>
@@ -6408,18 +5146,57 @@
           <a:lstStyle/>
           <a:p>
             <a:r>
-              <a:rPr lang="en-US"/>
-              <a:t>Das Ziel</a:t>
-            </a:r>
-          </a:p>
-        </p:txBody>
-      </p:sp>
+              <a:rPr lang="en-US" dirty="0"/>
+              <a:t>Ziel</a:t>
+            </a:r>
+          </a:p>
+        </p:txBody>
+      </p:sp>
+      <p:pic>
+        <p:nvPicPr>
+          <p:cNvPr id="7" name="Graphic 6" descr="Chess Pieces">
+            <a:extLst>
+              <a:ext uri="{FF2B5EF4-FFF2-40B4-BE49-F238E27FC236}">
+                <a16:creationId xmlns:a16="http://schemas.microsoft.com/office/drawing/2014/main" id="{3F3889DF-62DB-64DD-9B56-3660DA65036A}"/>
+              </a:ext>
+            </a:extLst>
+          </p:cNvPr>
+          <p:cNvPicPr>
+            <a:picLocks noChangeAspect="1"/>
+          </p:cNvPicPr>
+          <p:nvPr/>
+        </p:nvPicPr>
+        <p:blipFill>
+          <a:blip r:embed="rId2">
+            <a:extLst>
+              <a:ext uri="{28A0092B-C50C-407E-A947-70E740481C1C}">
+                <a14:useLocalDpi xmlns:a14="http://schemas.microsoft.com/office/drawing/2010/main" val="0"/>
+              </a:ext>
+              <a:ext uri="{96DAC541-7B7A-43D3-8B79-37D633B846F1}">
+                <asvg:svgBlip xmlns:asvg="http://schemas.microsoft.com/office/drawing/2016/SVG/main" r:embed="rId3"/>
+              </a:ext>
+            </a:extLst>
+          </a:blip>
+          <a:stretch>
+            <a:fillRect/>
+          </a:stretch>
+        </p:blipFill>
+        <p:spPr>
+          <a:xfrm>
+            <a:off x="800101" y="1679090"/>
+            <a:ext cx="4455010" cy="4455010"/>
+          </a:xfrm>
+          <a:prstGeom prst="rect">
+            <a:avLst/>
+          </a:prstGeom>
+        </p:spPr>
+      </p:pic>
       <p:cxnSp>
         <p:nvCxnSpPr>
-          <p:cNvPr id="33" name="Straight Connector 32">
-            <a:extLst>
-              <a:ext uri="{FF2B5EF4-FFF2-40B4-BE49-F238E27FC236}">
-                <a16:creationId xmlns:a16="http://schemas.microsoft.com/office/drawing/2014/main" id="{BCE733BF-B95F-4869-AB8F-D90C6F595769}"/>
+          <p:cNvPr id="23" name="Straight Connector 22">
+            <a:extLst>
+              <a:ext uri="{FF2B5EF4-FFF2-40B4-BE49-F238E27FC236}">
+                <a16:creationId xmlns:a16="http://schemas.microsoft.com/office/drawing/2014/main" id="{D2E57F3D-33BE-4306-87E6-245763719516}"/>
               </a:ext>
               <a:ext uri="{C183D7F6-B498-43B3-948B-1728B52AA6E4}">
                 <adec:decorative xmlns:adec="http://schemas.microsoft.com/office/drawing/2017/decorative" val="1"/>
@@ -6439,8 +5216,8 @@
         </p:nvCxnSpPr>
         <p:spPr>
           <a:xfrm>
-            <a:off x="800100" y="723900"/>
-            <a:ext cx="10591800" cy="0"/>
+            <a:off x="5880661" y="723900"/>
+            <a:ext cx="1600200" cy="0"/>
           </a:xfrm>
           <a:prstGeom prst="line">
             <a:avLst/>
@@ -6466,93 +5243,65 @@
           </a:fontRef>
         </p:style>
       </p:cxnSp>
-      <p:cxnSp>
-        <p:nvCxnSpPr>
-          <p:cNvPr id="35" name="Straight Connector 34">
-            <a:extLst>
-              <a:ext uri="{FF2B5EF4-FFF2-40B4-BE49-F238E27FC236}">
-                <a16:creationId xmlns:a16="http://schemas.microsoft.com/office/drawing/2014/main" id="{8D1166D6-1A36-41B0-8A82-37761E6F3DF9}"/>
-              </a:ext>
-              <a:ext uri="{C183D7F6-B498-43B3-948B-1728B52AA6E4}">
-                <adec:decorative xmlns:adec="http://schemas.microsoft.com/office/drawing/2017/decorative" val="1"/>
-              </a:ext>
-            </a:extLst>
-          </p:cNvPr>
-          <p:cNvCxnSpPr>
-            <a:cxnSpLocks noGrp="1" noRot="1" noChangeAspect="1" noMove="1" noResize="1" noEditPoints="1" noAdjustHandles="1" noChangeArrowheads="1" noChangeShapeType="1"/>
-          </p:cNvCxnSpPr>
-          <p:nvPr>
-            <p:extLst>
-              <p:ext uri="{386F3935-93C4-4BCD-93E2-E3B085C9AB24}">
-                <p16:designElem xmlns:p16="http://schemas.microsoft.com/office/powerpoint/2015/main" val="1"/>
-              </p:ext>
-            </p:extLst>
-          </p:nvPr>
-        </p:nvCxnSpPr>
+      <p:sp>
+        <p:nvSpPr>
+          <p:cNvPr id="3" name="Content Placeholder 2">
+            <a:extLst>
+              <a:ext uri="{FF2B5EF4-FFF2-40B4-BE49-F238E27FC236}">
+                <a16:creationId xmlns:a16="http://schemas.microsoft.com/office/drawing/2014/main" id="{1EB0BCF0-3136-DA3B-E609-A4A601A181F6}"/>
+              </a:ext>
+            </a:extLst>
+          </p:cNvPr>
+          <p:cNvSpPr>
+            <a:spLocks noGrp="1"/>
+          </p:cNvSpPr>
+          <p:nvPr>
+            <p:ph idx="1"/>
+          </p:nvPr>
+        </p:nvSpPr>
         <p:spPr>
           <a:xfrm>
-            <a:off x="800100" y="6142781"/>
-            <a:ext cx="10591800" cy="0"/>
+            <a:off x="5742672" y="2276474"/>
+            <a:ext cx="5848694" cy="3885027"/>
           </a:xfrm>
-          <a:prstGeom prst="line">
-            <a:avLst/>
-          </a:prstGeom>
-          <a:ln w="12700">
-            <a:solidFill>
-              <a:schemeClr val="tx1"/>
-            </a:solidFill>
-          </a:ln>
         </p:spPr>
-        <p:style>
-          <a:lnRef idx="1">
-            <a:schemeClr val="accent1"/>
-          </a:lnRef>
-          <a:fillRef idx="0">
-            <a:schemeClr val="accent1"/>
-          </a:fillRef>
-          <a:effectRef idx="0">
-            <a:schemeClr val="accent1"/>
-          </a:effectRef>
-          <a:fontRef idx="minor">
-            <a:schemeClr val="tx1"/>
-          </a:fontRef>
-        </p:style>
-      </p:cxnSp>
-      <p:graphicFrame>
-        <p:nvGraphicFramePr>
-          <p:cNvPr id="5" name="Content Placeholder 2">
-            <a:extLst>
-              <a:ext uri="{FF2B5EF4-FFF2-40B4-BE49-F238E27FC236}">
-                <a16:creationId xmlns:a16="http://schemas.microsoft.com/office/drawing/2014/main" id="{405A450A-3385-4559-5962-A1F3C93A0C6C}"/>
-              </a:ext>
-            </a:extLst>
-          </p:cNvPr>
-          <p:cNvGraphicFramePr>
-            <a:graphicFrameLocks noGrp="1"/>
-          </p:cNvGraphicFramePr>
-          <p:nvPr>
-            <p:ph idx="1"/>
-            <p:extLst>
-              <p:ext uri="{D42A27DB-BD31-4B8C-83A1-F6EECF244321}">
-                <p14:modId xmlns:p14="http://schemas.microsoft.com/office/powerpoint/2010/main" val="284608969"/>
-              </p:ext>
-            </p:extLst>
-          </p:nvPr>
-        </p:nvGraphicFramePr>
-        <p:xfrm>
-          <a:off x="4769224" y="1848462"/>
-          <a:ext cx="6723529" cy="4127353"/>
-        </p:xfrm>
-        <a:graphic>
-          <a:graphicData uri="http://schemas.openxmlformats.org/drawingml/2006/diagram">
-            <dgm:relIds xmlns:dgm="http://schemas.openxmlformats.org/drawingml/2006/diagram" xmlns:r="http://schemas.openxmlformats.org/officeDocument/2006/relationships" r:dm="rId2" r:lo="rId3" r:qs="rId4" r:cs="rId5"/>
-          </a:graphicData>
-        </a:graphic>
-      </p:graphicFrame>
+        <p:txBody>
+          <a:bodyPr vert="horz" lIns="91440" tIns="45720" rIns="91440" bIns="45720" rtlCol="0">
+            <a:normAutofit/>
+          </a:bodyPr>
+          <a:lstStyle/>
+          <a:p>
+            <a:pPr marL="0" indent="0">
+              <a:buNone/>
+            </a:pPr>
+            <a:r>
+              <a:rPr lang="de-AT" dirty="0"/>
+              <a:t>Mithilfe von Pair-</a:t>
+            </a:r>
+            <a:r>
+              <a:rPr lang="de-AT" dirty="0" err="1"/>
+              <a:t>Programming</a:t>
+            </a:r>
+            <a:r>
+              <a:rPr lang="de-AT" dirty="0"/>
+              <a:t> und GitHub ein simples Schach-Programm in Python programmieren.</a:t>
+            </a:r>
+          </a:p>
+          <a:p>
+            <a:pPr marL="0" indent="0">
+              <a:buNone/>
+            </a:pPr>
+            <a:r>
+              <a:rPr lang="de-AT" dirty="0"/>
+              <a:t>Man soll gegeneinander spielen können, aber auch gegen die eingebundene KI.</a:t>
+            </a:r>
+          </a:p>
+        </p:txBody>
+      </p:sp>
     </p:spTree>
     <p:extLst>
       <p:ext uri="{BB962C8B-B14F-4D97-AF65-F5344CB8AC3E}">
-        <p14:creationId xmlns:p14="http://schemas.microsoft.com/office/powerpoint/2010/main" val="941012719"/>
+        <p14:creationId xmlns:p14="http://schemas.microsoft.com/office/powerpoint/2010/main" val="2558209640"/>
       </p:ext>
     </p:extLst>
   </p:cSld>
@@ -6694,7 +5443,7 @@
         </p:nvSpPr>
         <p:spPr>
           <a:xfrm>
-            <a:off x="954823" y="2109493"/>
+            <a:off x="1050816" y="2708109"/>
             <a:ext cx="4265763" cy="1441776"/>
           </a:xfrm>
         </p:spPr>
@@ -6735,7 +5484,7 @@
         </p:spPr>
         <p:txBody>
           <a:bodyPr>
-            <a:normAutofit/>
+            <a:normAutofit lnSpcReduction="10000"/>
           </a:bodyPr>
           <a:lstStyle/>
           <a:p>
@@ -6780,6 +5529,12 @@
             <a:r>
               <a:rPr lang="de-AT" dirty="0"/>
               <a:t>)</a:t>
+            </a:r>
+          </a:p>
+          <a:p>
+            <a:r>
+              <a:rPr lang="de-AT" dirty="0"/>
+              <a:t>Menü zum auswählen der KI-Stärke</a:t>
             </a:r>
           </a:p>
           <a:p>
@@ -6883,7 +5638,7 @@
           <p:cNvPr id="2" name="Title 1">
             <a:extLst>
               <a:ext uri="{FF2B5EF4-FFF2-40B4-BE49-F238E27FC236}">
-                <a16:creationId xmlns:a16="http://schemas.microsoft.com/office/drawing/2014/main" id="{BF74D356-AB4E-1221-C51F-EE7F8F49DDDA}"/>
+                <a16:creationId xmlns:a16="http://schemas.microsoft.com/office/drawing/2014/main" id="{18F43849-85EC-4670-69BF-6C6768D04CBF}"/>
               </a:ext>
             </a:extLst>
           </p:cNvPr>
@@ -6896,64 +5651,90 @@
         </p:nvSpPr>
         <p:spPr/>
         <p:txBody>
+          <a:bodyPr>
+            <a:normAutofit/>
+          </a:bodyPr>
+          <a:lstStyle/>
+          <a:p>
+            <a:r>
+              <a:rPr lang="de-AT" dirty="0"/>
+              <a:t>Aktueller </a:t>
+            </a:r>
+            <a:r>
+              <a:rPr lang="de-AT" dirty="0" err="1"/>
+              <a:t>build</a:t>
+            </a:r>
+            <a:r>
+              <a:rPr lang="de-AT" dirty="0"/>
+              <a:t>: </a:t>
+            </a:r>
+            <a:r>
+              <a:rPr lang="de-AT" dirty="0" err="1"/>
+              <a:t>pre</a:t>
+            </a:r>
+            <a:r>
+              <a:rPr lang="de-AT" dirty="0"/>
+              <a:t>-release </a:t>
+            </a:r>
+            <a:r>
+              <a:rPr lang="de-AT" dirty="0" err="1"/>
+              <a:t>beta</a:t>
+            </a:r>
+            <a:r>
+              <a:rPr lang="de-AT" dirty="0"/>
+              <a:t> 1.3.6</a:t>
+            </a:r>
+          </a:p>
+        </p:txBody>
+      </p:sp>
+      <p:sp>
+        <p:nvSpPr>
+          <p:cNvPr id="3" name="Content Placeholder 2">
+            <a:extLst>
+              <a:ext uri="{FF2B5EF4-FFF2-40B4-BE49-F238E27FC236}">
+                <a16:creationId xmlns:a16="http://schemas.microsoft.com/office/drawing/2014/main" id="{D63C5579-2C7F-8C1F-1244-AE88DED711DB}"/>
+              </a:ext>
+            </a:extLst>
+          </p:cNvPr>
+          <p:cNvSpPr>
+            <a:spLocks noGrp="1"/>
+          </p:cNvSpPr>
+          <p:nvPr>
+            <p:ph idx="1"/>
+          </p:nvPr>
+        </p:nvSpPr>
+        <p:spPr/>
+        <p:txBody>
           <a:bodyPr/>
           <a:lstStyle/>
           <a:p>
             <a:r>
               <a:rPr lang="de-AT" dirty="0"/>
-              <a:t>Probleme</a:t>
-            </a:r>
-          </a:p>
-        </p:txBody>
-      </p:sp>
-      <p:sp>
-        <p:nvSpPr>
-          <p:cNvPr id="3" name="Content Placeholder 2">
-            <a:extLst>
-              <a:ext uri="{FF2B5EF4-FFF2-40B4-BE49-F238E27FC236}">
-                <a16:creationId xmlns:a16="http://schemas.microsoft.com/office/drawing/2014/main" id="{9984B8C2-392C-9CBB-EEA4-269FF2537FFA}"/>
-              </a:ext>
-            </a:extLst>
-          </p:cNvPr>
-          <p:cNvSpPr>
-            <a:spLocks noGrp="1"/>
-          </p:cNvSpPr>
-          <p:nvPr>
-            <p:ph idx="1"/>
-          </p:nvPr>
-        </p:nvSpPr>
-        <p:spPr/>
-        <p:txBody>
-          <a:bodyPr/>
-          <a:lstStyle/>
+              <a:t>Brett mit Beschriftung</a:t>
+            </a:r>
+          </a:p>
           <a:p>
             <a:r>
               <a:rPr lang="de-AT" dirty="0"/>
-              <a:t>Erkennen von Schach / Schachmatt</a:t>
-            </a:r>
-          </a:p>
-          <a:p>
-            <a:endParaRPr lang="de-AT" dirty="0"/>
-          </a:p>
-          <a:p>
-            <a:endParaRPr lang="de-AT" dirty="0"/>
-          </a:p>
-          <a:p>
-            <a:endParaRPr lang="de-AT" dirty="0"/>
-          </a:p>
-          <a:p>
-            <a:endParaRPr lang="de-AT" dirty="0"/>
+              <a:t>Funktionierende Figuren (Bewegbar, Schlagen)</a:t>
+            </a:r>
           </a:p>
           <a:p>
             <a:r>
               <a:rPr lang="de-AT" dirty="0"/>
-              <a:t>Problem: Es testet nur ab, ob der König noch auf dem Feld ist oder nicht. Um das Spiel dann zu beenden, muss man den König schlagen.</a:t>
+              <a:t>Abwechselnde Zugfolge</a:t>
             </a:r>
           </a:p>
           <a:p>
             <a:r>
               <a:rPr lang="de-AT" dirty="0"/>
-              <a:t>Dies wurde mithilfe der </a:t>
+              <a:t>Erkennen von Schachmatt</a:t>
+            </a:r>
+          </a:p>
+          <a:p>
+            <a:r>
+              <a:rPr lang="de-AT" dirty="0"/>
+              <a:t>Einbindung der Schach-KI (</a:t>
             </a:r>
             <a:r>
               <a:rPr lang="de-AT" dirty="0" err="1"/>
@@ -6961,19 +5742,7 @@
             </a:r>
             <a:r>
               <a:rPr lang="de-AT" dirty="0"/>
-              <a:t> </a:t>
-            </a:r>
-            <a:r>
-              <a:rPr lang="de-AT" dirty="0" err="1"/>
-              <a:t>library</a:t>
-            </a:r>
-            <a:r>
-              <a:rPr lang="de-AT"/>
-              <a:t> gelöst</a:t>
-            </a:r>
-            <a:r>
-              <a:rPr lang="de-AT" dirty="0"/>
-              <a:t>.</a:t>
+              <a:t> 17.1)</a:t>
             </a:r>
           </a:p>
         </p:txBody>
@@ -6983,7 +5752,7 @@
           <p:cNvPr id="5" name="Picture 4">
             <a:extLst>
               <a:ext uri="{FF2B5EF4-FFF2-40B4-BE49-F238E27FC236}">
-                <a16:creationId xmlns:a16="http://schemas.microsoft.com/office/drawing/2014/main" id="{18FD5F28-FB7F-7AE4-548C-25321EC03F1C}"/>
+                <a16:creationId xmlns:a16="http://schemas.microsoft.com/office/drawing/2014/main" id="{2133C8F2-9FB6-D199-0AC3-4EFB2D6C98AF}"/>
               </a:ext>
             </a:extLst>
           </p:cNvPr>
@@ -7000,8 +5769,8 @@
         </p:blipFill>
         <p:spPr>
           <a:xfrm>
-            <a:off x="700635" y="2691267"/>
-            <a:ext cx="7173326" cy="1676634"/>
+            <a:off x="6723907" y="1762727"/>
+            <a:ext cx="4274702" cy="4327585"/>
           </a:xfrm>
           <a:prstGeom prst="rect">
             <a:avLst/>
@@ -7011,7 +5780,766 @@
     </p:spTree>
     <p:extLst>
       <p:ext uri="{BB962C8B-B14F-4D97-AF65-F5344CB8AC3E}">
-        <p14:creationId xmlns:p14="http://schemas.microsoft.com/office/powerpoint/2010/main" val="2674595245"/>
+        <p14:creationId xmlns:p14="http://schemas.microsoft.com/office/powerpoint/2010/main" val="3846176029"/>
+      </p:ext>
+    </p:extLst>
+  </p:cSld>
+  <p:clrMapOvr>
+    <a:masterClrMapping/>
+  </p:clrMapOvr>
+</p:sld>
+</file>
+
+<file path=ppt/slides/slide5.xml><?xml version="1.0" encoding="utf-8"?>
+<p:sld xmlns:a="http://schemas.openxmlformats.org/drawingml/2006/main" xmlns:r="http://schemas.openxmlformats.org/officeDocument/2006/relationships" xmlns:p="http://schemas.openxmlformats.org/presentationml/2006/main">
+  <p:cSld>
+    <p:spTree>
+      <p:nvGrpSpPr>
+        <p:cNvPr id="1" name=""/>
+        <p:cNvGrpSpPr/>
+        <p:nvPr/>
+      </p:nvGrpSpPr>
+      <p:grpSpPr>
+        <a:xfrm>
+          <a:off x="0" y="0"/>
+          <a:ext cx="0" cy="0"/>
+          <a:chOff x="0" y="0"/>
+          <a:chExt cx="0" cy="0"/>
+        </a:xfrm>
+      </p:grpSpPr>
+      <p:sp>
+        <p:nvSpPr>
+          <p:cNvPr id="2" name="Title 1">
+            <a:extLst>
+              <a:ext uri="{FF2B5EF4-FFF2-40B4-BE49-F238E27FC236}">
+                <a16:creationId xmlns:a16="http://schemas.microsoft.com/office/drawing/2014/main" id="{9F3D5697-28D3-70B2-BABE-B5A7F0041EF9}"/>
+              </a:ext>
+            </a:extLst>
+          </p:cNvPr>
+          <p:cNvSpPr>
+            <a:spLocks noGrp="1"/>
+          </p:cNvSpPr>
+          <p:nvPr>
+            <p:ph type="title"/>
+          </p:nvPr>
+        </p:nvSpPr>
+        <p:spPr/>
+        <p:txBody>
+          <a:bodyPr/>
+          <a:lstStyle/>
+          <a:p>
+            <a:r>
+              <a:rPr lang="de-AT" dirty="0"/>
+              <a:t>Was wir nicht geschafft haben</a:t>
+            </a:r>
+          </a:p>
+        </p:txBody>
+      </p:sp>
+      <p:sp>
+        <p:nvSpPr>
+          <p:cNvPr id="3" name="Content Placeholder 2">
+            <a:extLst>
+              <a:ext uri="{FF2B5EF4-FFF2-40B4-BE49-F238E27FC236}">
+                <a16:creationId xmlns:a16="http://schemas.microsoft.com/office/drawing/2014/main" id="{1580B8F0-B5FD-1F72-1EBA-6B31F4A2B6A5}"/>
+              </a:ext>
+            </a:extLst>
+          </p:cNvPr>
+          <p:cNvSpPr>
+            <a:spLocks noGrp="1"/>
+          </p:cNvSpPr>
+          <p:nvPr>
+            <p:ph idx="1"/>
+          </p:nvPr>
+        </p:nvSpPr>
+        <p:spPr/>
+        <p:txBody>
+          <a:bodyPr/>
+          <a:lstStyle/>
+          <a:p>
+            <a:r>
+              <a:rPr lang="de-AT" dirty="0"/>
+              <a:t>Erkennen von Schach</a:t>
+            </a:r>
+          </a:p>
+          <a:p>
+            <a:r>
+              <a:rPr lang="de-AT" dirty="0"/>
+              <a:t>Einbinden von besonderen Zügen (Rochade, En Passant, Bauernumwandlung)</a:t>
+            </a:r>
+          </a:p>
+          <a:p>
+            <a:r>
+              <a:rPr lang="de-AT" dirty="0"/>
+              <a:t>Menü zum Auswählen ob man gegen KI oder Mensch spielen möchte</a:t>
+            </a:r>
+          </a:p>
+          <a:p>
+            <a:r>
+              <a:rPr lang="de-AT" dirty="0"/>
+              <a:t>Menü zum Auswählen der Stärke der KI</a:t>
+            </a:r>
+          </a:p>
+        </p:txBody>
+      </p:sp>
+    </p:spTree>
+    <p:extLst>
+      <p:ext uri="{BB962C8B-B14F-4D97-AF65-F5344CB8AC3E}">
+        <p14:creationId xmlns:p14="http://schemas.microsoft.com/office/powerpoint/2010/main" val="1305108939"/>
+      </p:ext>
+    </p:extLst>
+  </p:cSld>
+  <p:clrMapOvr>
+    <a:masterClrMapping/>
+  </p:clrMapOvr>
+</p:sld>
+</file>
+
+<file path=ppt/slides/slide6.xml><?xml version="1.0" encoding="utf-8"?>
+<p:sld xmlns:a="http://schemas.openxmlformats.org/drawingml/2006/main" xmlns:r="http://schemas.openxmlformats.org/officeDocument/2006/relationships" xmlns:p="http://schemas.openxmlformats.org/presentationml/2006/main">
+  <p:cSld>
+    <p:spTree>
+      <p:nvGrpSpPr>
+        <p:cNvPr id="1" name=""/>
+        <p:cNvGrpSpPr/>
+        <p:nvPr/>
+      </p:nvGrpSpPr>
+      <p:grpSpPr>
+        <a:xfrm>
+          <a:off x="0" y="0"/>
+          <a:ext cx="0" cy="0"/>
+          <a:chOff x="0" y="0"/>
+          <a:chExt cx="0" cy="0"/>
+        </a:xfrm>
+      </p:grpSpPr>
+      <p:sp>
+        <p:nvSpPr>
+          <p:cNvPr id="2" name="Title 1">
+            <a:extLst>
+              <a:ext uri="{FF2B5EF4-FFF2-40B4-BE49-F238E27FC236}">
+                <a16:creationId xmlns:a16="http://schemas.microsoft.com/office/drawing/2014/main" id="{08F188C3-A932-D97B-3817-34C4688AE405}"/>
+              </a:ext>
+            </a:extLst>
+          </p:cNvPr>
+          <p:cNvSpPr>
+            <a:spLocks noGrp="1"/>
+          </p:cNvSpPr>
+          <p:nvPr>
+            <p:ph type="title"/>
+          </p:nvPr>
+        </p:nvSpPr>
+        <p:spPr>
+          <a:xfrm>
+            <a:off x="700633" y="726223"/>
+            <a:ext cx="10691265" cy="1307592"/>
+          </a:xfrm>
+        </p:spPr>
+        <p:txBody>
+          <a:bodyPr/>
+          <a:lstStyle/>
+          <a:p>
+            <a:r>
+              <a:rPr lang="de-AT" dirty="0"/>
+              <a:t>klasse </a:t>
+            </a:r>
+            <a:r>
+              <a:rPr lang="de-AT" dirty="0" err="1"/>
+              <a:t>piece</a:t>
+            </a:r>
+            <a:endParaRPr lang="de-AT" dirty="0"/>
+          </a:p>
+        </p:txBody>
+      </p:sp>
+      <p:sp>
+        <p:nvSpPr>
+          <p:cNvPr id="3" name="Content Placeholder 2">
+            <a:extLst>
+              <a:ext uri="{FF2B5EF4-FFF2-40B4-BE49-F238E27FC236}">
+                <a16:creationId xmlns:a16="http://schemas.microsoft.com/office/drawing/2014/main" id="{17EFC519-455B-F92D-041E-CAC291076BD8}"/>
+              </a:ext>
+            </a:extLst>
+          </p:cNvPr>
+          <p:cNvSpPr>
+            <a:spLocks noGrp="1"/>
+          </p:cNvSpPr>
+          <p:nvPr>
+            <p:ph idx="1"/>
+          </p:nvPr>
+        </p:nvSpPr>
+        <p:spPr>
+          <a:xfrm>
+            <a:off x="700634" y="3783672"/>
+            <a:ext cx="10691265" cy="3739896"/>
+          </a:xfrm>
+        </p:spPr>
+        <p:txBody>
+          <a:bodyPr/>
+          <a:lstStyle/>
+          <a:p>
+            <a:r>
+              <a:rPr lang="de-AT" dirty="0"/>
+              <a:t>"</a:t>
+            </a:r>
+            <a:r>
+              <a:rPr lang="de-AT" dirty="0" err="1"/>
+              <a:t>color</a:t>
+            </a:r>
+            <a:r>
+              <a:rPr lang="de-AT" dirty="0"/>
+              <a:t>" = schwarze oder weise Figur</a:t>
+            </a:r>
+          </a:p>
+          <a:p>
+            <a:r>
+              <a:rPr lang="de-AT" dirty="0"/>
+              <a:t>"</a:t>
+            </a:r>
+            <a:r>
+              <a:rPr lang="de-AT" dirty="0" err="1"/>
+              <a:t>piece_type</a:t>
+            </a:r>
+            <a:r>
+              <a:rPr lang="de-AT" dirty="0"/>
+              <a:t>" = welche Figur</a:t>
+            </a:r>
+          </a:p>
+          <a:p>
+            <a:r>
+              <a:rPr lang="de-AT" dirty="0"/>
+              <a:t>"</a:t>
+            </a:r>
+            <a:r>
+              <a:rPr lang="de-AT" dirty="0" err="1"/>
+              <a:t>image</a:t>
+            </a:r>
+            <a:r>
+              <a:rPr lang="de-AT" dirty="0"/>
+              <a:t>" = Hinzufügen eines Bildes</a:t>
+            </a:r>
+          </a:p>
+        </p:txBody>
+      </p:sp>
+      <p:pic>
+        <p:nvPicPr>
+          <p:cNvPr id="7" name="Picture 6">
+            <a:extLst>
+              <a:ext uri="{FF2B5EF4-FFF2-40B4-BE49-F238E27FC236}">
+                <a16:creationId xmlns:a16="http://schemas.microsoft.com/office/drawing/2014/main" id="{ED1646F3-DE63-4A82-A02D-6BFB413E6AD0}"/>
+              </a:ext>
+            </a:extLst>
+          </p:cNvPr>
+          <p:cNvPicPr>
+            <a:picLocks noChangeAspect="1"/>
+          </p:cNvPicPr>
+          <p:nvPr/>
+        </p:nvPicPr>
+        <p:blipFill>
+          <a:blip r:embed="rId2"/>
+          <a:stretch>
+            <a:fillRect/>
+          </a:stretch>
+        </p:blipFill>
+        <p:spPr>
+          <a:xfrm>
+            <a:off x="700634" y="1380019"/>
+            <a:ext cx="9710816" cy="1860483"/>
+          </a:xfrm>
+          <a:prstGeom prst="rect">
+            <a:avLst/>
+          </a:prstGeom>
+        </p:spPr>
+      </p:pic>
+      <p:pic>
+        <p:nvPicPr>
+          <p:cNvPr id="9" name="Picture 8">
+            <a:extLst>
+              <a:ext uri="{FF2B5EF4-FFF2-40B4-BE49-F238E27FC236}">
+                <a16:creationId xmlns:a16="http://schemas.microsoft.com/office/drawing/2014/main" id="{7E42594A-7045-3A4B-13BC-A0CCCEDE5985}"/>
+              </a:ext>
+            </a:extLst>
+          </p:cNvPr>
+          <p:cNvPicPr>
+            <a:picLocks noChangeAspect="1"/>
+          </p:cNvPicPr>
+          <p:nvPr/>
+        </p:nvPicPr>
+        <p:blipFill>
+          <a:blip r:embed="rId3"/>
+          <a:stretch>
+            <a:fillRect/>
+          </a:stretch>
+        </p:blipFill>
+        <p:spPr>
+          <a:xfrm>
+            <a:off x="6899004" y="3360174"/>
+            <a:ext cx="2187876" cy="3253277"/>
+          </a:xfrm>
+          <a:prstGeom prst="rect">
+            <a:avLst/>
+          </a:prstGeom>
+        </p:spPr>
+      </p:pic>
+    </p:spTree>
+    <p:extLst>
+      <p:ext uri="{BB962C8B-B14F-4D97-AF65-F5344CB8AC3E}">
+        <p14:creationId xmlns:p14="http://schemas.microsoft.com/office/powerpoint/2010/main" val="2490326185"/>
+      </p:ext>
+    </p:extLst>
+  </p:cSld>
+  <p:clrMapOvr>
+    <a:masterClrMapping/>
+  </p:clrMapOvr>
+</p:sld>
+</file>
+
+<file path=ppt/slides/slide7.xml><?xml version="1.0" encoding="utf-8"?>
+<p:sld xmlns:a="http://schemas.openxmlformats.org/drawingml/2006/main" xmlns:r="http://schemas.openxmlformats.org/officeDocument/2006/relationships" xmlns:p="http://schemas.openxmlformats.org/presentationml/2006/main">
+  <p:cSld>
+    <p:spTree>
+      <p:nvGrpSpPr>
+        <p:cNvPr id="1" name=""/>
+        <p:cNvGrpSpPr/>
+        <p:nvPr/>
+      </p:nvGrpSpPr>
+      <p:grpSpPr>
+        <a:xfrm>
+          <a:off x="0" y="0"/>
+          <a:ext cx="0" cy="0"/>
+          <a:chOff x="0" y="0"/>
+          <a:chExt cx="0" cy="0"/>
+        </a:xfrm>
+      </p:grpSpPr>
+      <p:sp>
+        <p:nvSpPr>
+          <p:cNvPr id="2" name="Title 1">
+            <a:extLst>
+              <a:ext uri="{FF2B5EF4-FFF2-40B4-BE49-F238E27FC236}">
+                <a16:creationId xmlns:a16="http://schemas.microsoft.com/office/drawing/2014/main" id="{4A0BE148-FF71-10AC-9384-F9BE28760FD1}"/>
+              </a:ext>
+            </a:extLst>
+          </p:cNvPr>
+          <p:cNvSpPr>
+            <a:spLocks noGrp="1"/>
+          </p:cNvSpPr>
+          <p:nvPr>
+            <p:ph type="title"/>
+          </p:nvPr>
+        </p:nvSpPr>
+        <p:spPr/>
+        <p:txBody>
+          <a:bodyPr/>
+          <a:lstStyle/>
+          <a:p>
+            <a:r>
+              <a:rPr lang="de-AT" dirty="0"/>
+              <a:t>Initialisieren und bewegen der Figuren</a:t>
+            </a:r>
+          </a:p>
+        </p:txBody>
+      </p:sp>
+      <p:sp>
+        <p:nvSpPr>
+          <p:cNvPr id="3" name="Content Placeholder 2">
+            <a:extLst>
+              <a:ext uri="{FF2B5EF4-FFF2-40B4-BE49-F238E27FC236}">
+                <a16:creationId xmlns:a16="http://schemas.microsoft.com/office/drawing/2014/main" id="{FFDAAA55-02FE-A45C-CF52-0E0344D098CB}"/>
+              </a:ext>
+            </a:extLst>
+          </p:cNvPr>
+          <p:cNvSpPr>
+            <a:spLocks noGrp="1"/>
+          </p:cNvSpPr>
+          <p:nvPr>
+            <p:ph idx="1"/>
+          </p:nvPr>
+        </p:nvSpPr>
+        <p:spPr/>
+        <p:txBody>
+          <a:bodyPr/>
+          <a:lstStyle/>
+          <a:p>
+            <a:r>
+              <a:rPr lang="de-AT" dirty="0"/>
+              <a:t>41-43: Aufstellen der Figuren </a:t>
+            </a:r>
+          </a:p>
+          <a:p>
+            <a:pPr marL="0" indent="0">
+              <a:buNone/>
+            </a:pPr>
+            <a:r>
+              <a:rPr lang="de-AT" dirty="0"/>
+              <a:t>	zu beginn des Spiels</a:t>
+            </a:r>
+          </a:p>
+          <a:p>
+            <a:r>
+              <a:rPr lang="de-AT" dirty="0"/>
+              <a:t>45-49: nach vorne gehen</a:t>
+            </a:r>
+          </a:p>
+          <a:p>
+            <a:r>
+              <a:rPr lang="de-AT" dirty="0"/>
+              <a:t>51-54: Figuren der anderen</a:t>
+            </a:r>
+          </a:p>
+          <a:p>
+            <a:pPr marL="914400" lvl="2" indent="0">
+              <a:buNone/>
+            </a:pPr>
+            <a:r>
+              <a:rPr lang="de-AT" sz="2000" dirty="0"/>
+              <a:t>Farbe diagonal schlagen</a:t>
+            </a:r>
+          </a:p>
+        </p:txBody>
+      </p:sp>
+      <p:pic>
+        <p:nvPicPr>
+          <p:cNvPr id="5" name="Picture 4">
+            <a:extLst>
+              <a:ext uri="{FF2B5EF4-FFF2-40B4-BE49-F238E27FC236}">
+                <a16:creationId xmlns:a16="http://schemas.microsoft.com/office/drawing/2014/main" id="{11ACE581-7CD4-AC55-7786-5ABAC9BFACD5}"/>
+              </a:ext>
+            </a:extLst>
+          </p:cNvPr>
+          <p:cNvPicPr>
+            <a:picLocks noChangeAspect="1"/>
+          </p:cNvPicPr>
+          <p:nvPr/>
+        </p:nvPicPr>
+        <p:blipFill>
+          <a:blip r:embed="rId2"/>
+          <a:stretch>
+            <a:fillRect/>
+          </a:stretch>
+        </p:blipFill>
+        <p:spPr>
+          <a:xfrm>
+            <a:off x="4350936" y="1999622"/>
+            <a:ext cx="7721897" cy="3244429"/>
+          </a:xfrm>
+          <a:prstGeom prst="rect">
+            <a:avLst/>
+          </a:prstGeom>
+        </p:spPr>
+      </p:pic>
+    </p:spTree>
+    <p:extLst>
+      <p:ext uri="{BB962C8B-B14F-4D97-AF65-F5344CB8AC3E}">
+        <p14:creationId xmlns:p14="http://schemas.microsoft.com/office/powerpoint/2010/main" val="3364783046"/>
+      </p:ext>
+    </p:extLst>
+  </p:cSld>
+  <p:clrMapOvr>
+    <a:masterClrMapping/>
+  </p:clrMapOvr>
+</p:sld>
+</file>
+
+<file path=ppt/slides/slide8.xml><?xml version="1.0" encoding="utf-8"?>
+<p:sld xmlns:a="http://schemas.openxmlformats.org/drawingml/2006/main" xmlns:r="http://schemas.openxmlformats.org/officeDocument/2006/relationships" xmlns:p="http://schemas.openxmlformats.org/presentationml/2006/main">
+  <p:cSld>
+    <p:spTree>
+      <p:nvGrpSpPr>
+        <p:cNvPr id="1" name=""/>
+        <p:cNvGrpSpPr/>
+        <p:nvPr/>
+      </p:nvGrpSpPr>
+      <p:grpSpPr>
+        <a:xfrm>
+          <a:off x="0" y="0"/>
+          <a:ext cx="0" cy="0"/>
+          <a:chOff x="0" y="0"/>
+          <a:chExt cx="0" cy="0"/>
+        </a:xfrm>
+      </p:grpSpPr>
+      <p:sp>
+        <p:nvSpPr>
+          <p:cNvPr id="2" name="Title 1">
+            <a:extLst>
+              <a:ext uri="{FF2B5EF4-FFF2-40B4-BE49-F238E27FC236}">
+                <a16:creationId xmlns:a16="http://schemas.microsoft.com/office/drawing/2014/main" id="{C357B207-81E6-ED59-C715-DAB55F5FC5F3}"/>
+              </a:ext>
+            </a:extLst>
+          </p:cNvPr>
+          <p:cNvSpPr>
+            <a:spLocks noGrp="1"/>
+          </p:cNvSpPr>
+          <p:nvPr>
+            <p:ph type="title"/>
+          </p:nvPr>
+        </p:nvSpPr>
+        <p:spPr/>
+        <p:txBody>
+          <a:bodyPr/>
+          <a:lstStyle/>
+          <a:p>
+            <a:r>
+              <a:rPr lang="de-AT" dirty="0"/>
+              <a:t>Klasse </a:t>
+            </a:r>
+            <a:r>
+              <a:rPr lang="de-AT" dirty="0" err="1"/>
+              <a:t>board</a:t>
+            </a:r>
+            <a:endParaRPr lang="de-AT" dirty="0"/>
+          </a:p>
+        </p:txBody>
+      </p:sp>
+      <p:sp>
+        <p:nvSpPr>
+          <p:cNvPr id="3" name="Content Placeholder 2">
+            <a:extLst>
+              <a:ext uri="{FF2B5EF4-FFF2-40B4-BE49-F238E27FC236}">
+                <a16:creationId xmlns:a16="http://schemas.microsoft.com/office/drawing/2014/main" id="{767DBBD8-6541-5640-E2AE-2702D78F939E}"/>
+              </a:ext>
+            </a:extLst>
+          </p:cNvPr>
+          <p:cNvSpPr>
+            <a:spLocks noGrp="1"/>
+          </p:cNvSpPr>
+          <p:nvPr>
+            <p:ph idx="1"/>
+          </p:nvPr>
+        </p:nvSpPr>
+        <p:spPr>
+          <a:xfrm>
+            <a:off x="369040" y="1682146"/>
+            <a:ext cx="10691265" cy="3739896"/>
+          </a:xfrm>
+        </p:spPr>
+        <p:txBody>
+          <a:bodyPr/>
+          <a:lstStyle/>
+          <a:p>
+            <a:r>
+              <a:rPr lang="de-AT" dirty="0"/>
+              <a:t>Initialisieren des Bretts und auffüllen</a:t>
+            </a:r>
+          </a:p>
+          <a:p>
+            <a:pPr marL="0" indent="0">
+              <a:buNone/>
+            </a:pPr>
+            <a:r>
+              <a:rPr lang="de-AT" dirty="0"/>
+              <a:t>   mit "None", also alle Felder sind leer.</a:t>
+            </a:r>
+          </a:p>
+          <a:p>
+            <a:endParaRPr lang="de-AT" dirty="0"/>
+          </a:p>
+          <a:p>
+            <a:r>
+              <a:rPr lang="de-AT" dirty="0"/>
+              <a:t>"</a:t>
+            </a:r>
+            <a:r>
+              <a:rPr lang="de-AT" dirty="0" err="1"/>
+              <a:t>setup_board</a:t>
+            </a:r>
+            <a:r>
+              <a:rPr lang="de-AT" dirty="0"/>
+              <a:t>(</a:t>
+            </a:r>
+            <a:r>
+              <a:rPr lang="de-AT" dirty="0" err="1"/>
+              <a:t>self</a:t>
+            </a:r>
+            <a:r>
+              <a:rPr lang="de-AT" dirty="0"/>
+              <a:t>):" Füllt das Brett zu </a:t>
+            </a:r>
+          </a:p>
+          <a:p>
+            <a:pPr marL="0" indent="0">
+              <a:buNone/>
+            </a:pPr>
+            <a:r>
+              <a:rPr lang="de-AT" dirty="0"/>
+              <a:t> beginn des Spiels mit den Start-Figuren</a:t>
+            </a:r>
+          </a:p>
+        </p:txBody>
+      </p:sp>
+      <p:pic>
+        <p:nvPicPr>
+          <p:cNvPr id="5" name="Picture 4">
+            <a:extLst>
+              <a:ext uri="{FF2B5EF4-FFF2-40B4-BE49-F238E27FC236}">
+                <a16:creationId xmlns:a16="http://schemas.microsoft.com/office/drawing/2014/main" id="{911AAEF3-78D6-59F7-CF52-69B69206880A}"/>
+              </a:ext>
+            </a:extLst>
+          </p:cNvPr>
+          <p:cNvPicPr>
+            <a:picLocks noChangeAspect="1"/>
+          </p:cNvPicPr>
+          <p:nvPr/>
+        </p:nvPicPr>
+        <p:blipFill>
+          <a:blip r:embed="rId2"/>
+          <a:stretch>
+            <a:fillRect/>
+          </a:stretch>
+        </p:blipFill>
+        <p:spPr>
+          <a:xfrm>
+            <a:off x="4810905" y="1480487"/>
+            <a:ext cx="7189319" cy="1132084"/>
+          </a:xfrm>
+          <a:prstGeom prst="rect">
+            <a:avLst/>
+          </a:prstGeom>
+        </p:spPr>
+      </p:pic>
+      <p:pic>
+        <p:nvPicPr>
+          <p:cNvPr id="7" name="Picture 6">
+            <a:extLst>
+              <a:ext uri="{FF2B5EF4-FFF2-40B4-BE49-F238E27FC236}">
+                <a16:creationId xmlns:a16="http://schemas.microsoft.com/office/drawing/2014/main" id="{94E047D8-7CAC-4473-F375-60BA0759838F}"/>
+              </a:ext>
+            </a:extLst>
+          </p:cNvPr>
+          <p:cNvPicPr>
+            <a:picLocks noChangeAspect="1"/>
+          </p:cNvPicPr>
+          <p:nvPr/>
+        </p:nvPicPr>
+        <p:blipFill>
+          <a:blip r:embed="rId3"/>
+          <a:stretch>
+            <a:fillRect/>
+          </a:stretch>
+        </p:blipFill>
+        <p:spPr>
+          <a:xfrm>
+            <a:off x="5792396" y="2628600"/>
+            <a:ext cx="4899049" cy="3474191"/>
+          </a:xfrm>
+          <a:prstGeom prst="rect">
+            <a:avLst/>
+          </a:prstGeom>
+        </p:spPr>
+      </p:pic>
+    </p:spTree>
+    <p:extLst>
+      <p:ext uri="{BB962C8B-B14F-4D97-AF65-F5344CB8AC3E}">
+        <p14:creationId xmlns:p14="http://schemas.microsoft.com/office/powerpoint/2010/main" val="1891275951"/>
+      </p:ext>
+    </p:extLst>
+  </p:cSld>
+  <p:clrMapOvr>
+    <a:masterClrMapping/>
+  </p:clrMapOvr>
+</p:sld>
+</file>
+
+<file path=ppt/slides/slide9.xml><?xml version="1.0" encoding="utf-8"?>
+<p:sld xmlns:a="http://schemas.openxmlformats.org/drawingml/2006/main" xmlns:r="http://schemas.openxmlformats.org/officeDocument/2006/relationships" xmlns:p="http://schemas.openxmlformats.org/presentationml/2006/main">
+  <p:cSld>
+    <p:spTree>
+      <p:nvGrpSpPr>
+        <p:cNvPr id="1" name=""/>
+        <p:cNvGrpSpPr/>
+        <p:nvPr/>
+      </p:nvGrpSpPr>
+      <p:grpSpPr>
+        <a:xfrm>
+          <a:off x="0" y="0"/>
+          <a:ext cx="0" cy="0"/>
+          <a:chOff x="0" y="0"/>
+          <a:chExt cx="0" cy="0"/>
+        </a:xfrm>
+      </p:grpSpPr>
+      <p:sp>
+        <p:nvSpPr>
+          <p:cNvPr id="2" name="Title 1">
+            <a:extLst>
+              <a:ext uri="{FF2B5EF4-FFF2-40B4-BE49-F238E27FC236}">
+                <a16:creationId xmlns:a16="http://schemas.microsoft.com/office/drawing/2014/main" id="{A6E238C4-D8CD-3E07-D79D-796F174F6193}"/>
+              </a:ext>
+            </a:extLst>
+          </p:cNvPr>
+          <p:cNvSpPr>
+            <a:spLocks noGrp="1"/>
+          </p:cNvSpPr>
+          <p:nvPr>
+            <p:ph type="title"/>
+          </p:nvPr>
+        </p:nvSpPr>
+        <p:spPr/>
+        <p:txBody>
+          <a:bodyPr/>
+          <a:lstStyle/>
+          <a:p>
+            <a:r>
+              <a:rPr lang="de-AT" dirty="0"/>
+              <a:t>Klasse game</a:t>
+            </a:r>
+          </a:p>
+        </p:txBody>
+      </p:sp>
+      <p:sp>
+        <p:nvSpPr>
+          <p:cNvPr id="3" name="Content Placeholder 2">
+            <a:extLst>
+              <a:ext uri="{FF2B5EF4-FFF2-40B4-BE49-F238E27FC236}">
+                <a16:creationId xmlns:a16="http://schemas.microsoft.com/office/drawing/2014/main" id="{28849330-81D2-D009-FA50-0DBEA868E0E1}"/>
+              </a:ext>
+            </a:extLst>
+          </p:cNvPr>
+          <p:cNvSpPr>
+            <a:spLocks noGrp="1"/>
+          </p:cNvSpPr>
+          <p:nvPr>
+            <p:ph idx="1"/>
+          </p:nvPr>
+        </p:nvSpPr>
+        <p:spPr/>
+        <p:txBody>
+          <a:bodyPr/>
+          <a:lstStyle/>
+          <a:p>
+            <a:endParaRPr lang="de-AT" dirty="0"/>
+          </a:p>
+        </p:txBody>
+      </p:sp>
+      <p:pic>
+        <p:nvPicPr>
+          <p:cNvPr id="5" name="Picture 4">
+            <a:extLst>
+              <a:ext uri="{FF2B5EF4-FFF2-40B4-BE49-F238E27FC236}">
+                <a16:creationId xmlns:a16="http://schemas.microsoft.com/office/drawing/2014/main" id="{D275E4F2-5587-F768-7BE5-236C19CA9409}"/>
+              </a:ext>
+            </a:extLst>
+          </p:cNvPr>
+          <p:cNvPicPr>
+            <a:picLocks noChangeAspect="1"/>
+          </p:cNvPicPr>
+          <p:nvPr/>
+        </p:nvPicPr>
+        <p:blipFill>
+          <a:blip r:embed="rId2"/>
+          <a:stretch>
+            <a:fillRect/>
+          </a:stretch>
+        </p:blipFill>
+        <p:spPr>
+          <a:xfrm>
+            <a:off x="3040165" y="2309153"/>
+            <a:ext cx="5804531" cy="2079699"/>
+          </a:xfrm>
+          <a:prstGeom prst="rect">
+            <a:avLst/>
+          </a:prstGeom>
+        </p:spPr>
+      </p:pic>
+    </p:spTree>
+    <p:extLst>
+      <p:ext uri="{BB962C8B-B14F-4D97-AF65-F5344CB8AC3E}">
+        <p14:creationId xmlns:p14="http://schemas.microsoft.com/office/powerpoint/2010/main" val="2622366391"/>
       </p:ext>
     </p:extLst>
   </p:cSld>
